--- a/すれ違い回避_2台.pptx
+++ b/すれ違い回避_2台.pptx
@@ -6,7 +6,7 @@
   </p:sldMasterIdLst>
   <p:sldIdLst>
     <p:sldId id="256" r:id="rId2"/>
-    <p:sldId id="257" r:id="rId3"/>
+    <p:sldId id="260" r:id="rId3"/>
     <p:sldId id="258" r:id="rId4"/>
     <p:sldId id="259" r:id="rId5"/>
   </p:sldIdLst>
@@ -3666,10 +3666,10 @@
       </p:sp>
       <p:sp>
         <p:nvSpPr>
-          <p:cNvPr id="5" name="フローチャート: 処理 4">
-            <a:extLst>
-              <a:ext uri="{FF2B5EF4-FFF2-40B4-BE49-F238E27FC236}">
-                <a16:creationId xmlns:a16="http://schemas.microsoft.com/office/drawing/2014/main" id="{4126578E-9EE2-D42E-F8BE-CEAB5A7D18E0}"/>
+          <p:cNvPr id="16" name="フローチャート: 結合子 15">
+            <a:extLst>
+              <a:ext uri="{FF2B5EF4-FFF2-40B4-BE49-F238E27FC236}">
+                <a16:creationId xmlns:a16="http://schemas.microsoft.com/office/drawing/2014/main" id="{C756FBA2-67C6-1C2B-0812-81FE627F3891}"/>
               </a:ext>
             </a:extLst>
           </p:cNvPr>
@@ -3678,10 +3678,10 @@
         </p:nvSpPr>
         <p:spPr>
           <a:xfrm>
-            <a:off x="7942494" y="563013"/>
-            <a:ext cx="3720196" cy="304575"/>
-          </a:xfrm>
-          <a:prstGeom prst="flowChartProcess">
+            <a:off x="9573988" y="6304847"/>
+            <a:ext cx="457200" cy="457200"/>
+          </a:xfrm>
+          <a:prstGeom prst="flowChartConnector">
             <a:avLst/>
           </a:prstGeom>
         </p:spPr>
@@ -3707,11 +3707,46 @@
           <a:p>
             <a:pPr algn="ctr"/>
             <a:r>
-              <a:rPr lang="en-US" altLang="ja-JP" sz="2000" dirty="0">
+              <a:rPr kumimoji="1" lang="en-US" altLang="ja-JP" dirty="0"/>
+              <a:t>1</a:t>
+            </a:r>
+          </a:p>
+        </p:txBody>
+      </p:sp>
+      <p:sp>
+        <p:nvSpPr>
+          <p:cNvPr id="17" name="テキスト ボックス 16">
+            <a:extLst>
+              <a:ext uri="{FF2B5EF4-FFF2-40B4-BE49-F238E27FC236}">
+                <a16:creationId xmlns:a16="http://schemas.microsoft.com/office/drawing/2014/main" id="{BD372856-30B4-DD80-517E-B543AD5555B3}"/>
+              </a:ext>
+            </a:extLst>
+          </p:cNvPr>
+          <p:cNvSpPr txBox="1"/>
+          <p:nvPr/>
+        </p:nvSpPr>
+        <p:spPr>
+          <a:xfrm>
+            <a:off x="10031188" y="6057615"/>
+            <a:ext cx="479618" cy="400110"/>
+          </a:xfrm>
+          <a:prstGeom prst="rect">
+            <a:avLst/>
+          </a:prstGeom>
+          <a:noFill/>
+        </p:spPr>
+        <p:txBody>
+          <a:bodyPr wrap="none" rtlCol="0">
+            <a:spAutoFit/>
+          </a:bodyPr>
+          <a:lstStyle/>
+          <a:p>
+            <a:r>
+              <a:rPr kumimoji="1" lang="en-US" altLang="ja-JP" sz="2000" dirty="0">
                 <a:latin typeface="MS PGothic" panose="020B0600070205080204" pitchFamily="34" charset="-128"/>
                 <a:ea typeface="MS PGothic" panose="020B0600070205080204" pitchFamily="34" charset="-128"/>
               </a:rPr>
-              <a:t>W,A,B given</a:t>
+              <a:t>No</a:t>
             </a:r>
             <a:endParaRPr kumimoji="1" lang="ja-JP" altLang="en-US" sz="2000">
               <a:latin typeface="MS PGothic" panose="020B0600070205080204" pitchFamily="34" charset="-128"/>
@@ -3722,10 +3757,142 @@
       </p:sp>
       <p:sp>
         <p:nvSpPr>
-          <p:cNvPr id="6" name="フローチャート: 処理 5">
-            <a:extLst>
-              <a:ext uri="{FF2B5EF4-FFF2-40B4-BE49-F238E27FC236}">
-                <a16:creationId xmlns:a16="http://schemas.microsoft.com/office/drawing/2014/main" id="{999EC231-31F3-3FE5-59B0-B4448046B6B8}"/>
+          <p:cNvPr id="18" name="テキスト ボックス 17">
+            <a:extLst>
+              <a:ext uri="{FF2B5EF4-FFF2-40B4-BE49-F238E27FC236}">
+                <a16:creationId xmlns:a16="http://schemas.microsoft.com/office/drawing/2014/main" id="{052E4244-6AC3-37AA-234A-A1FA4F677AAA}"/>
+              </a:ext>
+            </a:extLst>
+          </p:cNvPr>
+          <p:cNvSpPr txBox="1"/>
+          <p:nvPr/>
+        </p:nvSpPr>
+        <p:spPr>
+          <a:xfrm>
+            <a:off x="7732081" y="5551942"/>
+            <a:ext cx="582211" cy="400110"/>
+          </a:xfrm>
+          <a:prstGeom prst="rect">
+            <a:avLst/>
+          </a:prstGeom>
+          <a:noFill/>
+        </p:spPr>
+        <p:txBody>
+          <a:bodyPr wrap="none" rtlCol="0">
+            <a:spAutoFit/>
+          </a:bodyPr>
+          <a:lstStyle/>
+          <a:p>
+            <a:r>
+              <a:rPr kumimoji="1" lang="en-US" altLang="ja-JP" sz="2000" dirty="0">
+                <a:latin typeface="MS PGothic" panose="020B0600070205080204" pitchFamily="34" charset="-128"/>
+                <a:ea typeface="MS PGothic" panose="020B0600070205080204" pitchFamily="34" charset="-128"/>
+              </a:rPr>
+              <a:t>Yes</a:t>
+            </a:r>
+            <a:endParaRPr kumimoji="1" lang="ja-JP" altLang="en-US" sz="2000">
+              <a:latin typeface="MS PGothic" panose="020B0600070205080204" pitchFamily="34" charset="-128"/>
+              <a:ea typeface="MS PGothic" panose="020B0600070205080204" pitchFamily="34" charset="-128"/>
+            </a:endParaRPr>
+          </a:p>
+        </p:txBody>
+      </p:sp>
+      <p:cxnSp>
+        <p:nvCxnSpPr>
+          <p:cNvPr id="20" name="直線矢印コネクタ 19">
+            <a:extLst>
+              <a:ext uri="{FF2B5EF4-FFF2-40B4-BE49-F238E27FC236}">
+                <a16:creationId xmlns:a16="http://schemas.microsoft.com/office/drawing/2014/main" id="{D8DA1960-971A-106C-61CC-FF3194713B0A}"/>
+              </a:ext>
+            </a:extLst>
+          </p:cNvPr>
+          <p:cNvCxnSpPr>
+            <a:cxnSpLocks/>
+            <a:stCxn id="3" idx="2"/>
+            <a:endCxn id="16" idx="0"/>
+          </p:cNvCxnSpPr>
+          <p:nvPr/>
+        </p:nvCxnSpPr>
+        <p:spPr>
+          <a:xfrm flipH="1">
+            <a:off x="9802588" y="389491"/>
+            <a:ext cx="9" cy="5915356"/>
+          </a:xfrm>
+          <a:prstGeom prst="straightConnector1">
+            <a:avLst/>
+          </a:prstGeom>
+          <a:ln>
+            <a:headEnd type="none" w="med" len="med"/>
+            <a:tailEnd type="none" w="med" len="med"/>
+          </a:ln>
+        </p:spPr>
+        <p:style>
+          <a:lnRef idx="1">
+            <a:schemeClr val="accent1"/>
+          </a:lnRef>
+          <a:fillRef idx="0">
+            <a:schemeClr val="accent1"/>
+          </a:fillRef>
+          <a:effectRef idx="0">
+            <a:schemeClr val="accent1"/>
+          </a:effectRef>
+          <a:fontRef idx="minor">
+            <a:schemeClr val="tx1"/>
+          </a:fontRef>
+        </p:style>
+      </p:cxnSp>
+      <p:cxnSp>
+        <p:nvCxnSpPr>
+          <p:cNvPr id="22" name="カギ線コネクタ 21">
+            <a:extLst>
+              <a:ext uri="{FF2B5EF4-FFF2-40B4-BE49-F238E27FC236}">
+                <a16:creationId xmlns:a16="http://schemas.microsoft.com/office/drawing/2014/main" id="{C507CDF2-D32C-1E18-95C3-0F9FE228C176}"/>
+              </a:ext>
+            </a:extLst>
+          </p:cNvPr>
+          <p:cNvCxnSpPr>
+            <a:cxnSpLocks/>
+            <a:stCxn id="15" idx="1"/>
+            <a:endCxn id="23" idx="3"/>
+          </p:cNvCxnSpPr>
+          <p:nvPr/>
+        </p:nvCxnSpPr>
+        <p:spPr>
+          <a:xfrm rot="10800000">
+            <a:off x="7234844" y="1108059"/>
+            <a:ext cx="613759" cy="4442906"/>
+          </a:xfrm>
+          <a:prstGeom prst="bentConnector3">
+            <a:avLst>
+              <a:gd name="adj1" fmla="val 50000"/>
+            </a:avLst>
+          </a:prstGeom>
+          <a:ln>
+            <a:headEnd type="none" w="med" len="med"/>
+            <a:tailEnd type="none" w="med" len="med"/>
+          </a:ln>
+        </p:spPr>
+        <p:style>
+          <a:lnRef idx="1">
+            <a:schemeClr val="accent1"/>
+          </a:lnRef>
+          <a:fillRef idx="0">
+            <a:schemeClr val="accent1"/>
+          </a:fillRef>
+          <a:effectRef idx="0">
+            <a:schemeClr val="accent1"/>
+          </a:effectRef>
+          <a:fontRef idx="minor">
+            <a:schemeClr val="tx1"/>
+          </a:fontRef>
+        </p:style>
+      </p:cxnSp>
+      <p:sp>
+        <p:nvSpPr>
+          <p:cNvPr id="23" name="フローチャート: 判断 22">
+            <a:extLst>
+              <a:ext uri="{FF2B5EF4-FFF2-40B4-BE49-F238E27FC236}">
+                <a16:creationId xmlns:a16="http://schemas.microsoft.com/office/drawing/2014/main" id="{94B3695C-6188-4580-035D-69892EF4CA95}"/>
               </a:ext>
             </a:extLst>
           </p:cNvPr>
@@ -3734,10 +3901,10 @@
         </p:nvSpPr>
         <p:spPr>
           <a:xfrm>
-            <a:off x="7942496" y="955772"/>
-            <a:ext cx="3720194" cy="304575"/>
-          </a:xfrm>
-          <a:prstGeom prst="flowChartProcess">
+            <a:off x="3326872" y="613228"/>
+            <a:ext cx="3907971" cy="989661"/>
+          </a:xfrm>
+          <a:prstGeom prst="flowChartDecision">
             <a:avLst/>
           </a:prstGeom>
         </p:spPr>
@@ -3763,83 +3930,386 @@
           <a:p>
             <a:pPr algn="ctr"/>
             <a:r>
+              <a:rPr kumimoji="1" lang="en" altLang="ja-JP" sz="2000" dirty="0">
+                <a:latin typeface="MS PGothic" panose="020B0600070205080204" pitchFamily="34" charset="-128"/>
+                <a:ea typeface="MS PGothic" panose="020B0600070205080204" pitchFamily="34" charset="-128"/>
+              </a:rPr>
+              <a:t>Is it a narrow passage?</a:t>
+            </a:r>
+            <a:endParaRPr kumimoji="1" lang="ja-JP" altLang="en-US" sz="2000">
+              <a:latin typeface="MS PGothic" panose="020B0600070205080204" pitchFamily="34" charset="-128"/>
+              <a:ea typeface="MS PGothic" panose="020B0600070205080204" pitchFamily="34" charset="-128"/>
+            </a:endParaRPr>
+          </a:p>
+        </p:txBody>
+      </p:sp>
+      <p:sp>
+        <p:nvSpPr>
+          <p:cNvPr id="24" name="フローチャート: 判断 23">
+            <a:extLst>
+              <a:ext uri="{FF2B5EF4-FFF2-40B4-BE49-F238E27FC236}">
+                <a16:creationId xmlns:a16="http://schemas.microsoft.com/office/drawing/2014/main" id="{15B834EC-8115-3D5B-302E-1AF5F0672758}"/>
+              </a:ext>
+            </a:extLst>
+          </p:cNvPr>
+          <p:cNvSpPr/>
+          <p:nvPr/>
+        </p:nvSpPr>
+        <p:spPr>
+          <a:xfrm>
+            <a:off x="3194899" y="3069292"/>
+            <a:ext cx="4171918" cy="1328022"/>
+          </a:xfrm>
+          <a:prstGeom prst="flowChartDecision">
+            <a:avLst/>
+          </a:prstGeom>
+        </p:spPr>
+        <p:style>
+          <a:lnRef idx="2">
+            <a:schemeClr val="accent1">
+              <a:shade val="50000"/>
+            </a:schemeClr>
+          </a:lnRef>
+          <a:fillRef idx="1">
+            <a:schemeClr val="accent1"/>
+          </a:fillRef>
+          <a:effectRef idx="0">
+            <a:schemeClr val="accent1"/>
+          </a:effectRef>
+          <a:fontRef idx="minor">
+            <a:schemeClr val="lt1"/>
+          </a:fontRef>
+        </p:style>
+        <p:txBody>
+          <a:bodyPr rtlCol="0" anchor="ctr"/>
+          <a:lstStyle/>
+          <a:p>
+            <a:pPr algn="ctr"/>
+            <a:r>
+              <a:rPr kumimoji="1" lang="en" altLang="ja-JP" sz="2000" dirty="0">
+                <a:latin typeface="MS PGothic" panose="020B0600070205080204" pitchFamily="34" charset="-128"/>
+                <a:ea typeface="MS PGothic" panose="020B0600070205080204" pitchFamily="34" charset="-128"/>
+              </a:rPr>
+              <a:t>Have all agents reached their goal?</a:t>
+            </a:r>
+            <a:endParaRPr kumimoji="1" lang="ja-JP" altLang="en-US" sz="2000">
+              <a:latin typeface="MS PGothic" panose="020B0600070205080204" pitchFamily="34" charset="-128"/>
+              <a:ea typeface="MS PGothic" panose="020B0600070205080204" pitchFamily="34" charset="-128"/>
+            </a:endParaRPr>
+          </a:p>
+        </p:txBody>
+      </p:sp>
+      <p:cxnSp>
+        <p:nvCxnSpPr>
+          <p:cNvPr id="28" name="カギ線コネクタ 27">
+            <a:extLst>
+              <a:ext uri="{FF2B5EF4-FFF2-40B4-BE49-F238E27FC236}">
+                <a16:creationId xmlns:a16="http://schemas.microsoft.com/office/drawing/2014/main" id="{26696C46-03E3-BE03-3817-7560C041CC0E}"/>
+              </a:ext>
+            </a:extLst>
+          </p:cNvPr>
+          <p:cNvCxnSpPr>
+            <a:cxnSpLocks/>
+            <a:stCxn id="24" idx="0"/>
+            <a:endCxn id="23" idx="2"/>
+          </p:cNvCxnSpPr>
+          <p:nvPr/>
+        </p:nvCxnSpPr>
+        <p:spPr>
+          <a:xfrm rot="5400000" flipH="1" flipV="1">
+            <a:off x="4547657" y="2336091"/>
+            <a:ext cx="1466403" cy="12700"/>
+          </a:xfrm>
+          <a:prstGeom prst="bentConnector3">
+            <a:avLst>
+              <a:gd name="adj1" fmla="val 50000"/>
+            </a:avLst>
+          </a:prstGeom>
+          <a:ln>
+            <a:headEnd type="none" w="med" len="med"/>
+            <a:tailEnd type="none" w="med" len="med"/>
+          </a:ln>
+        </p:spPr>
+        <p:style>
+          <a:lnRef idx="1">
+            <a:schemeClr val="accent1"/>
+          </a:lnRef>
+          <a:fillRef idx="0">
+            <a:schemeClr val="accent1"/>
+          </a:fillRef>
+          <a:effectRef idx="0">
+            <a:schemeClr val="accent1"/>
+          </a:effectRef>
+          <a:fontRef idx="minor">
+            <a:schemeClr val="tx1"/>
+          </a:fontRef>
+        </p:style>
+      </p:cxnSp>
+      <p:sp>
+        <p:nvSpPr>
+          <p:cNvPr id="31" name="テキスト ボックス 30">
+            <a:extLst>
+              <a:ext uri="{FF2B5EF4-FFF2-40B4-BE49-F238E27FC236}">
+                <a16:creationId xmlns:a16="http://schemas.microsoft.com/office/drawing/2014/main" id="{ADBDDCCD-416F-905E-0A34-E030FBDD7C96}"/>
+              </a:ext>
+            </a:extLst>
+          </p:cNvPr>
+          <p:cNvSpPr txBox="1"/>
+          <p:nvPr/>
+        </p:nvSpPr>
+        <p:spPr>
+          <a:xfrm>
+            <a:off x="5347361" y="1540786"/>
+            <a:ext cx="582211" cy="400110"/>
+          </a:xfrm>
+          <a:prstGeom prst="rect">
+            <a:avLst/>
+          </a:prstGeom>
+          <a:noFill/>
+        </p:spPr>
+        <p:txBody>
+          <a:bodyPr wrap="none" rtlCol="0">
+            <a:spAutoFit/>
+          </a:bodyPr>
+          <a:lstStyle/>
+          <a:p>
+            <a:r>
               <a:rPr kumimoji="1" lang="en-US" altLang="ja-JP" sz="2000" dirty="0">
                 <a:latin typeface="MS PGothic" panose="020B0600070205080204" pitchFamily="34" charset="-128"/>
                 <a:ea typeface="MS PGothic" panose="020B0600070205080204" pitchFamily="34" charset="-128"/>
               </a:rPr>
-              <a:t>S</a:t>
-            </a:r>
-            <a:r>
-              <a:rPr kumimoji="1" lang="en-US" altLang="ja-JP" sz="2000" baseline="30000" dirty="0">
+              <a:t>Yes</a:t>
+            </a:r>
+            <a:endParaRPr kumimoji="1" lang="ja-JP" altLang="en-US" sz="2000">
+              <a:latin typeface="MS PGothic" panose="020B0600070205080204" pitchFamily="34" charset="-128"/>
+              <a:ea typeface="MS PGothic" panose="020B0600070205080204" pitchFamily="34" charset="-128"/>
+            </a:endParaRPr>
+          </a:p>
+        </p:txBody>
+      </p:sp>
+      <p:cxnSp>
+        <p:nvCxnSpPr>
+          <p:cNvPr id="35" name="カギ線コネクタ 34">
+            <a:extLst>
+              <a:ext uri="{FF2B5EF4-FFF2-40B4-BE49-F238E27FC236}">
+                <a16:creationId xmlns:a16="http://schemas.microsoft.com/office/drawing/2014/main" id="{92806321-5B69-4E9A-F130-F0A82507C6C8}"/>
+              </a:ext>
+            </a:extLst>
+          </p:cNvPr>
+          <p:cNvCxnSpPr>
+            <a:cxnSpLocks/>
+            <a:endCxn id="24" idx="2"/>
+          </p:cNvCxnSpPr>
+          <p:nvPr/>
+        </p:nvCxnSpPr>
+        <p:spPr>
+          <a:xfrm rot="10800000">
+            <a:off x="5280858" y="4397314"/>
+            <a:ext cx="4521730" cy="1739454"/>
+          </a:xfrm>
+          <a:prstGeom prst="bentConnector2">
+            <a:avLst/>
+          </a:prstGeom>
+          <a:ln>
+            <a:headEnd type="none" w="med" len="med"/>
+            <a:tailEnd type="none" w="med" len="med"/>
+          </a:ln>
+        </p:spPr>
+        <p:style>
+          <a:lnRef idx="1">
+            <a:schemeClr val="accent1"/>
+          </a:lnRef>
+          <a:fillRef idx="0">
+            <a:schemeClr val="accent1"/>
+          </a:fillRef>
+          <a:effectRef idx="0">
+            <a:schemeClr val="accent1"/>
+          </a:effectRef>
+          <a:fontRef idx="minor">
+            <a:schemeClr val="tx1"/>
+          </a:fontRef>
+        </p:style>
+      </p:cxnSp>
+      <p:cxnSp>
+        <p:nvCxnSpPr>
+          <p:cNvPr id="43" name="カギ線コネクタ 42">
+            <a:extLst>
+              <a:ext uri="{FF2B5EF4-FFF2-40B4-BE49-F238E27FC236}">
+                <a16:creationId xmlns:a16="http://schemas.microsoft.com/office/drawing/2014/main" id="{47FE4ACF-322E-DBD8-B237-CD03D8B39468}"/>
+              </a:ext>
+            </a:extLst>
+          </p:cNvPr>
+          <p:cNvCxnSpPr>
+            <a:cxnSpLocks/>
+            <a:endCxn id="24" idx="1"/>
+          </p:cNvCxnSpPr>
+          <p:nvPr/>
+        </p:nvCxnSpPr>
+        <p:spPr>
+          <a:xfrm rot="10800000" flipV="1">
+            <a:off x="3194900" y="3006305"/>
+            <a:ext cx="2092309" cy="726997"/>
+          </a:xfrm>
+          <a:prstGeom prst="bentConnector3">
+            <a:avLst>
+              <a:gd name="adj1" fmla="val 110926"/>
+            </a:avLst>
+          </a:prstGeom>
+          <a:ln>
+            <a:headEnd type="none" w="med" len="med"/>
+            <a:tailEnd type="none" w="med" len="med"/>
+          </a:ln>
+        </p:spPr>
+        <p:style>
+          <a:lnRef idx="1">
+            <a:schemeClr val="accent1"/>
+          </a:lnRef>
+          <a:fillRef idx="0">
+            <a:schemeClr val="accent1"/>
+          </a:fillRef>
+          <a:effectRef idx="0">
+            <a:schemeClr val="accent1"/>
+          </a:effectRef>
+          <a:fontRef idx="minor">
+            <a:schemeClr val="tx1"/>
+          </a:fontRef>
+        </p:style>
+      </p:cxnSp>
+      <p:sp>
+        <p:nvSpPr>
+          <p:cNvPr id="48" name="テキスト ボックス 47">
+            <a:extLst>
+              <a:ext uri="{FF2B5EF4-FFF2-40B4-BE49-F238E27FC236}">
+                <a16:creationId xmlns:a16="http://schemas.microsoft.com/office/drawing/2014/main" id="{BF810678-04A3-DEC7-197B-9588B644EA6B}"/>
+              </a:ext>
+            </a:extLst>
+          </p:cNvPr>
+          <p:cNvSpPr txBox="1"/>
+          <p:nvPr/>
+        </p:nvSpPr>
+        <p:spPr>
+          <a:xfrm>
+            <a:off x="5347361" y="4397314"/>
+            <a:ext cx="582211" cy="400110"/>
+          </a:xfrm>
+          <a:prstGeom prst="rect">
+            <a:avLst/>
+          </a:prstGeom>
+          <a:noFill/>
+        </p:spPr>
+        <p:txBody>
+          <a:bodyPr wrap="none" rtlCol="0">
+            <a:spAutoFit/>
+          </a:bodyPr>
+          <a:lstStyle/>
+          <a:p>
+            <a:r>
+              <a:rPr kumimoji="1" lang="en-US" altLang="ja-JP" sz="2000" dirty="0">
                 <a:latin typeface="MS PGothic" panose="020B0600070205080204" pitchFamily="34" charset="-128"/>
                 <a:ea typeface="MS PGothic" panose="020B0600070205080204" pitchFamily="34" charset="-128"/>
               </a:rPr>
-              <a:t>i</a:t>
-            </a:r>
-            <a:r>
-              <a:rPr lang="ja-JP" altLang="en-US" sz="2000" i="0">
+              <a:t>Yes</a:t>
+            </a:r>
+            <a:endParaRPr kumimoji="1" lang="ja-JP" altLang="en-US" sz="2000">
+              <a:latin typeface="MS PGothic" panose="020B0600070205080204" pitchFamily="34" charset="-128"/>
+              <a:ea typeface="MS PGothic" panose="020B0600070205080204" pitchFamily="34" charset="-128"/>
+            </a:endParaRPr>
+          </a:p>
+        </p:txBody>
+      </p:sp>
+      <p:sp>
+        <p:nvSpPr>
+          <p:cNvPr id="49" name="テキスト ボックス 48">
+            <a:extLst>
+              <a:ext uri="{FF2B5EF4-FFF2-40B4-BE49-F238E27FC236}">
+                <a16:creationId xmlns:a16="http://schemas.microsoft.com/office/drawing/2014/main" id="{A5B85015-C740-7E60-AA16-4F579DBD995F}"/>
+              </a:ext>
+            </a:extLst>
+          </p:cNvPr>
+          <p:cNvSpPr txBox="1"/>
+          <p:nvPr/>
+        </p:nvSpPr>
+        <p:spPr>
+          <a:xfrm>
+            <a:off x="3087063" y="3788798"/>
+            <a:ext cx="479618" cy="400110"/>
+          </a:xfrm>
+          <a:prstGeom prst="rect">
+            <a:avLst/>
+          </a:prstGeom>
+          <a:noFill/>
+        </p:spPr>
+        <p:txBody>
+          <a:bodyPr wrap="none" rtlCol="0">
+            <a:spAutoFit/>
+          </a:bodyPr>
+          <a:lstStyle/>
+          <a:p>
+            <a:r>
+              <a:rPr kumimoji="1" lang="en-US" altLang="ja-JP" sz="2000" dirty="0">
+                <a:latin typeface="MS PGothic" panose="020B0600070205080204" pitchFamily="34" charset="-128"/>
+                <a:ea typeface="MS PGothic" panose="020B0600070205080204" pitchFamily="34" charset="-128"/>
+              </a:rPr>
+              <a:t>No</a:t>
+            </a:r>
+            <a:endParaRPr kumimoji="1" lang="ja-JP" altLang="en-US" sz="2000">
+              <a:latin typeface="MS PGothic" panose="020B0600070205080204" pitchFamily="34" charset="-128"/>
+              <a:ea typeface="MS PGothic" panose="020B0600070205080204" pitchFamily="34" charset="-128"/>
+            </a:endParaRPr>
+          </a:p>
+        </p:txBody>
+      </p:sp>
+      <p:sp>
+        <p:nvSpPr>
+          <p:cNvPr id="13" name="フローチャート: 処理 12">
+            <a:extLst>
+              <a:ext uri="{FF2B5EF4-FFF2-40B4-BE49-F238E27FC236}">
+                <a16:creationId xmlns:a16="http://schemas.microsoft.com/office/drawing/2014/main" id="{734A4756-DA44-AF4B-4418-12FADD506DFB}"/>
+              </a:ext>
+            </a:extLst>
+          </p:cNvPr>
+          <p:cNvSpPr/>
+          <p:nvPr/>
+        </p:nvSpPr>
+        <p:spPr>
+          <a:xfrm>
+            <a:off x="3333223" y="2120110"/>
+            <a:ext cx="3907970" cy="301752"/>
+          </a:xfrm>
+          <a:prstGeom prst="flowChartProcess">
+            <a:avLst/>
+          </a:prstGeom>
+        </p:spPr>
+        <p:style>
+          <a:lnRef idx="2">
+            <a:schemeClr val="accent1">
+              <a:shade val="50000"/>
+            </a:schemeClr>
+          </a:lnRef>
+          <a:fillRef idx="1">
+            <a:schemeClr val="accent1"/>
+          </a:fillRef>
+          <a:effectRef idx="0">
+            <a:schemeClr val="accent1"/>
+          </a:effectRef>
+          <a:fontRef idx="minor">
+            <a:schemeClr val="lt1"/>
+          </a:fontRef>
+        </p:style>
+        <p:txBody>
+          <a:bodyPr rtlCol="0" anchor="ctr"/>
+          <a:lstStyle/>
+          <a:p>
+            <a:pPr algn="ctr"/>
+            <a:r>
+              <a:rPr kumimoji="1" lang="en" altLang="ja-JP" sz="2000" dirty="0">
                 <a:solidFill>
                   <a:schemeClr val="bg1"/>
                 </a:solidFill>
-                <a:effectLst/>
                 <a:latin typeface="MS PGothic" panose="020B0600070205080204" pitchFamily="34" charset="-128"/>
                 <a:ea typeface="MS PGothic" panose="020B0600070205080204" pitchFamily="34" charset="-128"/>
               </a:rPr>
-              <a:t>∈</a:t>
-            </a:r>
-            <a:r>
-              <a:rPr lang="en-US" altLang="ja-JP" sz="2000" i="0" dirty="0">
-                <a:solidFill>
-                  <a:schemeClr val="bg1"/>
-                </a:solidFill>
-                <a:effectLst/>
-                <a:latin typeface="MS PGothic" panose="020B0600070205080204" pitchFamily="34" charset="-128"/>
-                <a:ea typeface="MS PGothic" panose="020B0600070205080204" pitchFamily="34" charset="-128"/>
-              </a:rPr>
-              <a:t>W,</a:t>
-            </a:r>
-            <a:r>
-              <a:rPr kumimoji="1" lang="en-US" altLang="ja-JP" sz="2000" dirty="0">
-                <a:latin typeface="MS PGothic" panose="020B0600070205080204" pitchFamily="34" charset="-128"/>
-                <a:ea typeface="MS PGothic" panose="020B0600070205080204" pitchFamily="34" charset="-128"/>
-              </a:rPr>
-              <a:t> </a:t>
-            </a:r>
-            <a:r>
-              <a:rPr kumimoji="1" lang="en-US" altLang="ja-JP" sz="2000" dirty="0" err="1">
-                <a:latin typeface="MS PGothic" panose="020B0600070205080204" pitchFamily="34" charset="-128"/>
-                <a:ea typeface="MS PGothic" panose="020B0600070205080204" pitchFamily="34" charset="-128"/>
-              </a:rPr>
-              <a:t>g</a:t>
-            </a:r>
-            <a:r>
-              <a:rPr kumimoji="1" lang="en-US" altLang="ja-JP" sz="2000" baseline="30000" dirty="0" err="1">
-                <a:latin typeface="MS PGothic" panose="020B0600070205080204" pitchFamily="34" charset="-128"/>
-                <a:ea typeface="MS PGothic" panose="020B0600070205080204" pitchFamily="34" charset="-128"/>
-              </a:rPr>
-              <a:t>i</a:t>
-            </a:r>
-            <a:r>
-              <a:rPr lang="ja-JP" altLang="en-US" sz="2000" i="0">
-                <a:solidFill>
-                  <a:schemeClr val="bg1"/>
-                </a:solidFill>
-                <a:effectLst/>
-                <a:latin typeface="MS PGothic" panose="020B0600070205080204" pitchFamily="34" charset="-128"/>
-                <a:ea typeface="MS PGothic" panose="020B0600070205080204" pitchFamily="34" charset="-128"/>
-              </a:rPr>
-              <a:t>∈</a:t>
-            </a:r>
-            <a:r>
-              <a:rPr lang="en-US" altLang="ja-JP" sz="2000" i="0" dirty="0">
-                <a:solidFill>
-                  <a:schemeClr val="bg1"/>
-                </a:solidFill>
-                <a:effectLst/>
-                <a:latin typeface="MS PGothic" panose="020B0600070205080204" pitchFamily="34" charset="-128"/>
-                <a:ea typeface="MS PGothic" panose="020B0600070205080204" pitchFamily="34" charset="-128"/>
-              </a:rPr>
-              <a:t>W given </a:t>
+              <a:t>B breaks the top block</a:t>
             </a:r>
             <a:endParaRPr kumimoji="1" lang="ja-JP" altLang="en-US" sz="2000">
               <a:solidFill>
@@ -3853,10 +4323,10 @@
       </p:sp>
       <p:sp>
         <p:nvSpPr>
-          <p:cNvPr id="7" name="フローチャート: 処理 6">
-            <a:extLst>
-              <a:ext uri="{FF2B5EF4-FFF2-40B4-BE49-F238E27FC236}">
-                <a16:creationId xmlns:a16="http://schemas.microsoft.com/office/drawing/2014/main" id="{05B63DE9-4428-C62B-8FE7-6796C9E69571}"/>
+          <p:cNvPr id="40" name="フローチャート: 処理 39">
+            <a:extLst>
+              <a:ext uri="{FF2B5EF4-FFF2-40B4-BE49-F238E27FC236}">
+                <a16:creationId xmlns:a16="http://schemas.microsoft.com/office/drawing/2014/main" id="{9BC79CF6-5755-AFCC-C3E3-1DC53C4722CB}"/>
               </a:ext>
             </a:extLst>
           </p:cNvPr>
@@ -3865,8 +4335,8 @@
         </p:nvSpPr>
         <p:spPr>
           <a:xfrm>
-            <a:off x="7942494" y="1439088"/>
-            <a:ext cx="3720194" cy="301753"/>
+            <a:off x="3333223" y="2563208"/>
+            <a:ext cx="3907970" cy="301752"/>
           </a:xfrm>
           <a:prstGeom prst="flowChartProcess">
             <a:avLst/>
@@ -3901,7 +4371,7 @@
                 <a:latin typeface="MS PGothic" panose="020B0600070205080204" pitchFamily="34" charset="-128"/>
                 <a:ea typeface="MS PGothic" panose="020B0600070205080204" pitchFamily="34" charset="-128"/>
               </a:rPr>
-              <a:t>Assign tasks randomly</a:t>
+              <a:t>A,B run</a:t>
             </a:r>
             <a:endParaRPr kumimoji="1" lang="ja-JP" altLang="en-US" sz="2000">
               <a:solidFill>
@@ -3915,10 +4385,10 @@
       </p:sp>
       <p:sp>
         <p:nvSpPr>
-          <p:cNvPr id="8" name="フローチャート: 処理 7">
-            <a:extLst>
-              <a:ext uri="{FF2B5EF4-FFF2-40B4-BE49-F238E27FC236}">
-                <a16:creationId xmlns:a16="http://schemas.microsoft.com/office/drawing/2014/main" id="{155343F0-218E-7FBD-20D9-166F8A8CC7E2}"/>
+          <p:cNvPr id="5" name="フローチャート: 処理 4">
+            <a:extLst>
+              <a:ext uri="{FF2B5EF4-FFF2-40B4-BE49-F238E27FC236}">
+                <a16:creationId xmlns:a16="http://schemas.microsoft.com/office/drawing/2014/main" id="{4126578E-9EE2-D42E-F8BE-CEAB5A7D18E0}"/>
               </a:ext>
             </a:extLst>
           </p:cNvPr>
@@ -3927,8 +4397,8 @@
         </p:nvSpPr>
         <p:spPr>
           <a:xfrm>
-            <a:off x="7942492" y="2868135"/>
-            <a:ext cx="3720196" cy="301752"/>
+            <a:off x="7942494" y="563013"/>
+            <a:ext cx="3720196" cy="304575"/>
           </a:xfrm>
           <a:prstGeom prst="flowChartProcess">
             <a:avLst/>
@@ -3956,34 +4426,139 @@
           <a:p>
             <a:pPr algn="ctr"/>
             <a:r>
-              <a:rPr kumimoji="1" lang="en-US" altLang="ja-JP" sz="2000" dirty="0">
+              <a:rPr lang="en-US" altLang="ja-JP" sz="2000" dirty="0">
+                <a:latin typeface="MS PGothic" panose="020B0600070205080204" pitchFamily="34" charset="-128"/>
+                <a:ea typeface="MS PGothic" panose="020B0600070205080204" pitchFamily="34" charset="-128"/>
+              </a:rPr>
+              <a:t>W,A,B given</a:t>
+            </a:r>
+            <a:endParaRPr kumimoji="1" lang="ja-JP" altLang="en-US" sz="2000">
+              <a:latin typeface="MS PGothic" panose="020B0600070205080204" pitchFamily="34" charset="-128"/>
+              <a:ea typeface="MS PGothic" panose="020B0600070205080204" pitchFamily="34" charset="-128"/>
+            </a:endParaRPr>
+          </a:p>
+        </p:txBody>
+      </p:sp>
+      <p:sp>
+        <p:nvSpPr>
+          <p:cNvPr id="6" name="フローチャート: 処理 5">
+            <a:extLst>
+              <a:ext uri="{FF2B5EF4-FFF2-40B4-BE49-F238E27FC236}">
+                <a16:creationId xmlns:a16="http://schemas.microsoft.com/office/drawing/2014/main" id="{999EC231-31F3-3FE5-59B0-B4448046B6B8}"/>
+              </a:ext>
+            </a:extLst>
+          </p:cNvPr>
+          <p:cNvSpPr/>
+          <p:nvPr/>
+        </p:nvSpPr>
+        <p:spPr>
+          <a:xfrm>
+            <a:off x="7942496" y="955772"/>
+            <a:ext cx="3720194" cy="304575"/>
+          </a:xfrm>
+          <a:prstGeom prst="flowChartProcess">
+            <a:avLst/>
+          </a:prstGeom>
+        </p:spPr>
+        <p:style>
+          <a:lnRef idx="2">
+            <a:schemeClr val="accent1">
+              <a:shade val="50000"/>
+            </a:schemeClr>
+          </a:lnRef>
+          <a:fillRef idx="1">
+            <a:schemeClr val="accent1"/>
+          </a:fillRef>
+          <a:effectRef idx="0">
+            <a:schemeClr val="accent1"/>
+          </a:effectRef>
+          <a:fontRef idx="minor">
+            <a:schemeClr val="lt1"/>
+          </a:fontRef>
+        </p:style>
+        <p:txBody>
+          <a:bodyPr rtlCol="0" anchor="ctr"/>
+          <a:lstStyle/>
+          <a:p>
+            <a:pPr algn="ctr"/>
+            <a:r>
+              <a:rPr lang="en-US" altLang="ja-JP" sz="2000" dirty="0" err="1">
+                <a:latin typeface="MS PGothic" panose="020B0600070205080204" pitchFamily="34" charset="-128"/>
+                <a:ea typeface="MS PGothic" panose="020B0600070205080204" pitchFamily="34" charset="-128"/>
+              </a:rPr>
+              <a:t>s</a:t>
+            </a:r>
+            <a:r>
+              <a:rPr kumimoji="1" lang="en-US" altLang="ja-JP" sz="2000" baseline="30000" dirty="0" err="1">
+                <a:latin typeface="MS PGothic" panose="020B0600070205080204" pitchFamily="34" charset="-128"/>
+                <a:ea typeface="MS PGothic" panose="020B0600070205080204" pitchFamily="34" charset="-128"/>
+              </a:rPr>
+              <a:t>i</a:t>
+            </a:r>
+            <a:r>
+              <a:rPr lang="ja-JP" altLang="en-US" sz="2000" i="0">
                 <a:solidFill>
                   <a:schemeClr val="bg1"/>
                 </a:solidFill>
+                <a:effectLst/>
                 <a:latin typeface="MS PGothic" panose="020B0600070205080204" pitchFamily="34" charset="-128"/>
                 <a:ea typeface="MS PGothic" panose="020B0600070205080204" pitchFamily="34" charset="-128"/>
               </a:rPr>
-              <a:t>Optimal path search for agent </a:t>
-            </a:r>
-            <a:r>
-              <a:rPr kumimoji="1" lang="en-US" altLang="ja-JP" sz="2000" dirty="0" err="1">
+              <a:t>∈</a:t>
+            </a:r>
+            <a:r>
+              <a:rPr lang="en-US" altLang="ja-JP" sz="2000" i="0" dirty="0">
                 <a:solidFill>
                   <a:schemeClr val="bg1"/>
                 </a:solidFill>
+                <a:effectLst/>
+                <a:latin typeface="MS PGothic" panose="020B0600070205080204" pitchFamily="34" charset="-128"/>
+                <a:ea typeface="MS PGothic" panose="020B0600070205080204" pitchFamily="34" charset="-128"/>
+              </a:rPr>
+              <a:t>W,</a:t>
+            </a:r>
+            <a:r>
+              <a:rPr kumimoji="1" lang="en-US" altLang="ja-JP" sz="2000" dirty="0">
+                <a:latin typeface="MS PGothic" panose="020B0600070205080204" pitchFamily="34" charset="-128"/>
+                <a:ea typeface="MS PGothic" panose="020B0600070205080204" pitchFamily="34" charset="-128"/>
+              </a:rPr>
+              <a:t> </a:t>
+            </a:r>
+            <a:r>
+              <a:rPr kumimoji="1" lang="en-US" altLang="ja-JP" sz="2000" dirty="0" err="1">
+                <a:latin typeface="MS PGothic" panose="020B0600070205080204" pitchFamily="34" charset="-128"/>
+                <a:ea typeface="MS PGothic" panose="020B0600070205080204" pitchFamily="34" charset="-128"/>
+              </a:rPr>
+              <a:t>g</a:t>
+            </a:r>
+            <a:r>
+              <a:rPr kumimoji="1" lang="en-US" altLang="ja-JP" sz="2000" baseline="30000" dirty="0" err="1">
                 <a:latin typeface="MS PGothic" panose="020B0600070205080204" pitchFamily="34" charset="-128"/>
                 <a:ea typeface="MS PGothic" panose="020B0600070205080204" pitchFamily="34" charset="-128"/>
               </a:rPr>
               <a:t>i</a:t>
             </a:r>
             <a:r>
-              <a:rPr kumimoji="1" lang="en-US" altLang="ja-JP" sz="2000" dirty="0">
+              <a:rPr lang="ja-JP" altLang="en-US" sz="2000" i="0">
                 <a:solidFill>
                   <a:schemeClr val="bg1"/>
                 </a:solidFill>
+                <a:effectLst/>
                 <a:latin typeface="MS PGothic" panose="020B0600070205080204" pitchFamily="34" charset="-128"/>
                 <a:ea typeface="MS PGothic" panose="020B0600070205080204" pitchFamily="34" charset="-128"/>
               </a:rPr>
-              <a:t> </a:t>
+              <a:t>∈</a:t>
+            </a:r>
+            <a:r>
+              <a:rPr lang="en-US" altLang="ja-JP" sz="2000" i="0" dirty="0">
+                <a:solidFill>
+                  <a:schemeClr val="bg1"/>
+                </a:solidFill>
+                <a:effectLst/>
+                <a:latin typeface="MS PGothic" panose="020B0600070205080204" pitchFamily="34" charset="-128"/>
+                <a:ea typeface="MS PGothic" panose="020B0600070205080204" pitchFamily="34" charset="-128"/>
+              </a:rPr>
+              <a:t>W given </a:t>
             </a:r>
             <a:endParaRPr kumimoji="1" lang="ja-JP" altLang="en-US" sz="2000">
               <a:solidFill>
@@ -3997,10 +4572,10 @@
       </p:sp>
       <p:sp>
         <p:nvSpPr>
-          <p:cNvPr id="9" name="片側の 2 つの角を切り取った四角形 8">
-            <a:extLst>
-              <a:ext uri="{FF2B5EF4-FFF2-40B4-BE49-F238E27FC236}">
-                <a16:creationId xmlns:a16="http://schemas.microsoft.com/office/drawing/2014/main" id="{72E2C225-D4E2-4442-5ACF-04DF678992EB}"/>
+          <p:cNvPr id="7" name="フローチャート: 処理 6">
+            <a:extLst>
+              <a:ext uri="{FF2B5EF4-FFF2-40B4-BE49-F238E27FC236}">
+                <a16:creationId xmlns:a16="http://schemas.microsoft.com/office/drawing/2014/main" id="{05B63DE9-4428-C62B-8FE7-6796C9E69571}"/>
               </a:ext>
             </a:extLst>
           </p:cNvPr>
@@ -4009,10 +4584,10 @@
         </p:nvSpPr>
         <p:spPr>
           <a:xfrm>
-            <a:off x="7942493" y="1914363"/>
-            <a:ext cx="3720195" cy="751114"/>
-          </a:xfrm>
-          <a:prstGeom prst="snip2SameRect">
+            <a:off x="7942494" y="1439088"/>
+            <a:ext cx="3720194" cy="301753"/>
+          </a:xfrm>
+          <a:prstGeom prst="flowChartProcess">
             <a:avLst/>
           </a:prstGeom>
         </p:spPr>
@@ -4039,6 +4614,68 @@
             <a:pPr algn="ctr"/>
             <a:r>
               <a:rPr kumimoji="1" lang="en-US" altLang="ja-JP" sz="2000" dirty="0">
+                <a:solidFill>
+                  <a:schemeClr val="bg1"/>
+                </a:solidFill>
+                <a:latin typeface="MS PGothic" panose="020B0600070205080204" pitchFamily="34" charset="-128"/>
+                <a:ea typeface="MS PGothic" panose="020B0600070205080204" pitchFamily="34" charset="-128"/>
+              </a:rPr>
+              <a:t>Assign tasks randomly</a:t>
+            </a:r>
+            <a:endParaRPr kumimoji="1" lang="ja-JP" altLang="en-US" sz="2000">
+              <a:solidFill>
+                <a:schemeClr val="bg1"/>
+              </a:solidFill>
+              <a:latin typeface="MS PGothic" panose="020B0600070205080204" pitchFamily="34" charset="-128"/>
+              <a:ea typeface="MS PGothic" panose="020B0600070205080204" pitchFamily="34" charset="-128"/>
+            </a:endParaRPr>
+          </a:p>
+        </p:txBody>
+      </p:sp>
+      <p:sp>
+        <p:nvSpPr>
+          <p:cNvPr id="9" name="片側の 2 つの角を切り取った四角形 8">
+            <a:extLst>
+              <a:ext uri="{FF2B5EF4-FFF2-40B4-BE49-F238E27FC236}">
+                <a16:creationId xmlns:a16="http://schemas.microsoft.com/office/drawing/2014/main" id="{72E2C225-D4E2-4442-5ACF-04DF678992EB}"/>
+              </a:ext>
+            </a:extLst>
+          </p:cNvPr>
+          <p:cNvSpPr/>
+          <p:nvPr/>
+        </p:nvSpPr>
+        <p:spPr>
+          <a:xfrm>
+            <a:off x="7942493" y="1914363"/>
+            <a:ext cx="3720195" cy="751114"/>
+          </a:xfrm>
+          <a:prstGeom prst="snip2SameRect">
+            <a:avLst/>
+          </a:prstGeom>
+        </p:spPr>
+        <p:style>
+          <a:lnRef idx="2">
+            <a:schemeClr val="accent1">
+              <a:shade val="50000"/>
+            </a:schemeClr>
+          </a:lnRef>
+          <a:fillRef idx="1">
+            <a:schemeClr val="accent1"/>
+          </a:fillRef>
+          <a:effectRef idx="0">
+            <a:schemeClr val="accent1"/>
+          </a:effectRef>
+          <a:fontRef idx="minor">
+            <a:schemeClr val="lt1"/>
+          </a:fontRef>
+        </p:style>
+        <p:txBody>
+          <a:bodyPr rtlCol="0" anchor="ctr"/>
+          <a:lstStyle/>
+          <a:p>
+            <a:pPr algn="ctr"/>
+            <a:r>
+              <a:rPr kumimoji="1" lang="en-US" altLang="ja-JP" sz="2000" dirty="0">
                 <a:latin typeface="MS PGothic" panose="020B0600070205080204" pitchFamily="34" charset="-128"/>
                 <a:ea typeface="MS PGothic" panose="020B0600070205080204" pitchFamily="34" charset="-128"/>
               </a:rPr>
@@ -4053,6 +4690,144 @@
                 <a:ea typeface="MS PGothic" panose="020B0600070205080204" pitchFamily="34" charset="-128"/>
               </a:rPr>
               <a:t>Start</a:t>
+            </a:r>
+            <a:endParaRPr kumimoji="1" lang="ja-JP" altLang="en-US" sz="2000">
+              <a:latin typeface="MS PGothic" panose="020B0600070205080204" pitchFamily="34" charset="-128"/>
+              <a:ea typeface="MS PGothic" panose="020B0600070205080204" pitchFamily="34" charset="-128"/>
+            </a:endParaRPr>
+          </a:p>
+        </p:txBody>
+      </p:sp>
+      <p:sp>
+        <p:nvSpPr>
+          <p:cNvPr id="8" name="フローチャート: 処理 7">
+            <a:extLst>
+              <a:ext uri="{FF2B5EF4-FFF2-40B4-BE49-F238E27FC236}">
+                <a16:creationId xmlns:a16="http://schemas.microsoft.com/office/drawing/2014/main" id="{155343F0-218E-7FBD-20D9-166F8A8CC7E2}"/>
+              </a:ext>
+            </a:extLst>
+          </p:cNvPr>
+          <p:cNvSpPr/>
+          <p:nvPr/>
+        </p:nvSpPr>
+        <p:spPr>
+          <a:xfrm>
+            <a:off x="7942492" y="2868135"/>
+            <a:ext cx="3720196" cy="301752"/>
+          </a:xfrm>
+          <a:prstGeom prst="flowChartProcess">
+            <a:avLst/>
+          </a:prstGeom>
+        </p:spPr>
+        <p:style>
+          <a:lnRef idx="2">
+            <a:schemeClr val="accent1">
+              <a:shade val="50000"/>
+            </a:schemeClr>
+          </a:lnRef>
+          <a:fillRef idx="1">
+            <a:schemeClr val="accent1"/>
+          </a:fillRef>
+          <a:effectRef idx="0">
+            <a:schemeClr val="accent1"/>
+          </a:effectRef>
+          <a:fontRef idx="minor">
+            <a:schemeClr val="lt1"/>
+          </a:fontRef>
+        </p:style>
+        <p:txBody>
+          <a:bodyPr rtlCol="0" anchor="ctr"/>
+          <a:lstStyle/>
+          <a:p>
+            <a:pPr algn="ctr"/>
+            <a:r>
+              <a:rPr kumimoji="1" lang="en-US" altLang="ja-JP" sz="2000" dirty="0">
+                <a:solidFill>
+                  <a:schemeClr val="bg1"/>
+                </a:solidFill>
+                <a:latin typeface="MS PGothic" panose="020B0600070205080204" pitchFamily="34" charset="-128"/>
+                <a:ea typeface="MS PGothic" panose="020B0600070205080204" pitchFamily="34" charset="-128"/>
+              </a:rPr>
+              <a:t>Optimal path search for agent </a:t>
+            </a:r>
+            <a:r>
+              <a:rPr kumimoji="1" lang="en-US" altLang="ja-JP" sz="2000" dirty="0" err="1">
+                <a:solidFill>
+                  <a:schemeClr val="bg1"/>
+                </a:solidFill>
+                <a:latin typeface="MS PGothic" panose="020B0600070205080204" pitchFamily="34" charset="-128"/>
+                <a:ea typeface="MS PGothic" panose="020B0600070205080204" pitchFamily="34" charset="-128"/>
+              </a:rPr>
+              <a:t>i</a:t>
+            </a:r>
+            <a:r>
+              <a:rPr kumimoji="1" lang="en-US" altLang="ja-JP" sz="2000" dirty="0">
+                <a:solidFill>
+                  <a:schemeClr val="bg1"/>
+                </a:solidFill>
+                <a:latin typeface="MS PGothic" panose="020B0600070205080204" pitchFamily="34" charset="-128"/>
+                <a:ea typeface="MS PGothic" panose="020B0600070205080204" pitchFamily="34" charset="-128"/>
+              </a:rPr>
+              <a:t> </a:t>
+            </a:r>
+            <a:endParaRPr kumimoji="1" lang="ja-JP" altLang="en-US" sz="2000">
+              <a:solidFill>
+                <a:schemeClr val="bg1"/>
+              </a:solidFill>
+              <a:latin typeface="MS PGothic" panose="020B0600070205080204" pitchFamily="34" charset="-128"/>
+              <a:ea typeface="MS PGothic" panose="020B0600070205080204" pitchFamily="34" charset="-128"/>
+            </a:endParaRPr>
+          </a:p>
+        </p:txBody>
+      </p:sp>
+      <p:sp>
+        <p:nvSpPr>
+          <p:cNvPr id="14" name="フローチャート: 処理 13">
+            <a:extLst>
+              <a:ext uri="{FF2B5EF4-FFF2-40B4-BE49-F238E27FC236}">
+                <a16:creationId xmlns:a16="http://schemas.microsoft.com/office/drawing/2014/main" id="{4ECEA649-65DB-80D6-DB71-A5EF6C4F1BC0}"/>
+              </a:ext>
+            </a:extLst>
+          </p:cNvPr>
+          <p:cNvSpPr/>
+          <p:nvPr/>
+        </p:nvSpPr>
+        <p:spPr>
+          <a:xfrm>
+            <a:off x="7942493" y="3384955"/>
+            <a:ext cx="3720195" cy="330378"/>
+          </a:xfrm>
+          <a:prstGeom prst="flowChartProcess">
+            <a:avLst/>
+          </a:prstGeom>
+        </p:spPr>
+        <p:style>
+          <a:lnRef idx="2">
+            <a:schemeClr val="accent1">
+              <a:shade val="50000"/>
+            </a:schemeClr>
+          </a:lnRef>
+          <a:fillRef idx="1">
+            <a:schemeClr val="accent1"/>
+          </a:fillRef>
+          <a:effectRef idx="0">
+            <a:schemeClr val="accent1"/>
+          </a:effectRef>
+          <a:fontRef idx="minor">
+            <a:schemeClr val="lt1"/>
+          </a:fontRef>
+        </p:style>
+        <p:txBody>
+          <a:bodyPr rtlCol="0" anchor="ctr"/>
+          <a:lstStyle/>
+          <a:p>
+            <a:pPr algn="ctr"/>
+            <a:r>
+              <a:rPr kumimoji="1" lang="en-US" altLang="ja-JP" sz="2000" dirty="0">
+                <a:latin typeface="MS PGothic" panose="020B0600070205080204" pitchFamily="34" charset="-128"/>
+                <a:ea typeface="MS PGothic" panose="020B0600070205080204" pitchFamily="34" charset="-128"/>
+              </a:rPr>
+              <a:t>Each agent run</a:t>
             </a:r>
             <a:endParaRPr kumimoji="1" lang="ja-JP" altLang="en-US" sz="2000">
               <a:latin typeface="MS PGothic" panose="020B0600070205080204" pitchFamily="34" charset="-128"/>
@@ -4202,10 +4977,10 @@
       </p:grpSp>
       <p:sp>
         <p:nvSpPr>
-          <p:cNvPr id="13" name="フローチャート: 処理 12">
-            <a:extLst>
-              <a:ext uri="{FF2B5EF4-FFF2-40B4-BE49-F238E27FC236}">
-                <a16:creationId xmlns:a16="http://schemas.microsoft.com/office/drawing/2014/main" id="{734A4756-DA44-AF4B-4418-12FADD506DFB}"/>
+          <p:cNvPr id="15" name="フローチャート: 判断 14">
+            <a:extLst>
+              <a:ext uri="{FF2B5EF4-FFF2-40B4-BE49-F238E27FC236}">
+                <a16:creationId xmlns:a16="http://schemas.microsoft.com/office/drawing/2014/main" id="{BEE90B9F-3420-01B9-38ED-8ACA18357163}"/>
               </a:ext>
             </a:extLst>
           </p:cNvPr>
@@ -4214,10 +4989,10 @@
         </p:nvSpPr>
         <p:spPr>
           <a:xfrm>
-            <a:off x="77558" y="584784"/>
-            <a:ext cx="3720196" cy="301752"/>
-          </a:xfrm>
-          <a:prstGeom prst="flowChartProcess">
+            <a:off x="7848602" y="5056134"/>
+            <a:ext cx="3907971" cy="989661"/>
+          </a:xfrm>
+          <a:prstGeom prst="flowChartDecision">
             <a:avLst/>
           </a:prstGeom>
         </p:spPr>
@@ -4244,72 +5019,10 @@
             <a:pPr algn="ctr"/>
             <a:r>
               <a:rPr kumimoji="1" lang="en-US" altLang="ja-JP" sz="2000" dirty="0">
-                <a:solidFill>
-                  <a:schemeClr val="bg1"/>
-                </a:solidFill>
                 <a:latin typeface="MS PGothic" panose="020B0600070205080204" pitchFamily="34" charset="-128"/>
                 <a:ea typeface="MS PGothic" panose="020B0600070205080204" pitchFamily="34" charset="-128"/>
               </a:rPr>
-              <a:t>Detection of collision location</a:t>
-            </a:r>
-            <a:endParaRPr kumimoji="1" lang="ja-JP" altLang="en-US" sz="2000">
-              <a:solidFill>
-                <a:schemeClr val="bg1"/>
-              </a:solidFill>
-              <a:latin typeface="MS PGothic" panose="020B0600070205080204" pitchFamily="34" charset="-128"/>
-              <a:ea typeface="MS PGothic" panose="020B0600070205080204" pitchFamily="34" charset="-128"/>
-            </a:endParaRPr>
-          </a:p>
-        </p:txBody>
-      </p:sp>
-      <p:sp>
-        <p:nvSpPr>
-          <p:cNvPr id="14" name="フローチャート: 処理 13">
-            <a:extLst>
-              <a:ext uri="{FF2B5EF4-FFF2-40B4-BE49-F238E27FC236}">
-                <a16:creationId xmlns:a16="http://schemas.microsoft.com/office/drawing/2014/main" id="{4ECEA649-65DB-80D6-DB71-A5EF6C4F1BC0}"/>
-              </a:ext>
-            </a:extLst>
-          </p:cNvPr>
-          <p:cNvSpPr/>
-          <p:nvPr/>
-        </p:nvSpPr>
-        <p:spPr>
-          <a:xfrm>
-            <a:off x="7942493" y="3384955"/>
-            <a:ext cx="3720195" cy="330378"/>
-          </a:xfrm>
-          <a:prstGeom prst="flowChartProcess">
-            <a:avLst/>
-          </a:prstGeom>
-        </p:spPr>
-        <p:style>
-          <a:lnRef idx="2">
-            <a:schemeClr val="accent1">
-              <a:shade val="50000"/>
-            </a:schemeClr>
-          </a:lnRef>
-          <a:fillRef idx="1">
-            <a:schemeClr val="accent1"/>
-          </a:fillRef>
-          <a:effectRef idx="0">
-            <a:schemeClr val="accent1"/>
-          </a:effectRef>
-          <a:fontRef idx="minor">
-            <a:schemeClr val="lt1"/>
-          </a:fontRef>
-        </p:style>
-        <p:txBody>
-          <a:bodyPr rtlCol="0" anchor="ctr"/>
-          <a:lstStyle/>
-          <a:p>
-            <a:pPr algn="ctr"/>
-            <a:r>
-              <a:rPr kumimoji="1" lang="en-US" altLang="ja-JP" sz="2000" dirty="0">
-                <a:latin typeface="MS PGothic" panose="020B0600070205080204" pitchFamily="34" charset="-128"/>
-                <a:ea typeface="MS PGothic" panose="020B0600070205080204" pitchFamily="34" charset="-128"/>
-              </a:rPr>
-              <a:t>Each agent run</a:t>
+              <a:t>Is a collision point detected ?</a:t>
             </a:r>
             <a:endParaRPr kumimoji="1" lang="ja-JP" altLang="en-US" sz="2000">
               <a:latin typeface="MS PGothic" panose="020B0600070205080204" pitchFamily="34" charset="-128"/>
@@ -4320,109 +5033,10 @@
       </p:sp>
       <p:sp>
         <p:nvSpPr>
-          <p:cNvPr id="15" name="フローチャート: 判断 14">
-            <a:extLst>
-              <a:ext uri="{FF2B5EF4-FFF2-40B4-BE49-F238E27FC236}">
-                <a16:creationId xmlns:a16="http://schemas.microsoft.com/office/drawing/2014/main" id="{BEE90B9F-3420-01B9-38ED-8ACA18357163}"/>
-              </a:ext>
-            </a:extLst>
-          </p:cNvPr>
-          <p:cNvSpPr/>
-          <p:nvPr/>
-        </p:nvSpPr>
-        <p:spPr>
-          <a:xfrm>
-            <a:off x="7848602" y="5056134"/>
-            <a:ext cx="3907971" cy="989661"/>
-          </a:xfrm>
-          <a:prstGeom prst="flowChartDecision">
-            <a:avLst/>
-          </a:prstGeom>
-        </p:spPr>
-        <p:style>
-          <a:lnRef idx="2">
-            <a:schemeClr val="accent1">
-              <a:shade val="50000"/>
-            </a:schemeClr>
-          </a:lnRef>
-          <a:fillRef idx="1">
-            <a:schemeClr val="accent1"/>
-          </a:fillRef>
-          <a:effectRef idx="0">
-            <a:schemeClr val="accent1"/>
-          </a:effectRef>
-          <a:fontRef idx="minor">
-            <a:schemeClr val="lt1"/>
-          </a:fontRef>
-        </p:style>
-        <p:txBody>
-          <a:bodyPr rtlCol="0" anchor="ctr"/>
-          <a:lstStyle/>
-          <a:p>
-            <a:pPr algn="ctr"/>
-            <a:r>
-              <a:rPr kumimoji="1" lang="en-US" altLang="ja-JP" dirty="0"/>
-              <a:t>Is a collision point detected ?</a:t>
-            </a:r>
-            <a:endParaRPr kumimoji="1" lang="ja-JP" altLang="en-US"/>
-          </a:p>
-        </p:txBody>
-      </p:sp>
-      <p:sp>
-        <p:nvSpPr>
-          <p:cNvPr id="16" name="フローチャート: 結合子 15">
-            <a:extLst>
-              <a:ext uri="{FF2B5EF4-FFF2-40B4-BE49-F238E27FC236}">
-                <a16:creationId xmlns:a16="http://schemas.microsoft.com/office/drawing/2014/main" id="{C756FBA2-67C6-1C2B-0812-81FE627F3891}"/>
-              </a:ext>
-            </a:extLst>
-          </p:cNvPr>
-          <p:cNvSpPr/>
-          <p:nvPr/>
-        </p:nvSpPr>
-        <p:spPr>
-          <a:xfrm>
-            <a:off x="9573988" y="6304847"/>
-            <a:ext cx="457200" cy="457200"/>
-          </a:xfrm>
-          <a:prstGeom prst="flowChartConnector">
-            <a:avLst/>
-          </a:prstGeom>
-        </p:spPr>
-        <p:style>
-          <a:lnRef idx="2">
-            <a:schemeClr val="accent1">
-              <a:shade val="50000"/>
-            </a:schemeClr>
-          </a:lnRef>
-          <a:fillRef idx="1">
-            <a:schemeClr val="accent1"/>
-          </a:fillRef>
-          <a:effectRef idx="0">
-            <a:schemeClr val="accent1"/>
-          </a:effectRef>
-          <a:fontRef idx="minor">
-            <a:schemeClr val="lt1"/>
-          </a:fontRef>
-        </p:style>
-        <p:txBody>
-          <a:bodyPr rtlCol="0" anchor="ctr"/>
-          <a:lstStyle/>
-          <a:p>
-            <a:pPr algn="ctr"/>
-            <a:r>
-              <a:rPr kumimoji="1" lang="en-US" altLang="ja-JP" dirty="0"/>
-              <a:t>1</a:t>
-            </a:r>
-          </a:p>
-        </p:txBody>
-      </p:sp>
-      <p:sp>
-        <p:nvSpPr>
-          <p:cNvPr id="17" name="テキスト ボックス 16">
-            <a:extLst>
-              <a:ext uri="{FF2B5EF4-FFF2-40B4-BE49-F238E27FC236}">
-                <a16:creationId xmlns:a16="http://schemas.microsoft.com/office/drawing/2014/main" id="{BD372856-30B4-DD80-517E-B543AD5555B3}"/>
+          <p:cNvPr id="50" name="テキスト ボックス 49">
+            <a:extLst>
+              <a:ext uri="{FF2B5EF4-FFF2-40B4-BE49-F238E27FC236}">
+                <a16:creationId xmlns:a16="http://schemas.microsoft.com/office/drawing/2014/main" id="{E10CACB8-16B1-3B5F-FB09-96F0B674EFB3}"/>
               </a:ext>
             </a:extLst>
           </p:cNvPr>
@@ -4431,8 +5045,8 @@
         </p:nvSpPr>
         <p:spPr>
           <a:xfrm>
-            <a:off x="10031188" y="6057615"/>
-            <a:ext cx="487634" cy="369332"/>
+            <a:off x="91751" y="166200"/>
+            <a:ext cx="1840568" cy="400110"/>
           </a:xfrm>
           <a:prstGeom prst="rect">
             <a:avLst/>
@@ -4446,92 +5060,19 @@
           <a:lstStyle/>
           <a:p>
             <a:r>
-              <a:rPr kumimoji="1" lang="en-US" altLang="ja-JP" dirty="0"/>
-              <a:t>No</a:t>
-            </a:r>
-            <a:endParaRPr kumimoji="1" lang="ja-JP" altLang="en-US"/>
-          </a:p>
-        </p:txBody>
-      </p:sp>
-      <p:sp>
-        <p:nvSpPr>
-          <p:cNvPr id="18" name="テキスト ボックス 17">
-            <a:extLst>
-              <a:ext uri="{FF2B5EF4-FFF2-40B4-BE49-F238E27FC236}">
-                <a16:creationId xmlns:a16="http://schemas.microsoft.com/office/drawing/2014/main" id="{052E4244-6AC3-37AA-234A-A1FA4F677AAA}"/>
-              </a:ext>
-            </a:extLst>
-          </p:cNvPr>
-          <p:cNvSpPr txBox="1"/>
-          <p:nvPr/>
-        </p:nvSpPr>
-        <p:spPr>
-          <a:xfrm>
-            <a:off x="7808281" y="5736658"/>
-            <a:ext cx="579005" cy="369332"/>
-          </a:xfrm>
-          <a:prstGeom prst="rect">
-            <a:avLst/>
-          </a:prstGeom>
-          <a:noFill/>
-        </p:spPr>
-        <p:txBody>
-          <a:bodyPr wrap="none" rtlCol="0">
-            <a:spAutoFit/>
-          </a:bodyPr>
-          <a:lstStyle/>
-          <a:p>
-            <a:r>
-              <a:rPr kumimoji="1" lang="en-US" altLang="ja-JP" dirty="0"/>
-              <a:t>Yes</a:t>
-            </a:r>
-            <a:endParaRPr kumimoji="1" lang="ja-JP" altLang="en-US"/>
-          </a:p>
-        </p:txBody>
-      </p:sp>
-      <p:cxnSp>
-        <p:nvCxnSpPr>
-          <p:cNvPr id="20" name="直線矢印コネクタ 19">
-            <a:extLst>
-              <a:ext uri="{FF2B5EF4-FFF2-40B4-BE49-F238E27FC236}">
-                <a16:creationId xmlns:a16="http://schemas.microsoft.com/office/drawing/2014/main" id="{D8DA1960-971A-106C-61CC-FF3194713B0A}"/>
-              </a:ext>
-            </a:extLst>
-          </p:cNvPr>
-          <p:cNvCxnSpPr>
-            <a:cxnSpLocks/>
-            <a:stCxn id="3" idx="2"/>
-            <a:endCxn id="16" idx="0"/>
-          </p:cNvCxnSpPr>
-          <p:nvPr/>
-        </p:nvCxnSpPr>
-        <p:spPr>
-          <a:xfrm flipH="1">
-            <a:off x="9802588" y="389491"/>
-            <a:ext cx="9" cy="5915356"/>
-          </a:xfrm>
-          <a:prstGeom prst="straightConnector1">
-            <a:avLst/>
-          </a:prstGeom>
-          <a:ln>
-            <a:tailEnd type="triangle"/>
-          </a:ln>
-        </p:spPr>
-        <p:style>
-          <a:lnRef idx="1">
-            <a:schemeClr val="accent1"/>
-          </a:lnRef>
-          <a:fillRef idx="0">
-            <a:schemeClr val="accent1"/>
-          </a:fillRef>
-          <a:effectRef idx="0">
-            <a:schemeClr val="accent1"/>
-          </a:effectRef>
-          <a:fontRef idx="minor">
-            <a:schemeClr val="tx1"/>
-          </a:fontRef>
-        </p:style>
-      </p:cxnSp>
+              <a:rPr lang="en-US" altLang="ja-JP" sz="2000" dirty="0">
+                <a:latin typeface="MS PGothic" panose="020B0600070205080204" pitchFamily="34" charset="-128"/>
+                <a:ea typeface="MS PGothic" panose="020B0600070205080204" pitchFamily="34" charset="-128"/>
+              </a:rPr>
+              <a:t>No wait version</a:t>
+            </a:r>
+            <a:endParaRPr kumimoji="1" lang="ja-JP" altLang="en-US" sz="2000">
+              <a:latin typeface="MS PGothic" panose="020B0600070205080204" pitchFamily="34" charset="-128"/>
+              <a:ea typeface="MS PGothic" panose="020B0600070205080204" pitchFamily="34" charset="-128"/>
+            </a:endParaRPr>
+          </a:p>
+        </p:txBody>
+      </p:sp>
     </p:spTree>
     <p:extLst>
       <p:ext uri="{BB962C8B-B14F-4D97-AF65-F5344CB8AC3E}">
@@ -4620,10 +5161,10 @@
       </p:sp>
       <p:sp>
         <p:nvSpPr>
-          <p:cNvPr id="3" name="フローチャート: 処理 2">
-            <a:extLst>
-              <a:ext uri="{FF2B5EF4-FFF2-40B4-BE49-F238E27FC236}">
-                <a16:creationId xmlns:a16="http://schemas.microsoft.com/office/drawing/2014/main" id="{B41ADF3D-0A4C-B603-9640-96D03419D8C8}"/>
+          <p:cNvPr id="5" name="フローチャート: 結合子 4">
+            <a:extLst>
+              <a:ext uri="{FF2B5EF4-FFF2-40B4-BE49-F238E27FC236}">
+                <a16:creationId xmlns:a16="http://schemas.microsoft.com/office/drawing/2014/main" id="{CDDE5159-7404-D0C4-4067-771008DC9D2F}"/>
               </a:ext>
             </a:extLst>
           </p:cNvPr>
@@ -4632,10 +5173,10 @@
         </p:nvSpPr>
         <p:spPr>
           <a:xfrm>
-            <a:off x="2983362" y="1819781"/>
-            <a:ext cx="6225269" cy="819472"/>
-          </a:xfrm>
-          <a:prstGeom prst="flowChartProcess">
+            <a:off x="5867400" y="127584"/>
+            <a:ext cx="457200" cy="457200"/>
+          </a:xfrm>
+          <a:prstGeom prst="flowChartConnector">
             <a:avLst/>
           </a:prstGeom>
         </p:spPr>
@@ -4661,27 +5202,113 @@
           <a:p>
             <a:pPr algn="ctr"/>
             <a:r>
-              <a:rPr kumimoji="1" lang="en" altLang="ja-JP" sz="2000" dirty="0">
+              <a:rPr kumimoji="1" lang="en-US" altLang="ja-JP" dirty="0"/>
+              <a:t>1</a:t>
+            </a:r>
+          </a:p>
+        </p:txBody>
+      </p:sp>
+      <p:cxnSp>
+        <p:nvCxnSpPr>
+          <p:cNvPr id="12" name="直線コネクタ 11">
+            <a:extLst>
+              <a:ext uri="{FF2B5EF4-FFF2-40B4-BE49-F238E27FC236}">
+                <a16:creationId xmlns:a16="http://schemas.microsoft.com/office/drawing/2014/main" id="{5C3ABE04-6ABB-17EF-C417-27A51A8547C5}"/>
+              </a:ext>
+            </a:extLst>
+          </p:cNvPr>
+          <p:cNvCxnSpPr>
+            <a:cxnSpLocks/>
+            <a:stCxn id="5" idx="4"/>
+            <a:endCxn id="2" idx="0"/>
+          </p:cNvCxnSpPr>
+          <p:nvPr/>
+        </p:nvCxnSpPr>
+        <p:spPr>
+          <a:xfrm flipH="1">
+            <a:off x="6095998" y="584784"/>
+            <a:ext cx="2" cy="3547756"/>
+          </a:xfrm>
+          <a:prstGeom prst="line">
+            <a:avLst/>
+          </a:prstGeom>
+        </p:spPr>
+        <p:style>
+          <a:lnRef idx="1">
+            <a:schemeClr val="accent1"/>
+          </a:lnRef>
+          <a:fillRef idx="0">
+            <a:schemeClr val="accent1"/>
+          </a:fillRef>
+          <a:effectRef idx="0">
+            <a:schemeClr val="accent1"/>
+          </a:effectRef>
+          <a:fontRef idx="minor">
+            <a:schemeClr val="tx1"/>
+          </a:fontRef>
+        </p:style>
+      </p:cxnSp>
+      <p:sp>
+        <p:nvSpPr>
+          <p:cNvPr id="7" name="フローチャート: 処理 6">
+            <a:extLst>
+              <a:ext uri="{FF2B5EF4-FFF2-40B4-BE49-F238E27FC236}">
+                <a16:creationId xmlns:a16="http://schemas.microsoft.com/office/drawing/2014/main" id="{D4486E80-932A-4DFB-328A-B719CEB53502}"/>
+              </a:ext>
+            </a:extLst>
+          </p:cNvPr>
+          <p:cNvSpPr/>
+          <p:nvPr/>
+        </p:nvSpPr>
+        <p:spPr>
+          <a:xfrm>
+            <a:off x="2983362" y="911794"/>
+            <a:ext cx="6225269" cy="580977"/>
+          </a:xfrm>
+          <a:prstGeom prst="flowChartProcess">
+            <a:avLst/>
+          </a:prstGeom>
+        </p:spPr>
+        <p:style>
+          <a:lnRef idx="2">
+            <a:schemeClr val="accent1">
+              <a:shade val="50000"/>
+            </a:schemeClr>
+          </a:lnRef>
+          <a:fillRef idx="1">
+            <a:schemeClr val="accent1"/>
+          </a:fillRef>
+          <a:effectRef idx="0">
+            <a:schemeClr val="accent1"/>
+          </a:effectRef>
+          <a:fontRef idx="minor">
+            <a:schemeClr val="lt1"/>
+          </a:fontRef>
+        </p:style>
+        <p:txBody>
+          <a:bodyPr rtlCol="0" anchor="ctr"/>
+          <a:lstStyle/>
+          <a:p>
+            <a:pPr algn="ctr"/>
+            <a:r>
+              <a:rPr lang="en-US" altLang="ja-JP" sz="2000" dirty="0">
                 <a:solidFill>
                   <a:schemeClr val="bg1"/>
                 </a:solidFill>
                 <a:latin typeface="MS PGothic" panose="020B0600070205080204" pitchFamily="34" charset="-128"/>
                 <a:ea typeface="MS PGothic" panose="020B0600070205080204" pitchFamily="34" charset="-128"/>
               </a:rPr>
-              <a:t>Output flow time</a:t>
-            </a:r>
-          </a:p>
-          <a:p>
-            <a:pPr algn="ctr"/>
-            <a:r>
-              <a:rPr kumimoji="1" lang="en" altLang="ja-JP" sz="2000" dirty="0">
+              <a:t> Output t</a:t>
+            </a:r>
+            <a:r>
+              <a:rPr kumimoji="1" lang="en-US" altLang="ja-JP" sz="2000" dirty="0">
                 <a:solidFill>
                   <a:schemeClr val="bg1"/>
                 </a:solidFill>
                 <a:latin typeface="MS PGothic" panose="020B0600070205080204" pitchFamily="34" charset="-128"/>
                 <a:ea typeface="MS PGothic" panose="020B0600070205080204" pitchFamily="34" charset="-128"/>
               </a:rPr>
-              <a:t> (sum of arrival times of all agents at the finish line)</a:t>
+              <a:t>he route of each agent</a:t>
             </a:r>
             <a:endParaRPr kumimoji="1" lang="ja-JP" altLang="en-US" sz="2000">
               <a:solidFill>
@@ -4695,10 +5322,10 @@
       </p:sp>
       <p:sp>
         <p:nvSpPr>
-          <p:cNvPr id="5" name="フローチャート: 結合子 4">
-            <a:extLst>
-              <a:ext uri="{FF2B5EF4-FFF2-40B4-BE49-F238E27FC236}">
-                <a16:creationId xmlns:a16="http://schemas.microsoft.com/office/drawing/2014/main" id="{CDDE5159-7404-D0C4-4067-771008DC9D2F}"/>
+          <p:cNvPr id="3" name="フローチャート: 処理 2">
+            <a:extLst>
+              <a:ext uri="{FF2B5EF4-FFF2-40B4-BE49-F238E27FC236}">
+                <a16:creationId xmlns:a16="http://schemas.microsoft.com/office/drawing/2014/main" id="{B41ADF3D-0A4C-B603-9640-96D03419D8C8}"/>
               </a:ext>
             </a:extLst>
           </p:cNvPr>
@@ -4707,10 +5334,10 @@
         </p:nvSpPr>
         <p:spPr>
           <a:xfrm>
-            <a:off x="5867400" y="127584"/>
-            <a:ext cx="457200" cy="457200"/>
-          </a:xfrm>
-          <a:prstGeom prst="flowChartConnector">
+            <a:off x="2983362" y="1819781"/>
+            <a:ext cx="6225269" cy="819472"/>
+          </a:xfrm>
+          <a:prstGeom prst="flowChartProcess">
             <a:avLst/>
           </a:prstGeom>
         </p:spPr>
@@ -4736,9 +5363,35 @@
           <a:p>
             <a:pPr algn="ctr"/>
             <a:r>
-              <a:rPr kumimoji="1" lang="en-US" altLang="ja-JP" dirty="0"/>
-              <a:t>1</a:t>
-            </a:r>
+              <a:rPr kumimoji="1" lang="en" altLang="ja-JP" sz="2000" dirty="0">
+                <a:solidFill>
+                  <a:schemeClr val="bg1"/>
+                </a:solidFill>
+                <a:latin typeface="MS PGothic" panose="020B0600070205080204" pitchFamily="34" charset="-128"/>
+                <a:ea typeface="MS PGothic" panose="020B0600070205080204" pitchFamily="34" charset="-128"/>
+              </a:rPr>
+              <a:t>Output flow time</a:t>
+            </a:r>
+          </a:p>
+          <a:p>
+            <a:pPr algn="ctr"/>
+            <a:r>
+              <a:rPr kumimoji="1" lang="en" altLang="ja-JP" sz="2000" dirty="0">
+                <a:solidFill>
+                  <a:schemeClr val="bg1"/>
+                </a:solidFill>
+                <a:latin typeface="MS PGothic" panose="020B0600070205080204" pitchFamily="34" charset="-128"/>
+                <a:ea typeface="MS PGothic" panose="020B0600070205080204" pitchFamily="34" charset="-128"/>
+              </a:rPr>
+              <a:t> (sum of arrival times of all agents at the finish line)</a:t>
+            </a:r>
+            <a:endParaRPr kumimoji="1" lang="ja-JP" altLang="en-US" sz="2000">
+              <a:solidFill>
+                <a:schemeClr val="bg1"/>
+              </a:solidFill>
+              <a:latin typeface="MS PGothic" panose="020B0600070205080204" pitchFamily="34" charset="-128"/>
+              <a:ea typeface="MS PGothic" panose="020B0600070205080204" pitchFamily="34" charset="-128"/>
+            </a:endParaRPr>
           </a:p>
         </p:txBody>
       </p:sp>
@@ -4804,82 +5457,10 @@
           </a:p>
         </p:txBody>
       </p:sp>
-      <p:sp>
-        <p:nvSpPr>
-          <p:cNvPr id="7" name="フローチャート: 処理 6">
-            <a:extLst>
-              <a:ext uri="{FF2B5EF4-FFF2-40B4-BE49-F238E27FC236}">
-                <a16:creationId xmlns:a16="http://schemas.microsoft.com/office/drawing/2014/main" id="{D4486E80-932A-4DFB-328A-B719CEB53502}"/>
-              </a:ext>
-            </a:extLst>
-          </p:cNvPr>
-          <p:cNvSpPr/>
-          <p:nvPr/>
-        </p:nvSpPr>
-        <p:spPr>
-          <a:xfrm>
-            <a:off x="2983362" y="911794"/>
-            <a:ext cx="6225269" cy="580977"/>
-          </a:xfrm>
-          <a:prstGeom prst="flowChartProcess">
-            <a:avLst/>
-          </a:prstGeom>
-        </p:spPr>
-        <p:style>
-          <a:lnRef idx="2">
-            <a:schemeClr val="accent1">
-              <a:shade val="50000"/>
-            </a:schemeClr>
-          </a:lnRef>
-          <a:fillRef idx="1">
-            <a:schemeClr val="accent1"/>
-          </a:fillRef>
-          <a:effectRef idx="0">
-            <a:schemeClr val="accent1"/>
-          </a:effectRef>
-          <a:fontRef idx="minor">
-            <a:schemeClr val="lt1"/>
-          </a:fontRef>
-        </p:style>
-        <p:txBody>
-          <a:bodyPr rtlCol="0" anchor="ctr"/>
-          <a:lstStyle/>
-          <a:p>
-            <a:pPr algn="ctr"/>
-            <a:r>
-              <a:rPr lang="en-US" altLang="ja-JP" sz="2000" dirty="0">
-                <a:solidFill>
-                  <a:schemeClr val="bg1"/>
-                </a:solidFill>
-                <a:latin typeface="MS PGothic" panose="020B0600070205080204" pitchFamily="34" charset="-128"/>
-                <a:ea typeface="MS PGothic" panose="020B0600070205080204" pitchFamily="34" charset="-128"/>
-              </a:rPr>
-              <a:t> Output t</a:t>
-            </a:r>
-            <a:r>
-              <a:rPr kumimoji="1" lang="en-US" altLang="ja-JP" sz="2000" dirty="0">
-                <a:solidFill>
-                  <a:schemeClr val="bg1"/>
-                </a:solidFill>
-                <a:latin typeface="MS PGothic" panose="020B0600070205080204" pitchFamily="34" charset="-128"/>
-                <a:ea typeface="MS PGothic" panose="020B0600070205080204" pitchFamily="34" charset="-128"/>
-              </a:rPr>
-              <a:t>he route of each agent</a:t>
-            </a:r>
-            <a:endParaRPr kumimoji="1" lang="ja-JP" altLang="en-US" sz="2000">
-              <a:solidFill>
-                <a:schemeClr val="bg1"/>
-              </a:solidFill>
-              <a:latin typeface="MS PGothic" panose="020B0600070205080204" pitchFamily="34" charset="-128"/>
-              <a:ea typeface="MS PGothic" panose="020B0600070205080204" pitchFamily="34" charset="-128"/>
-            </a:endParaRPr>
-          </a:p>
-        </p:txBody>
-      </p:sp>
     </p:spTree>
     <p:extLst>
       <p:ext uri="{BB962C8B-B14F-4D97-AF65-F5344CB8AC3E}">
-        <p14:creationId xmlns:p14="http://schemas.microsoft.com/office/powerpoint/2010/main" val="1232089674"/>
+        <p14:creationId xmlns:p14="http://schemas.microsoft.com/office/powerpoint/2010/main" val="3422180702"/>
       </p:ext>
     </p:extLst>
   </p:cSld>
@@ -4960,10 +5541,10 @@
       </p:sp>
       <p:sp>
         <p:nvSpPr>
-          <p:cNvPr id="5" name="フローチャート: 処理 4">
-            <a:extLst>
-              <a:ext uri="{FF2B5EF4-FFF2-40B4-BE49-F238E27FC236}">
-                <a16:creationId xmlns:a16="http://schemas.microsoft.com/office/drawing/2014/main" id="{4126578E-9EE2-D42E-F8BE-CEAB5A7D18E0}"/>
+          <p:cNvPr id="13" name="フローチャート: 処理 12">
+            <a:extLst>
+              <a:ext uri="{FF2B5EF4-FFF2-40B4-BE49-F238E27FC236}">
+                <a16:creationId xmlns:a16="http://schemas.microsoft.com/office/drawing/2014/main" id="{734A4756-DA44-AF4B-4418-12FADD506DFB}"/>
               </a:ext>
             </a:extLst>
           </p:cNvPr>
@@ -4972,8 +5553,8 @@
         </p:nvSpPr>
         <p:spPr>
           <a:xfrm>
-            <a:off x="7942494" y="563013"/>
-            <a:ext cx="3720196" cy="304575"/>
+            <a:off x="7942492" y="5308348"/>
+            <a:ext cx="3720196" cy="301752"/>
           </a:xfrm>
           <a:prstGeom prst="flowChartProcess">
             <a:avLst/>
@@ -5002,12 +5583,18 @@
             <a:pPr algn="ctr"/>
             <a:r>
               <a:rPr lang="en-US" altLang="ja-JP" sz="2000" dirty="0">
+                <a:solidFill>
+                  <a:schemeClr val="bg1"/>
+                </a:solidFill>
                 <a:latin typeface="MS PGothic" panose="020B0600070205080204" pitchFamily="34" charset="-128"/>
                 <a:ea typeface="MS PGothic" panose="020B0600070205080204" pitchFamily="34" charset="-128"/>
               </a:rPr>
-              <a:t>W,A,B given</a:t>
+              <a:t>Modified route for B explored</a:t>
             </a:r>
             <a:endParaRPr kumimoji="1" lang="ja-JP" altLang="en-US" sz="2000">
+              <a:solidFill>
+                <a:schemeClr val="bg1"/>
+              </a:solidFill>
               <a:latin typeface="MS PGothic" panose="020B0600070205080204" pitchFamily="34" charset="-128"/>
               <a:ea typeface="MS PGothic" panose="020B0600070205080204" pitchFamily="34" charset="-128"/>
             </a:endParaRPr>
@@ -5016,10 +5603,10 @@
       </p:sp>
       <p:sp>
         <p:nvSpPr>
-          <p:cNvPr id="6" name="フローチャート: 処理 5">
-            <a:extLst>
-              <a:ext uri="{FF2B5EF4-FFF2-40B4-BE49-F238E27FC236}">
-                <a16:creationId xmlns:a16="http://schemas.microsoft.com/office/drawing/2014/main" id="{999EC231-31F3-3FE5-59B0-B4448046B6B8}"/>
+          <p:cNvPr id="16" name="フローチャート: 結合子 15">
+            <a:extLst>
+              <a:ext uri="{FF2B5EF4-FFF2-40B4-BE49-F238E27FC236}">
+                <a16:creationId xmlns:a16="http://schemas.microsoft.com/office/drawing/2014/main" id="{C756FBA2-67C6-1C2B-0812-81FE627F3891}"/>
               </a:ext>
             </a:extLst>
           </p:cNvPr>
@@ -5028,10 +5615,10 @@
         </p:nvSpPr>
         <p:spPr>
           <a:xfrm>
-            <a:off x="7942496" y="955772"/>
-            <a:ext cx="3720194" cy="304575"/>
-          </a:xfrm>
-          <a:prstGeom prst="flowChartProcess">
+            <a:off x="3882961" y="6299243"/>
+            <a:ext cx="457200" cy="457200"/>
+          </a:xfrm>
+          <a:prstGeom prst="flowChartConnector">
             <a:avLst/>
           </a:prstGeom>
         </p:spPr>
@@ -5057,83 +5644,201 @@
           <a:p>
             <a:pPr algn="ctr"/>
             <a:r>
+              <a:rPr kumimoji="1" lang="en-US" altLang="ja-JP" dirty="0"/>
+              <a:t>1</a:t>
+            </a:r>
+          </a:p>
+        </p:txBody>
+      </p:sp>
+      <p:sp>
+        <p:nvSpPr>
+          <p:cNvPr id="17" name="テキスト ボックス 16">
+            <a:extLst>
+              <a:ext uri="{FF2B5EF4-FFF2-40B4-BE49-F238E27FC236}">
+                <a16:creationId xmlns:a16="http://schemas.microsoft.com/office/drawing/2014/main" id="{BD372856-30B4-DD80-517E-B543AD5555B3}"/>
+              </a:ext>
+            </a:extLst>
+          </p:cNvPr>
+          <p:cNvSpPr txBox="1"/>
+          <p:nvPr/>
+        </p:nvSpPr>
+        <p:spPr>
+          <a:xfrm>
+            <a:off x="7671854" y="4184418"/>
+            <a:ext cx="479618" cy="400110"/>
+          </a:xfrm>
+          <a:prstGeom prst="rect">
+            <a:avLst/>
+          </a:prstGeom>
+          <a:noFill/>
+        </p:spPr>
+        <p:txBody>
+          <a:bodyPr wrap="none" rtlCol="0">
+            <a:spAutoFit/>
+          </a:bodyPr>
+          <a:lstStyle/>
+          <a:p>
+            <a:r>
               <a:rPr kumimoji="1" lang="en-US" altLang="ja-JP" sz="2000" dirty="0">
                 <a:latin typeface="MS PGothic" panose="020B0600070205080204" pitchFamily="34" charset="-128"/>
                 <a:ea typeface="MS PGothic" panose="020B0600070205080204" pitchFamily="34" charset="-128"/>
               </a:rPr>
-              <a:t>S</a:t>
-            </a:r>
-            <a:r>
-              <a:rPr kumimoji="1" lang="en-US" altLang="ja-JP" sz="2000" baseline="30000" dirty="0">
+              <a:t>No</a:t>
+            </a:r>
+            <a:endParaRPr kumimoji="1" lang="ja-JP" altLang="en-US" sz="2000">
+              <a:latin typeface="MS PGothic" panose="020B0600070205080204" pitchFamily="34" charset="-128"/>
+              <a:ea typeface="MS PGothic" panose="020B0600070205080204" pitchFamily="34" charset="-128"/>
+            </a:endParaRPr>
+          </a:p>
+        </p:txBody>
+      </p:sp>
+      <p:sp>
+        <p:nvSpPr>
+          <p:cNvPr id="18" name="テキスト ボックス 17">
+            <a:extLst>
+              <a:ext uri="{FF2B5EF4-FFF2-40B4-BE49-F238E27FC236}">
+                <a16:creationId xmlns:a16="http://schemas.microsoft.com/office/drawing/2014/main" id="{052E4244-6AC3-37AA-234A-A1FA4F677AAA}"/>
+              </a:ext>
+            </a:extLst>
+          </p:cNvPr>
+          <p:cNvSpPr txBox="1"/>
+          <p:nvPr/>
+        </p:nvSpPr>
+        <p:spPr>
+          <a:xfrm>
+            <a:off x="9859326" y="4852728"/>
+            <a:ext cx="582211" cy="400110"/>
+          </a:xfrm>
+          <a:prstGeom prst="rect">
+            <a:avLst/>
+          </a:prstGeom>
+          <a:noFill/>
+        </p:spPr>
+        <p:txBody>
+          <a:bodyPr wrap="none" rtlCol="0">
+            <a:spAutoFit/>
+          </a:bodyPr>
+          <a:lstStyle/>
+          <a:p>
+            <a:r>
+              <a:rPr kumimoji="1" lang="en-US" altLang="ja-JP" sz="2000" dirty="0">
                 <a:latin typeface="MS PGothic" panose="020B0600070205080204" pitchFamily="34" charset="-128"/>
                 <a:ea typeface="MS PGothic" panose="020B0600070205080204" pitchFamily="34" charset="-128"/>
               </a:rPr>
-              <a:t>i</a:t>
-            </a:r>
-            <a:r>
-              <a:rPr lang="ja-JP" altLang="en-US" sz="2000" i="0">
+              <a:t>Yes</a:t>
+            </a:r>
+            <a:endParaRPr kumimoji="1" lang="ja-JP" altLang="en-US" sz="2000">
+              <a:latin typeface="MS PGothic" panose="020B0600070205080204" pitchFamily="34" charset="-128"/>
+              <a:ea typeface="MS PGothic" panose="020B0600070205080204" pitchFamily="34" charset="-128"/>
+            </a:endParaRPr>
+          </a:p>
+        </p:txBody>
+      </p:sp>
+      <p:cxnSp>
+        <p:nvCxnSpPr>
+          <p:cNvPr id="20" name="直線矢印コネクタ 19">
+            <a:extLst>
+              <a:ext uri="{FF2B5EF4-FFF2-40B4-BE49-F238E27FC236}">
+                <a16:creationId xmlns:a16="http://schemas.microsoft.com/office/drawing/2014/main" id="{D8DA1960-971A-106C-61CC-FF3194713B0A}"/>
+              </a:ext>
+            </a:extLst>
+          </p:cNvPr>
+          <p:cNvCxnSpPr>
+            <a:cxnSpLocks/>
+            <a:stCxn id="3" idx="2"/>
+            <a:endCxn id="13" idx="0"/>
+          </p:cNvCxnSpPr>
+          <p:nvPr/>
+        </p:nvCxnSpPr>
+        <p:spPr>
+          <a:xfrm flipH="1">
+            <a:off x="9802590" y="389491"/>
+            <a:ext cx="7" cy="4918857"/>
+          </a:xfrm>
+          <a:prstGeom prst="straightConnector1">
+            <a:avLst/>
+          </a:prstGeom>
+          <a:ln>
+            <a:headEnd type="none" w="med" len="med"/>
+            <a:tailEnd type="none" w="med" len="med"/>
+          </a:ln>
+        </p:spPr>
+        <p:style>
+          <a:lnRef idx="1">
+            <a:schemeClr val="accent1"/>
+          </a:lnRef>
+          <a:fillRef idx="0">
+            <a:schemeClr val="accent1"/>
+          </a:fillRef>
+          <a:effectRef idx="0">
+            <a:schemeClr val="accent1"/>
+          </a:effectRef>
+          <a:fontRef idx="minor">
+            <a:schemeClr val="tx1"/>
+          </a:fontRef>
+        </p:style>
+      </p:cxnSp>
+      <p:sp>
+        <p:nvSpPr>
+          <p:cNvPr id="4" name="フローチャート: 処理 3">
+            <a:extLst>
+              <a:ext uri="{FF2B5EF4-FFF2-40B4-BE49-F238E27FC236}">
+                <a16:creationId xmlns:a16="http://schemas.microsoft.com/office/drawing/2014/main" id="{ECF6C12C-9F9B-3137-A0E8-E47DBC0B43B1}"/>
+              </a:ext>
+            </a:extLst>
+          </p:cNvPr>
+          <p:cNvSpPr/>
+          <p:nvPr/>
+        </p:nvSpPr>
+        <p:spPr>
+          <a:xfrm>
+            <a:off x="2025610" y="3989306"/>
+            <a:ext cx="4171918" cy="578466"/>
+          </a:xfrm>
+          <a:prstGeom prst="flowChartProcess">
+            <a:avLst/>
+          </a:prstGeom>
+        </p:spPr>
+        <p:style>
+          <a:lnRef idx="2">
+            <a:schemeClr val="accent1">
+              <a:shade val="50000"/>
+            </a:schemeClr>
+          </a:lnRef>
+          <a:fillRef idx="1">
+            <a:schemeClr val="accent1"/>
+          </a:fillRef>
+          <a:effectRef idx="0">
+            <a:schemeClr val="accent1"/>
+          </a:effectRef>
+          <a:fontRef idx="minor">
+            <a:schemeClr val="lt1"/>
+          </a:fontRef>
+        </p:style>
+        <p:txBody>
+          <a:bodyPr rtlCol="0" anchor="ctr"/>
+          <a:lstStyle/>
+          <a:p>
+            <a:pPr algn="ctr"/>
+            <a:r>
+              <a:rPr lang="en-US" altLang="ja-JP" sz="2000" dirty="0">
                 <a:solidFill>
                   <a:schemeClr val="bg1"/>
                 </a:solidFill>
-                <a:effectLst/>
                 <a:latin typeface="MS PGothic" panose="020B0600070205080204" pitchFamily="34" charset="-128"/>
                 <a:ea typeface="MS PGothic" panose="020B0600070205080204" pitchFamily="34" charset="-128"/>
               </a:rPr>
-              <a:t>∈</a:t>
-            </a:r>
-            <a:r>
-              <a:rPr lang="en-US" altLang="ja-JP" sz="2000" i="0" dirty="0">
+              <a:t>A,</a:t>
+            </a:r>
+            <a:r>
+              <a:rPr kumimoji="1" lang="en-US" altLang="ja-JP" sz="2000" dirty="0">
                 <a:solidFill>
                   <a:schemeClr val="bg1"/>
                 </a:solidFill>
-                <a:effectLst/>
                 <a:latin typeface="MS PGothic" panose="020B0600070205080204" pitchFamily="34" charset="-128"/>
                 <a:ea typeface="MS PGothic" panose="020B0600070205080204" pitchFamily="34" charset="-128"/>
               </a:rPr>
-              <a:t>W,</a:t>
-            </a:r>
-            <a:r>
-              <a:rPr kumimoji="1" lang="en-US" altLang="ja-JP" sz="2000" dirty="0">
-                <a:latin typeface="MS PGothic" panose="020B0600070205080204" pitchFamily="34" charset="-128"/>
-                <a:ea typeface="MS PGothic" panose="020B0600070205080204" pitchFamily="34" charset="-128"/>
-              </a:rPr>
-              <a:t> </a:t>
-            </a:r>
-            <a:r>
-              <a:rPr kumimoji="1" lang="en-US" altLang="ja-JP" sz="2000" dirty="0" err="1">
-                <a:latin typeface="MS PGothic" panose="020B0600070205080204" pitchFamily="34" charset="-128"/>
-                <a:ea typeface="MS PGothic" panose="020B0600070205080204" pitchFamily="34" charset="-128"/>
-              </a:rPr>
-              <a:t>g</a:t>
-            </a:r>
-            <a:r>
-              <a:rPr kumimoji="1" lang="en-US" altLang="ja-JP" sz="2000" baseline="30000" dirty="0" err="1">
-                <a:latin typeface="MS PGothic" panose="020B0600070205080204" pitchFamily="34" charset="-128"/>
-                <a:ea typeface="MS PGothic" panose="020B0600070205080204" pitchFamily="34" charset="-128"/>
-              </a:rPr>
-              <a:t>i</a:t>
-            </a:r>
-            <a:r>
-              <a:rPr lang="ja-JP" altLang="en-US" sz="2000" i="0">
-                <a:solidFill>
-                  <a:schemeClr val="bg1"/>
-                </a:solidFill>
-                <a:effectLst/>
-                <a:latin typeface="MS PGothic" panose="020B0600070205080204" pitchFamily="34" charset="-128"/>
-                <a:ea typeface="MS PGothic" panose="020B0600070205080204" pitchFamily="34" charset="-128"/>
-              </a:rPr>
-              <a:t>∈</a:t>
-            </a:r>
-            <a:r>
-              <a:rPr lang="en-US" altLang="ja-JP" sz="2000" i="0" dirty="0">
-                <a:solidFill>
-                  <a:schemeClr val="bg1"/>
-                </a:solidFill>
-                <a:effectLst/>
-                <a:latin typeface="MS PGothic" panose="020B0600070205080204" pitchFamily="34" charset="-128"/>
-                <a:ea typeface="MS PGothic" panose="020B0600070205080204" pitchFamily="34" charset="-128"/>
-              </a:rPr>
-              <a:t>W given </a:t>
+              <a:t>B run</a:t>
             </a:r>
             <a:endParaRPr kumimoji="1" lang="ja-JP" altLang="en-US" sz="2000">
               <a:solidFill>
@@ -5147,10 +5852,10 @@
       </p:sp>
       <p:sp>
         <p:nvSpPr>
-          <p:cNvPr id="7" name="フローチャート: 処理 6">
-            <a:extLst>
-              <a:ext uri="{FF2B5EF4-FFF2-40B4-BE49-F238E27FC236}">
-                <a16:creationId xmlns:a16="http://schemas.microsoft.com/office/drawing/2014/main" id="{05B63DE9-4428-C62B-8FE7-6796C9E69571}"/>
+          <p:cNvPr id="23" name="フローチャート: 処理 22">
+            <a:extLst>
+              <a:ext uri="{FF2B5EF4-FFF2-40B4-BE49-F238E27FC236}">
+                <a16:creationId xmlns:a16="http://schemas.microsoft.com/office/drawing/2014/main" id="{DC3FB506-9755-A4CD-207C-3C2F9AA5F756}"/>
               </a:ext>
             </a:extLst>
           </p:cNvPr>
@@ -5159,8 +5864,8 @@
         </p:nvSpPr>
         <p:spPr>
           <a:xfrm>
-            <a:off x="7942494" y="1439088"/>
-            <a:ext cx="3720194" cy="301753"/>
+            <a:off x="129195" y="2953073"/>
+            <a:ext cx="1992092" cy="578465"/>
           </a:xfrm>
           <a:prstGeom prst="flowChartProcess">
             <a:avLst/>
@@ -5188,31 +5893,71 @@
           <a:p>
             <a:pPr algn="ctr"/>
             <a:r>
-              <a:rPr kumimoji="1" lang="en-US" altLang="ja-JP" sz="2000" dirty="0">
-                <a:solidFill>
-                  <a:schemeClr val="bg1"/>
-                </a:solidFill>
+              <a:rPr kumimoji="1" lang="en" altLang="ja-JP" sz="2000" dirty="0">
                 <a:latin typeface="MS PGothic" panose="020B0600070205080204" pitchFamily="34" charset="-128"/>
                 <a:ea typeface="MS PGothic" panose="020B0600070205080204" pitchFamily="34" charset="-128"/>
               </a:rPr>
-              <a:t>Assign tasks randomly</a:t>
+              <a:t>B Continues to wait</a:t>
             </a:r>
             <a:endParaRPr kumimoji="1" lang="ja-JP" altLang="en-US" sz="2000">
-              <a:solidFill>
-                <a:schemeClr val="bg1"/>
-              </a:solidFill>
               <a:latin typeface="MS PGothic" panose="020B0600070205080204" pitchFamily="34" charset="-128"/>
               <a:ea typeface="MS PGothic" panose="020B0600070205080204" pitchFamily="34" charset="-128"/>
             </a:endParaRPr>
           </a:p>
         </p:txBody>
       </p:sp>
-      <p:sp>
-        <p:nvSpPr>
-          <p:cNvPr id="8" name="フローチャート: 処理 7">
-            <a:extLst>
-              <a:ext uri="{FF2B5EF4-FFF2-40B4-BE49-F238E27FC236}">
-                <a16:creationId xmlns:a16="http://schemas.microsoft.com/office/drawing/2014/main" id="{155343F0-218E-7FBD-20D9-166F8A8CC7E2}"/>
+      <p:cxnSp>
+        <p:nvCxnSpPr>
+          <p:cNvPr id="29" name="カギ線コネクタ 28">
+            <a:extLst>
+              <a:ext uri="{FF2B5EF4-FFF2-40B4-BE49-F238E27FC236}">
+                <a16:creationId xmlns:a16="http://schemas.microsoft.com/office/drawing/2014/main" id="{3078B6CC-660A-705E-7F85-5E67C014F52E}"/>
+              </a:ext>
+            </a:extLst>
+          </p:cNvPr>
+          <p:cNvCxnSpPr>
+            <a:cxnSpLocks/>
+            <a:stCxn id="13" idx="3"/>
+            <a:endCxn id="31" idx="6"/>
+          </p:cNvCxnSpPr>
+          <p:nvPr/>
+        </p:nvCxnSpPr>
+        <p:spPr>
+          <a:xfrm flipH="1" flipV="1">
+            <a:off x="9802587" y="3353200"/>
+            <a:ext cx="1860101" cy="2106024"/>
+          </a:xfrm>
+          <a:prstGeom prst="bentConnector3">
+            <a:avLst>
+              <a:gd name="adj1" fmla="val -12290"/>
+            </a:avLst>
+          </a:prstGeom>
+          <a:ln>
+            <a:headEnd type="none" w="med" len="med"/>
+            <a:tailEnd type="none" w="med" len="med"/>
+          </a:ln>
+        </p:spPr>
+        <p:style>
+          <a:lnRef idx="1">
+            <a:schemeClr val="accent1"/>
+          </a:lnRef>
+          <a:fillRef idx="0">
+            <a:schemeClr val="accent1"/>
+          </a:fillRef>
+          <a:effectRef idx="0">
+            <a:schemeClr val="accent1"/>
+          </a:effectRef>
+          <a:fontRef idx="minor">
+            <a:schemeClr val="tx1"/>
+          </a:fontRef>
+        </p:style>
+      </p:cxnSp>
+      <p:sp>
+        <p:nvSpPr>
+          <p:cNvPr id="31" name="フローチャート: 結合子 30">
+            <a:extLst>
+              <a:ext uri="{FF2B5EF4-FFF2-40B4-BE49-F238E27FC236}">
+                <a16:creationId xmlns:a16="http://schemas.microsoft.com/office/drawing/2014/main" id="{C0A9F7A4-961E-5087-8D45-0D40A1A04A22}"/>
               </a:ext>
             </a:extLst>
           </p:cNvPr>
@@ -5221,12 +5966,16 @@
         </p:nvSpPr>
         <p:spPr>
           <a:xfrm>
-            <a:off x="7942492" y="2868135"/>
-            <a:ext cx="3720196" cy="301752"/>
-          </a:xfrm>
-          <a:prstGeom prst="flowChartProcess">
+            <a:off x="9573987" y="3266226"/>
+            <a:ext cx="228600" cy="173948"/>
+          </a:xfrm>
+          <a:prstGeom prst="flowChartConnector">
             <a:avLst/>
           </a:prstGeom>
+          <a:noFill/>
+          <a:ln>
+            <a:noFill/>
+          </a:ln>
         </p:spPr>
         <p:style>
           <a:lnRef idx="2">
@@ -5250,737 +5999,6 @@
           <a:p>
             <a:pPr algn="ctr"/>
             <a:r>
-              <a:rPr kumimoji="1" lang="en-US" altLang="ja-JP" sz="2000" dirty="0">
-                <a:solidFill>
-                  <a:schemeClr val="bg1"/>
-                </a:solidFill>
-                <a:latin typeface="MS PGothic" panose="020B0600070205080204" pitchFamily="34" charset="-128"/>
-                <a:ea typeface="MS PGothic" panose="020B0600070205080204" pitchFamily="34" charset="-128"/>
-              </a:rPr>
-              <a:t>Optimal path search for agent </a:t>
-            </a:r>
-            <a:r>
-              <a:rPr kumimoji="1" lang="en-US" altLang="ja-JP" sz="2000" dirty="0" err="1">
-                <a:solidFill>
-                  <a:schemeClr val="bg1"/>
-                </a:solidFill>
-                <a:latin typeface="MS PGothic" panose="020B0600070205080204" pitchFamily="34" charset="-128"/>
-                <a:ea typeface="MS PGothic" panose="020B0600070205080204" pitchFamily="34" charset="-128"/>
-              </a:rPr>
-              <a:t>i</a:t>
-            </a:r>
-            <a:r>
-              <a:rPr kumimoji="1" lang="en-US" altLang="ja-JP" sz="2000" dirty="0">
-                <a:solidFill>
-                  <a:schemeClr val="bg1"/>
-                </a:solidFill>
-                <a:latin typeface="MS PGothic" panose="020B0600070205080204" pitchFamily="34" charset="-128"/>
-                <a:ea typeface="MS PGothic" panose="020B0600070205080204" pitchFamily="34" charset="-128"/>
-              </a:rPr>
-              <a:t> </a:t>
-            </a:r>
-            <a:endParaRPr kumimoji="1" lang="ja-JP" altLang="en-US" sz="2000">
-              <a:solidFill>
-                <a:schemeClr val="bg1"/>
-              </a:solidFill>
-              <a:latin typeface="MS PGothic" panose="020B0600070205080204" pitchFamily="34" charset="-128"/>
-              <a:ea typeface="MS PGothic" panose="020B0600070205080204" pitchFamily="34" charset="-128"/>
-            </a:endParaRPr>
-          </a:p>
-        </p:txBody>
-      </p:sp>
-      <p:sp>
-        <p:nvSpPr>
-          <p:cNvPr id="9" name="片側の 2 つの角を切り取った四角形 8">
-            <a:extLst>
-              <a:ext uri="{FF2B5EF4-FFF2-40B4-BE49-F238E27FC236}">
-                <a16:creationId xmlns:a16="http://schemas.microsoft.com/office/drawing/2014/main" id="{72E2C225-D4E2-4442-5ACF-04DF678992EB}"/>
-              </a:ext>
-            </a:extLst>
-          </p:cNvPr>
-          <p:cNvSpPr/>
-          <p:nvPr/>
-        </p:nvSpPr>
-        <p:spPr>
-          <a:xfrm>
-            <a:off x="7942493" y="1914363"/>
-            <a:ext cx="3720195" cy="751114"/>
-          </a:xfrm>
-          <a:prstGeom prst="snip2SameRect">
-            <a:avLst/>
-          </a:prstGeom>
-        </p:spPr>
-        <p:style>
-          <a:lnRef idx="2">
-            <a:schemeClr val="accent1">
-              <a:shade val="50000"/>
-            </a:schemeClr>
-          </a:lnRef>
-          <a:fillRef idx="1">
-            <a:schemeClr val="accent1"/>
-          </a:fillRef>
-          <a:effectRef idx="0">
-            <a:schemeClr val="accent1"/>
-          </a:effectRef>
-          <a:fontRef idx="minor">
-            <a:schemeClr val="lt1"/>
-          </a:fontRef>
-        </p:style>
-        <p:txBody>
-          <a:bodyPr rtlCol="0" anchor="ctr"/>
-          <a:lstStyle/>
-          <a:p>
-            <a:pPr algn="ctr"/>
-            <a:r>
-              <a:rPr kumimoji="1" lang="en-US" altLang="ja-JP" sz="2000" dirty="0">
-                <a:latin typeface="MS PGothic" panose="020B0600070205080204" pitchFamily="34" charset="-128"/>
-                <a:ea typeface="MS PGothic" panose="020B0600070205080204" pitchFamily="34" charset="-128"/>
-              </a:rPr>
-              <a:t>1</a:t>
-            </a:r>
-          </a:p>
-          <a:p>
-            <a:pPr algn="ctr"/>
-            <a:r>
-              <a:rPr kumimoji="1" lang="en-US" altLang="ja-JP" sz="2000" dirty="0">
-                <a:latin typeface="MS PGothic" panose="020B0600070205080204" pitchFamily="34" charset="-128"/>
-                <a:ea typeface="MS PGothic" panose="020B0600070205080204" pitchFamily="34" charset="-128"/>
-              </a:rPr>
-              <a:t>Start</a:t>
-            </a:r>
-            <a:endParaRPr kumimoji="1" lang="ja-JP" altLang="en-US" sz="2000">
-              <a:latin typeface="MS PGothic" panose="020B0600070205080204" pitchFamily="34" charset="-128"/>
-              <a:ea typeface="MS PGothic" panose="020B0600070205080204" pitchFamily="34" charset="-128"/>
-            </a:endParaRPr>
-          </a:p>
-        </p:txBody>
-      </p:sp>
-      <p:sp>
-        <p:nvSpPr>
-          <p:cNvPr id="13" name="フローチャート: 処理 12">
-            <a:extLst>
-              <a:ext uri="{FF2B5EF4-FFF2-40B4-BE49-F238E27FC236}">
-                <a16:creationId xmlns:a16="http://schemas.microsoft.com/office/drawing/2014/main" id="{734A4756-DA44-AF4B-4418-12FADD506DFB}"/>
-              </a:ext>
-            </a:extLst>
-          </p:cNvPr>
-          <p:cNvSpPr/>
-          <p:nvPr/>
-        </p:nvSpPr>
-        <p:spPr>
-          <a:xfrm>
-            <a:off x="7942492" y="5308348"/>
-            <a:ext cx="3720196" cy="301752"/>
-          </a:xfrm>
-          <a:prstGeom prst="flowChartProcess">
-            <a:avLst/>
-          </a:prstGeom>
-        </p:spPr>
-        <p:style>
-          <a:lnRef idx="2">
-            <a:schemeClr val="accent1">
-              <a:shade val="50000"/>
-            </a:schemeClr>
-          </a:lnRef>
-          <a:fillRef idx="1">
-            <a:schemeClr val="accent1"/>
-          </a:fillRef>
-          <a:effectRef idx="0">
-            <a:schemeClr val="accent1"/>
-          </a:effectRef>
-          <a:fontRef idx="minor">
-            <a:schemeClr val="lt1"/>
-          </a:fontRef>
-        </p:style>
-        <p:txBody>
-          <a:bodyPr rtlCol="0" anchor="ctr"/>
-          <a:lstStyle/>
-          <a:p>
-            <a:pPr algn="ctr"/>
-            <a:r>
-              <a:rPr lang="en-US" altLang="ja-JP" sz="2000" dirty="0">
-                <a:solidFill>
-                  <a:schemeClr val="bg1"/>
-                </a:solidFill>
-                <a:latin typeface="MS PGothic" panose="020B0600070205080204" pitchFamily="34" charset="-128"/>
-                <a:ea typeface="MS PGothic" panose="020B0600070205080204" pitchFamily="34" charset="-128"/>
-              </a:rPr>
-              <a:t>Modified route for B explored</a:t>
-            </a:r>
-            <a:endParaRPr kumimoji="1" lang="ja-JP" altLang="en-US" sz="2000">
-              <a:solidFill>
-                <a:schemeClr val="bg1"/>
-              </a:solidFill>
-              <a:latin typeface="MS PGothic" panose="020B0600070205080204" pitchFamily="34" charset="-128"/>
-              <a:ea typeface="MS PGothic" panose="020B0600070205080204" pitchFamily="34" charset="-128"/>
-            </a:endParaRPr>
-          </a:p>
-        </p:txBody>
-      </p:sp>
-      <p:sp>
-        <p:nvSpPr>
-          <p:cNvPr id="15" name="フローチャート: 判断 14">
-            <a:extLst>
-              <a:ext uri="{FF2B5EF4-FFF2-40B4-BE49-F238E27FC236}">
-                <a16:creationId xmlns:a16="http://schemas.microsoft.com/office/drawing/2014/main" id="{BEE90B9F-3420-01B9-38ED-8ACA18357163}"/>
-              </a:ext>
-            </a:extLst>
-          </p:cNvPr>
-          <p:cNvSpPr/>
-          <p:nvPr/>
-        </p:nvSpPr>
-        <p:spPr>
-          <a:xfrm>
-            <a:off x="7848601" y="3466633"/>
-            <a:ext cx="3907971" cy="1428944"/>
-          </a:xfrm>
-          <a:prstGeom prst="flowChartDecision">
-            <a:avLst/>
-          </a:prstGeom>
-        </p:spPr>
-        <p:style>
-          <a:lnRef idx="2">
-            <a:schemeClr val="accent1">
-              <a:shade val="50000"/>
-            </a:schemeClr>
-          </a:lnRef>
-          <a:fillRef idx="1">
-            <a:schemeClr val="accent1"/>
-          </a:fillRef>
-          <a:effectRef idx="0">
-            <a:schemeClr val="accent1"/>
-          </a:effectRef>
-          <a:fontRef idx="minor">
-            <a:schemeClr val="lt1"/>
-          </a:fontRef>
-        </p:style>
-        <p:txBody>
-          <a:bodyPr rtlCol="0" anchor="ctr"/>
-          <a:lstStyle/>
-          <a:p>
-            <a:pPr algn="ctr"/>
-            <a:r>
-              <a:rPr kumimoji="1" lang="en" altLang="ja-JP" sz="2000" dirty="0">
-                <a:latin typeface="MS PGothic" panose="020B0600070205080204" pitchFamily="34" charset="-128"/>
-                <a:ea typeface="MS PGothic" panose="020B0600070205080204" pitchFamily="34" charset="-128"/>
-              </a:rPr>
-              <a:t>Are there conflicts in the explored routes?</a:t>
-            </a:r>
-            <a:endParaRPr kumimoji="1" lang="ja-JP" altLang="en-US" sz="2000">
-              <a:latin typeface="MS PGothic" panose="020B0600070205080204" pitchFamily="34" charset="-128"/>
-              <a:ea typeface="MS PGothic" panose="020B0600070205080204" pitchFamily="34" charset="-128"/>
-            </a:endParaRPr>
-          </a:p>
-        </p:txBody>
-      </p:sp>
-      <p:sp>
-        <p:nvSpPr>
-          <p:cNvPr id="16" name="フローチャート: 結合子 15">
-            <a:extLst>
-              <a:ext uri="{FF2B5EF4-FFF2-40B4-BE49-F238E27FC236}">
-                <a16:creationId xmlns:a16="http://schemas.microsoft.com/office/drawing/2014/main" id="{C756FBA2-67C6-1C2B-0812-81FE627F3891}"/>
-              </a:ext>
-            </a:extLst>
-          </p:cNvPr>
-          <p:cNvSpPr/>
-          <p:nvPr/>
-        </p:nvSpPr>
-        <p:spPr>
-          <a:xfrm>
-            <a:off x="3882961" y="6299243"/>
-            <a:ext cx="457200" cy="457200"/>
-          </a:xfrm>
-          <a:prstGeom prst="flowChartConnector">
-            <a:avLst/>
-          </a:prstGeom>
-        </p:spPr>
-        <p:style>
-          <a:lnRef idx="2">
-            <a:schemeClr val="accent1">
-              <a:shade val="50000"/>
-            </a:schemeClr>
-          </a:lnRef>
-          <a:fillRef idx="1">
-            <a:schemeClr val="accent1"/>
-          </a:fillRef>
-          <a:effectRef idx="0">
-            <a:schemeClr val="accent1"/>
-          </a:effectRef>
-          <a:fontRef idx="minor">
-            <a:schemeClr val="lt1"/>
-          </a:fontRef>
-        </p:style>
-        <p:txBody>
-          <a:bodyPr rtlCol="0" anchor="ctr"/>
-          <a:lstStyle/>
-          <a:p>
-            <a:pPr algn="ctr"/>
-            <a:r>
-              <a:rPr kumimoji="1" lang="en-US" altLang="ja-JP" dirty="0"/>
-              <a:t>1</a:t>
-            </a:r>
-          </a:p>
-        </p:txBody>
-      </p:sp>
-      <p:sp>
-        <p:nvSpPr>
-          <p:cNvPr id="17" name="テキスト ボックス 16">
-            <a:extLst>
-              <a:ext uri="{FF2B5EF4-FFF2-40B4-BE49-F238E27FC236}">
-                <a16:creationId xmlns:a16="http://schemas.microsoft.com/office/drawing/2014/main" id="{BD372856-30B4-DD80-517E-B543AD5555B3}"/>
-              </a:ext>
-            </a:extLst>
-          </p:cNvPr>
-          <p:cNvSpPr txBox="1"/>
-          <p:nvPr/>
-        </p:nvSpPr>
-        <p:spPr>
-          <a:xfrm>
-            <a:off x="7812504" y="4339886"/>
-            <a:ext cx="479618" cy="400110"/>
-          </a:xfrm>
-          <a:prstGeom prst="rect">
-            <a:avLst/>
-          </a:prstGeom>
-          <a:noFill/>
-        </p:spPr>
-        <p:txBody>
-          <a:bodyPr wrap="none" rtlCol="0">
-            <a:spAutoFit/>
-          </a:bodyPr>
-          <a:lstStyle/>
-          <a:p>
-            <a:r>
-              <a:rPr kumimoji="1" lang="en-US" altLang="ja-JP" sz="2000" dirty="0">
-                <a:latin typeface="MS PGothic" panose="020B0600070205080204" pitchFamily="34" charset="-128"/>
-                <a:ea typeface="MS PGothic" panose="020B0600070205080204" pitchFamily="34" charset="-128"/>
-              </a:rPr>
-              <a:t>No</a:t>
-            </a:r>
-            <a:endParaRPr kumimoji="1" lang="ja-JP" altLang="en-US" sz="2000">
-              <a:latin typeface="MS PGothic" panose="020B0600070205080204" pitchFamily="34" charset="-128"/>
-              <a:ea typeface="MS PGothic" panose="020B0600070205080204" pitchFamily="34" charset="-128"/>
-            </a:endParaRPr>
-          </a:p>
-        </p:txBody>
-      </p:sp>
-      <p:sp>
-        <p:nvSpPr>
-          <p:cNvPr id="18" name="テキスト ボックス 17">
-            <a:extLst>
-              <a:ext uri="{FF2B5EF4-FFF2-40B4-BE49-F238E27FC236}">
-                <a16:creationId xmlns:a16="http://schemas.microsoft.com/office/drawing/2014/main" id="{052E4244-6AC3-37AA-234A-A1FA4F677AAA}"/>
-              </a:ext>
-            </a:extLst>
-          </p:cNvPr>
-          <p:cNvSpPr txBox="1"/>
-          <p:nvPr/>
-        </p:nvSpPr>
-        <p:spPr>
-          <a:xfrm>
-            <a:off x="9859326" y="4852728"/>
-            <a:ext cx="582211" cy="400110"/>
-          </a:xfrm>
-          <a:prstGeom prst="rect">
-            <a:avLst/>
-          </a:prstGeom>
-          <a:noFill/>
-        </p:spPr>
-        <p:txBody>
-          <a:bodyPr wrap="none" rtlCol="0">
-            <a:spAutoFit/>
-          </a:bodyPr>
-          <a:lstStyle/>
-          <a:p>
-            <a:r>
-              <a:rPr kumimoji="1" lang="en-US" altLang="ja-JP" sz="2000" dirty="0">
-                <a:latin typeface="MS PGothic" panose="020B0600070205080204" pitchFamily="34" charset="-128"/>
-                <a:ea typeface="MS PGothic" panose="020B0600070205080204" pitchFamily="34" charset="-128"/>
-              </a:rPr>
-              <a:t>Yes</a:t>
-            </a:r>
-            <a:endParaRPr kumimoji="1" lang="ja-JP" altLang="en-US" sz="2000">
-              <a:latin typeface="MS PGothic" panose="020B0600070205080204" pitchFamily="34" charset="-128"/>
-              <a:ea typeface="MS PGothic" panose="020B0600070205080204" pitchFamily="34" charset="-128"/>
-            </a:endParaRPr>
-          </a:p>
-        </p:txBody>
-      </p:sp>
-      <p:cxnSp>
-        <p:nvCxnSpPr>
-          <p:cNvPr id="20" name="直線矢印コネクタ 19">
-            <a:extLst>
-              <a:ext uri="{FF2B5EF4-FFF2-40B4-BE49-F238E27FC236}">
-                <a16:creationId xmlns:a16="http://schemas.microsoft.com/office/drawing/2014/main" id="{D8DA1960-971A-106C-61CC-FF3194713B0A}"/>
-              </a:ext>
-            </a:extLst>
-          </p:cNvPr>
-          <p:cNvCxnSpPr>
-            <a:cxnSpLocks/>
-            <a:stCxn id="3" idx="2"/>
-            <a:endCxn id="13" idx="0"/>
-          </p:cNvCxnSpPr>
-          <p:nvPr/>
-        </p:nvCxnSpPr>
-        <p:spPr>
-          <a:xfrm flipH="1">
-            <a:off x="9802590" y="389491"/>
-            <a:ext cx="7" cy="4918857"/>
-          </a:xfrm>
-          <a:prstGeom prst="straightConnector1">
-            <a:avLst/>
-          </a:prstGeom>
-          <a:ln>
-            <a:tailEnd type="triangle"/>
-          </a:ln>
-        </p:spPr>
-        <p:style>
-          <a:lnRef idx="1">
-            <a:schemeClr val="accent1"/>
-          </a:lnRef>
-          <a:fillRef idx="0">
-            <a:schemeClr val="accent1"/>
-          </a:fillRef>
-          <a:effectRef idx="0">
-            <a:schemeClr val="accent1"/>
-          </a:effectRef>
-          <a:fontRef idx="minor">
-            <a:schemeClr val="tx1"/>
-          </a:fontRef>
-        </p:style>
-      </p:cxnSp>
-      <p:sp>
-        <p:nvSpPr>
-          <p:cNvPr id="4" name="フローチャート: 処理 3">
-            <a:extLst>
-              <a:ext uri="{FF2B5EF4-FFF2-40B4-BE49-F238E27FC236}">
-                <a16:creationId xmlns:a16="http://schemas.microsoft.com/office/drawing/2014/main" id="{ECF6C12C-9F9B-3137-A0E8-E47DBC0B43B1}"/>
-              </a:ext>
-            </a:extLst>
-          </p:cNvPr>
-          <p:cNvSpPr/>
-          <p:nvPr/>
-        </p:nvSpPr>
-        <p:spPr>
-          <a:xfrm>
-            <a:off x="2157609" y="3107810"/>
-            <a:ext cx="4171918" cy="578466"/>
-          </a:xfrm>
-          <a:prstGeom prst="flowChartProcess">
-            <a:avLst/>
-          </a:prstGeom>
-        </p:spPr>
-        <p:style>
-          <a:lnRef idx="2">
-            <a:schemeClr val="accent1">
-              <a:shade val="50000"/>
-            </a:schemeClr>
-          </a:lnRef>
-          <a:fillRef idx="1">
-            <a:schemeClr val="accent1"/>
-          </a:fillRef>
-          <a:effectRef idx="0">
-            <a:schemeClr val="accent1"/>
-          </a:effectRef>
-          <a:fontRef idx="minor">
-            <a:schemeClr val="lt1"/>
-          </a:fontRef>
-        </p:style>
-        <p:txBody>
-          <a:bodyPr rtlCol="0" anchor="ctr"/>
-          <a:lstStyle/>
-          <a:p>
-            <a:pPr algn="ctr"/>
-            <a:r>
-              <a:rPr kumimoji="1" lang="en-US" altLang="ja-JP" sz="2000" dirty="0">
-                <a:solidFill>
-                  <a:schemeClr val="bg1"/>
-                </a:solidFill>
-                <a:latin typeface="MS PGothic" panose="020B0600070205080204" pitchFamily="34" charset="-128"/>
-                <a:ea typeface="MS PGothic" panose="020B0600070205080204" pitchFamily="34" charset="-128"/>
-              </a:rPr>
-              <a:t>B run</a:t>
-            </a:r>
-            <a:endParaRPr kumimoji="1" lang="ja-JP" altLang="en-US" sz="2000">
-              <a:solidFill>
-                <a:schemeClr val="bg1"/>
-              </a:solidFill>
-              <a:latin typeface="MS PGothic" panose="020B0600070205080204" pitchFamily="34" charset="-128"/>
-              <a:ea typeface="MS PGothic" panose="020B0600070205080204" pitchFamily="34" charset="-128"/>
-            </a:endParaRPr>
-          </a:p>
-        </p:txBody>
-      </p:sp>
-      <p:sp>
-        <p:nvSpPr>
-          <p:cNvPr id="19" name="フローチャート: 処理 18">
-            <a:extLst>
-              <a:ext uri="{FF2B5EF4-FFF2-40B4-BE49-F238E27FC236}">
-                <a16:creationId xmlns:a16="http://schemas.microsoft.com/office/drawing/2014/main" id="{32E3EA14-2F1E-5E9C-F6F7-B6C3D030F504}"/>
-              </a:ext>
-            </a:extLst>
-          </p:cNvPr>
-          <p:cNvSpPr/>
-          <p:nvPr/>
-        </p:nvSpPr>
-        <p:spPr>
-          <a:xfrm>
-            <a:off x="2025660" y="563013"/>
-            <a:ext cx="4171868" cy="330378"/>
-          </a:xfrm>
-          <a:prstGeom prst="flowChartProcess">
-            <a:avLst/>
-          </a:prstGeom>
-        </p:spPr>
-        <p:style>
-          <a:lnRef idx="2">
-            <a:schemeClr val="accent1">
-              <a:shade val="50000"/>
-            </a:schemeClr>
-          </a:lnRef>
-          <a:fillRef idx="1">
-            <a:schemeClr val="accent1"/>
-          </a:fillRef>
-          <a:effectRef idx="0">
-            <a:schemeClr val="accent1"/>
-          </a:effectRef>
-          <a:fontRef idx="minor">
-            <a:schemeClr val="lt1"/>
-          </a:fontRef>
-        </p:style>
-        <p:txBody>
-          <a:bodyPr rtlCol="0" anchor="ctr"/>
-          <a:lstStyle/>
-          <a:p>
-            <a:pPr algn="ctr"/>
-            <a:r>
-              <a:rPr kumimoji="1" lang="en-US" altLang="ja-JP" sz="2000" dirty="0">
-                <a:latin typeface="MS PGothic" panose="020B0600070205080204" pitchFamily="34" charset="-128"/>
-                <a:ea typeface="MS PGothic" panose="020B0600070205080204" pitchFamily="34" charset="-128"/>
-              </a:rPr>
-              <a:t>Each agent run</a:t>
-            </a:r>
-            <a:endParaRPr kumimoji="1" lang="ja-JP" altLang="en-US" sz="2000">
-              <a:latin typeface="MS PGothic" panose="020B0600070205080204" pitchFamily="34" charset="-128"/>
-              <a:ea typeface="MS PGothic" panose="020B0600070205080204" pitchFamily="34" charset="-128"/>
-            </a:endParaRPr>
-          </a:p>
-        </p:txBody>
-      </p:sp>
-      <p:sp>
-        <p:nvSpPr>
-          <p:cNvPr id="21" name="フローチャート: 判断 20">
-            <a:extLst>
-              <a:ext uri="{FF2B5EF4-FFF2-40B4-BE49-F238E27FC236}">
-                <a16:creationId xmlns:a16="http://schemas.microsoft.com/office/drawing/2014/main" id="{BC43C8B6-78EC-8158-3DE4-B8F6FF5CD316}"/>
-              </a:ext>
-            </a:extLst>
-          </p:cNvPr>
-          <p:cNvSpPr/>
-          <p:nvPr/>
-        </p:nvSpPr>
-        <p:spPr>
-          <a:xfrm>
-            <a:off x="2025610" y="1108059"/>
-            <a:ext cx="4171918" cy="1328022"/>
-          </a:xfrm>
-          <a:prstGeom prst="flowChartDecision">
-            <a:avLst/>
-          </a:prstGeom>
-        </p:spPr>
-        <p:style>
-          <a:lnRef idx="2">
-            <a:schemeClr val="accent1">
-              <a:shade val="50000"/>
-            </a:schemeClr>
-          </a:lnRef>
-          <a:fillRef idx="1">
-            <a:schemeClr val="accent1"/>
-          </a:fillRef>
-          <a:effectRef idx="0">
-            <a:schemeClr val="accent1"/>
-          </a:effectRef>
-          <a:fontRef idx="minor">
-            <a:schemeClr val="lt1"/>
-          </a:fontRef>
-        </p:style>
-        <p:txBody>
-          <a:bodyPr rtlCol="0" anchor="ctr"/>
-          <a:lstStyle/>
-          <a:p>
-            <a:pPr algn="ctr"/>
-            <a:r>
-              <a:rPr kumimoji="1" lang="en" altLang="ja-JP" sz="2000" dirty="0">
-                <a:latin typeface="MS PGothic" panose="020B0600070205080204" pitchFamily="34" charset="-128"/>
-                <a:ea typeface="MS PGothic" panose="020B0600070205080204" pitchFamily="34" charset="-128"/>
-              </a:rPr>
-              <a:t>Did A exit the</a:t>
-            </a:r>
-          </a:p>
-          <a:p>
-            <a:pPr algn="ctr"/>
-            <a:r>
-              <a:rPr kumimoji="1" lang="en" altLang="ja-JP" sz="2000" dirty="0">
-                <a:latin typeface="MS PGothic" panose="020B0600070205080204" pitchFamily="34" charset="-128"/>
-                <a:ea typeface="MS PGothic" panose="020B0600070205080204" pitchFamily="34" charset="-128"/>
-              </a:rPr>
-              <a:t>narrow passage?</a:t>
-            </a:r>
-            <a:endParaRPr kumimoji="1" lang="ja-JP" altLang="en-US" sz="2000">
-              <a:latin typeface="MS PGothic" panose="020B0600070205080204" pitchFamily="34" charset="-128"/>
-              <a:ea typeface="MS PGothic" panose="020B0600070205080204" pitchFamily="34" charset="-128"/>
-            </a:endParaRPr>
-          </a:p>
-        </p:txBody>
-      </p:sp>
-      <p:sp>
-        <p:nvSpPr>
-          <p:cNvPr id="23" name="フローチャート: 処理 22">
-            <a:extLst>
-              <a:ext uri="{FF2B5EF4-FFF2-40B4-BE49-F238E27FC236}">
-                <a16:creationId xmlns:a16="http://schemas.microsoft.com/office/drawing/2014/main" id="{DC3FB506-9755-A4CD-207C-3C2F9AA5F756}"/>
-              </a:ext>
-            </a:extLst>
-          </p:cNvPr>
-          <p:cNvSpPr/>
-          <p:nvPr/>
-        </p:nvSpPr>
-        <p:spPr>
-          <a:xfrm>
-            <a:off x="165517" y="2343665"/>
-            <a:ext cx="1992092" cy="578465"/>
-          </a:xfrm>
-          <a:prstGeom prst="flowChartProcess">
-            <a:avLst/>
-          </a:prstGeom>
-        </p:spPr>
-        <p:style>
-          <a:lnRef idx="2">
-            <a:schemeClr val="accent1">
-              <a:shade val="50000"/>
-            </a:schemeClr>
-          </a:lnRef>
-          <a:fillRef idx="1">
-            <a:schemeClr val="accent1"/>
-          </a:fillRef>
-          <a:effectRef idx="0">
-            <a:schemeClr val="accent1"/>
-          </a:effectRef>
-          <a:fontRef idx="minor">
-            <a:schemeClr val="lt1"/>
-          </a:fontRef>
-        </p:style>
-        <p:txBody>
-          <a:bodyPr rtlCol="0" anchor="ctr"/>
-          <a:lstStyle/>
-          <a:p>
-            <a:pPr algn="ctr"/>
-            <a:r>
-              <a:rPr kumimoji="1" lang="en" altLang="ja-JP" sz="2000" dirty="0">
-                <a:latin typeface="MS PGothic" panose="020B0600070205080204" pitchFamily="34" charset="-128"/>
-                <a:ea typeface="MS PGothic" panose="020B0600070205080204" pitchFamily="34" charset="-128"/>
-              </a:rPr>
-              <a:t>B Continues to wait</a:t>
-            </a:r>
-            <a:endParaRPr kumimoji="1" lang="ja-JP" altLang="en-US" sz="2000">
-              <a:latin typeface="MS PGothic" panose="020B0600070205080204" pitchFamily="34" charset="-128"/>
-              <a:ea typeface="MS PGothic" panose="020B0600070205080204" pitchFamily="34" charset="-128"/>
-            </a:endParaRPr>
-          </a:p>
-        </p:txBody>
-      </p:sp>
-      <p:cxnSp>
-        <p:nvCxnSpPr>
-          <p:cNvPr id="29" name="カギ線コネクタ 28">
-            <a:extLst>
-              <a:ext uri="{FF2B5EF4-FFF2-40B4-BE49-F238E27FC236}">
-                <a16:creationId xmlns:a16="http://schemas.microsoft.com/office/drawing/2014/main" id="{3078B6CC-660A-705E-7F85-5E67C014F52E}"/>
-              </a:ext>
-            </a:extLst>
-          </p:cNvPr>
-          <p:cNvCxnSpPr>
-            <a:cxnSpLocks/>
-            <a:stCxn id="13" idx="3"/>
-            <a:endCxn id="31" idx="6"/>
-          </p:cNvCxnSpPr>
-          <p:nvPr/>
-        </p:nvCxnSpPr>
-        <p:spPr>
-          <a:xfrm flipH="1" flipV="1">
-            <a:off x="9802587" y="3353200"/>
-            <a:ext cx="1860101" cy="2106024"/>
-          </a:xfrm>
-          <a:prstGeom prst="bentConnector3">
-            <a:avLst>
-              <a:gd name="adj1" fmla="val -12290"/>
-            </a:avLst>
-          </a:prstGeom>
-          <a:ln>
-            <a:tailEnd type="triangle"/>
-          </a:ln>
-        </p:spPr>
-        <p:style>
-          <a:lnRef idx="1">
-            <a:schemeClr val="accent1"/>
-          </a:lnRef>
-          <a:fillRef idx="0">
-            <a:schemeClr val="accent1"/>
-          </a:fillRef>
-          <a:effectRef idx="0">
-            <a:schemeClr val="accent1"/>
-          </a:effectRef>
-          <a:fontRef idx="minor">
-            <a:schemeClr val="tx1"/>
-          </a:fontRef>
-        </p:style>
-      </p:cxnSp>
-      <p:sp>
-        <p:nvSpPr>
-          <p:cNvPr id="31" name="フローチャート: 結合子 30">
-            <a:extLst>
-              <a:ext uri="{FF2B5EF4-FFF2-40B4-BE49-F238E27FC236}">
-                <a16:creationId xmlns:a16="http://schemas.microsoft.com/office/drawing/2014/main" id="{C0A9F7A4-961E-5087-8D45-0D40A1A04A22}"/>
-              </a:ext>
-            </a:extLst>
-          </p:cNvPr>
-          <p:cNvSpPr/>
-          <p:nvPr/>
-        </p:nvSpPr>
-        <p:spPr>
-          <a:xfrm>
-            <a:off x="9573987" y="3266226"/>
-            <a:ext cx="228600" cy="173948"/>
-          </a:xfrm>
-          <a:prstGeom prst="flowChartConnector">
-            <a:avLst/>
-          </a:prstGeom>
-          <a:noFill/>
-          <a:ln>
-            <a:noFill/>
-          </a:ln>
-        </p:spPr>
-        <p:style>
-          <a:lnRef idx="2">
-            <a:schemeClr val="accent1">
-              <a:shade val="50000"/>
-            </a:schemeClr>
-          </a:lnRef>
-          <a:fillRef idx="1">
-            <a:schemeClr val="accent1"/>
-          </a:fillRef>
-          <a:effectRef idx="0">
-            <a:schemeClr val="accent1"/>
-          </a:effectRef>
-          <a:fontRef idx="minor">
-            <a:schemeClr val="lt1"/>
-          </a:fontRef>
-        </p:style>
-        <p:txBody>
-          <a:bodyPr rtlCol="0" anchor="ctr"/>
-          <a:lstStyle/>
-          <a:p>
-            <a:pPr algn="ctr"/>
-            <a:r>
               <a:rPr kumimoji="1" lang="en-US" altLang="ja-JP" dirty="0">
                 <a:solidFill>
                   <a:schemeClr val="bg1"/>
@@ -6005,7 +6023,7 @@
         </p:nvSpPr>
         <p:spPr>
           <a:xfrm>
-            <a:off x="1968881" y="1806258"/>
+            <a:off x="1716555" y="2305883"/>
             <a:ext cx="479618" cy="400110"/>
           </a:xfrm>
           <a:prstGeom prst="rect">
@@ -6047,7 +6065,7 @@
         </p:nvSpPr>
         <p:spPr>
           <a:xfrm>
-            <a:off x="4415805" y="2372058"/>
+            <a:off x="4251961" y="3361755"/>
             <a:ext cx="582211" cy="400110"/>
           </a:xfrm>
           <a:prstGeom prst="rect">
@@ -6103,7 +6121,8 @@
             </a:avLst>
           </a:prstGeom>
           <a:ln>
-            <a:tailEnd type="triangle"/>
+            <a:headEnd type="none" w="med" len="med"/>
+            <a:tailEnd type="none" w="med" len="med"/>
           </a:ln>
         </p:spPr>
         <p:style>
@@ -6132,20 +6151,22 @@
           </p:cNvPr>
           <p:cNvCxnSpPr>
             <a:cxnSpLocks/>
+            <a:stCxn id="21" idx="1"/>
             <a:endCxn id="23" idx="0"/>
           </p:cNvCxnSpPr>
           <p:nvPr/>
         </p:nvCxnSpPr>
         <p:spPr>
           <a:xfrm rot="10800000" flipV="1">
-            <a:off x="1161564" y="1772067"/>
-            <a:ext cx="864053" cy="571597"/>
+            <a:off x="1125242" y="2733379"/>
+            <a:ext cx="904503" cy="219694"/>
           </a:xfrm>
           <a:prstGeom prst="bentConnector2">
             <a:avLst/>
           </a:prstGeom>
           <a:ln>
-            <a:tailEnd type="triangle"/>
+            <a:headEnd type="none" w="med" len="med"/>
+            <a:tailEnd type="none" w="med" len="med"/>
           </a:ln>
         </p:spPr>
         <p:style>
@@ -6190,7 +6211,8 @@
             </a:avLst>
           </a:prstGeom>
           <a:ln>
-            <a:tailEnd type="triangle"/>
+            <a:headEnd type="none" w="med" len="med"/>
+            <a:tailEnd type="none" w="med" len="med"/>
           </a:ln>
         </p:spPr>
         <p:style>
@@ -6225,16 +6247,17 @@
         </p:nvCxnSpPr>
         <p:spPr>
           <a:xfrm rot="10800000" flipH="1">
-            <a:off x="331561" y="1000148"/>
-            <a:ext cx="3780000" cy="1632750"/>
+            <a:off x="295558" y="1946306"/>
+            <a:ext cx="3816000" cy="1296000"/>
           </a:xfrm>
           <a:prstGeom prst="bentConnector3">
             <a:avLst>
-              <a:gd name="adj1" fmla="val -5793"/>
+              <a:gd name="adj1" fmla="val -5740"/>
             </a:avLst>
           </a:prstGeom>
           <a:ln>
-            <a:tailEnd type="triangle"/>
+            <a:headEnd type="none" w="med" len="med"/>
+            <a:tailEnd type="none" w="med" len="med"/>
           </a:ln>
         </p:spPr>
         <p:style>
@@ -6254,10 +6277,139 @@
       </p:cxnSp>
       <p:sp>
         <p:nvSpPr>
-          <p:cNvPr id="61" name="フローチャート: 判断 60">
-            <a:extLst>
-              <a:ext uri="{FF2B5EF4-FFF2-40B4-BE49-F238E27FC236}">
-                <a16:creationId xmlns:a16="http://schemas.microsoft.com/office/drawing/2014/main" id="{1A01BAB8-7E05-1A4D-03AA-9EAA0AFC33AD}"/>
+          <p:cNvPr id="62" name="テキスト ボックス 61">
+            <a:extLst>
+              <a:ext uri="{FF2B5EF4-FFF2-40B4-BE49-F238E27FC236}">
+                <a16:creationId xmlns:a16="http://schemas.microsoft.com/office/drawing/2014/main" id="{D7AAAA2B-BE0F-4211-4200-DB299811B409}"/>
+              </a:ext>
+            </a:extLst>
+          </p:cNvPr>
+          <p:cNvSpPr txBox="1"/>
+          <p:nvPr/>
+        </p:nvSpPr>
+        <p:spPr>
+          <a:xfrm>
+            <a:off x="4243568" y="5440950"/>
+            <a:ext cx="582211" cy="400110"/>
+          </a:xfrm>
+          <a:prstGeom prst="rect">
+            <a:avLst/>
+          </a:prstGeom>
+          <a:noFill/>
+        </p:spPr>
+        <p:txBody>
+          <a:bodyPr wrap="none" rtlCol="0">
+            <a:spAutoFit/>
+          </a:bodyPr>
+          <a:lstStyle/>
+          <a:p>
+            <a:r>
+              <a:rPr kumimoji="1" lang="en-US" altLang="ja-JP" sz="2000" dirty="0">
+                <a:latin typeface="MS PGothic" panose="020B0600070205080204" pitchFamily="34" charset="-128"/>
+                <a:ea typeface="MS PGothic" panose="020B0600070205080204" pitchFamily="34" charset="-128"/>
+              </a:rPr>
+              <a:t>Yes</a:t>
+            </a:r>
+            <a:endParaRPr kumimoji="1" lang="ja-JP" altLang="en-US" sz="2000">
+              <a:latin typeface="MS PGothic" panose="020B0600070205080204" pitchFamily="34" charset="-128"/>
+              <a:ea typeface="MS PGothic" panose="020B0600070205080204" pitchFamily="34" charset="-128"/>
+            </a:endParaRPr>
+          </a:p>
+        </p:txBody>
+      </p:sp>
+      <p:sp>
+        <p:nvSpPr>
+          <p:cNvPr id="63" name="テキスト ボックス 62">
+            <a:extLst>
+              <a:ext uri="{FF2B5EF4-FFF2-40B4-BE49-F238E27FC236}">
+                <a16:creationId xmlns:a16="http://schemas.microsoft.com/office/drawing/2014/main" id="{1DF7C4F2-7F09-E1D2-7A55-C2BDB630D8FD}"/>
+              </a:ext>
+            </a:extLst>
+          </p:cNvPr>
+          <p:cNvSpPr txBox="1"/>
+          <p:nvPr/>
+        </p:nvSpPr>
+        <p:spPr>
+          <a:xfrm>
+            <a:off x="5900152" y="5017831"/>
+            <a:ext cx="479618" cy="400110"/>
+          </a:xfrm>
+          <a:prstGeom prst="rect">
+            <a:avLst/>
+          </a:prstGeom>
+          <a:noFill/>
+        </p:spPr>
+        <p:txBody>
+          <a:bodyPr wrap="none" rtlCol="0">
+            <a:spAutoFit/>
+          </a:bodyPr>
+          <a:lstStyle/>
+          <a:p>
+            <a:r>
+              <a:rPr kumimoji="1" lang="en-US" altLang="ja-JP" sz="2000" dirty="0">
+                <a:latin typeface="MS PGothic" panose="020B0600070205080204" pitchFamily="34" charset="-128"/>
+                <a:ea typeface="MS PGothic" panose="020B0600070205080204" pitchFamily="34" charset="-128"/>
+              </a:rPr>
+              <a:t>No</a:t>
+            </a:r>
+            <a:endParaRPr kumimoji="1" lang="ja-JP" altLang="en-US" sz="2000">
+              <a:latin typeface="MS PGothic" panose="020B0600070205080204" pitchFamily="34" charset="-128"/>
+              <a:ea typeface="MS PGothic" panose="020B0600070205080204" pitchFamily="34" charset="-128"/>
+            </a:endParaRPr>
+          </a:p>
+        </p:txBody>
+      </p:sp>
+      <p:cxnSp>
+        <p:nvCxnSpPr>
+          <p:cNvPr id="64" name="カギ線コネクタ 63">
+            <a:extLst>
+              <a:ext uri="{FF2B5EF4-FFF2-40B4-BE49-F238E27FC236}">
+                <a16:creationId xmlns:a16="http://schemas.microsoft.com/office/drawing/2014/main" id="{F9836223-427A-C0B6-86BB-6F9B4555D926}"/>
+              </a:ext>
+            </a:extLst>
+          </p:cNvPr>
+          <p:cNvCxnSpPr>
+            <a:cxnSpLocks/>
+            <a:stCxn id="61" idx="3"/>
+          </p:cNvCxnSpPr>
+          <p:nvPr/>
+        </p:nvCxnSpPr>
+        <p:spPr>
+          <a:xfrm flipH="1" flipV="1">
+            <a:off x="4109749" y="3886200"/>
+            <a:ext cx="2087779" cy="1573024"/>
+          </a:xfrm>
+          <a:prstGeom prst="bentConnector3">
+            <a:avLst>
+              <a:gd name="adj1" fmla="val -10949"/>
+            </a:avLst>
+          </a:prstGeom>
+          <a:ln>
+            <a:headEnd type="none" w="med" len="med"/>
+            <a:tailEnd type="none" w="med" len="med"/>
+          </a:ln>
+        </p:spPr>
+        <p:style>
+          <a:lnRef idx="1">
+            <a:schemeClr val="accent1"/>
+          </a:lnRef>
+          <a:fillRef idx="0">
+            <a:schemeClr val="accent1"/>
+          </a:fillRef>
+          <a:effectRef idx="0">
+            <a:schemeClr val="accent1"/>
+          </a:effectRef>
+          <a:fontRef idx="minor">
+            <a:schemeClr val="tx1"/>
+          </a:fontRef>
+        </p:style>
+      </p:cxnSp>
+      <p:sp>
+        <p:nvSpPr>
+          <p:cNvPr id="5" name="フローチャート: 処理 4">
+            <a:extLst>
+              <a:ext uri="{FF2B5EF4-FFF2-40B4-BE49-F238E27FC236}">
+                <a16:creationId xmlns:a16="http://schemas.microsoft.com/office/drawing/2014/main" id="{4126578E-9EE2-D42E-F8BE-CEAB5A7D18E0}"/>
               </a:ext>
             </a:extLst>
           </p:cNvPr>
@@ -6266,10 +6418,10 @@
         </p:nvSpPr>
         <p:spPr>
           <a:xfrm>
-            <a:off x="2025602" y="4152583"/>
-            <a:ext cx="4171918" cy="1328022"/>
-          </a:xfrm>
-          <a:prstGeom prst="flowChartDecision">
+            <a:off x="7942494" y="563013"/>
+            <a:ext cx="3720196" cy="304575"/>
+          </a:xfrm>
+          <a:prstGeom prst="flowChartProcess">
             <a:avLst/>
           </a:prstGeom>
         </p:spPr>
@@ -6295,11 +6447,11 @@
           <a:p>
             <a:pPr algn="ctr"/>
             <a:r>
-              <a:rPr kumimoji="1" lang="en" altLang="ja-JP" sz="2000" dirty="0">
+              <a:rPr lang="en-US" altLang="ja-JP" sz="2000" dirty="0">
                 <a:latin typeface="MS PGothic" panose="020B0600070205080204" pitchFamily="34" charset="-128"/>
                 <a:ea typeface="MS PGothic" panose="020B0600070205080204" pitchFamily="34" charset="-128"/>
               </a:rPr>
-              <a:t>Have all agents reached their goal?</a:t>
+              <a:t>W,A,B given</a:t>
             </a:r>
             <a:endParaRPr kumimoji="1" lang="ja-JP" altLang="en-US" sz="2000">
               <a:latin typeface="MS PGothic" panose="020B0600070205080204" pitchFamily="34" charset="-128"/>
@@ -6310,166 +6462,10 @@
       </p:sp>
       <p:sp>
         <p:nvSpPr>
-          <p:cNvPr id="62" name="テキスト ボックス 61">
-            <a:extLst>
-              <a:ext uri="{FF2B5EF4-FFF2-40B4-BE49-F238E27FC236}">
-                <a16:creationId xmlns:a16="http://schemas.microsoft.com/office/drawing/2014/main" id="{D7AAAA2B-BE0F-4211-4200-DB299811B409}"/>
-              </a:ext>
-            </a:extLst>
-          </p:cNvPr>
-          <p:cNvSpPr txBox="1"/>
-          <p:nvPr/>
-        </p:nvSpPr>
-        <p:spPr>
-          <a:xfrm>
-            <a:off x="4243568" y="5440950"/>
-            <a:ext cx="582211" cy="400110"/>
-          </a:xfrm>
-          <a:prstGeom prst="rect">
-            <a:avLst/>
-          </a:prstGeom>
-          <a:noFill/>
-        </p:spPr>
-        <p:txBody>
-          <a:bodyPr wrap="none" rtlCol="0">
-            <a:spAutoFit/>
-          </a:bodyPr>
-          <a:lstStyle/>
-          <a:p>
-            <a:r>
-              <a:rPr kumimoji="1" lang="en-US" altLang="ja-JP" sz="2000" dirty="0">
-                <a:latin typeface="MS PGothic" panose="020B0600070205080204" pitchFamily="34" charset="-128"/>
-                <a:ea typeface="MS PGothic" panose="020B0600070205080204" pitchFamily="34" charset="-128"/>
-              </a:rPr>
-              <a:t>Yes</a:t>
-            </a:r>
-            <a:endParaRPr kumimoji="1" lang="ja-JP" altLang="en-US" sz="2000">
-              <a:latin typeface="MS PGothic" panose="020B0600070205080204" pitchFamily="34" charset="-128"/>
-              <a:ea typeface="MS PGothic" panose="020B0600070205080204" pitchFamily="34" charset="-128"/>
-            </a:endParaRPr>
-          </a:p>
-        </p:txBody>
-      </p:sp>
-      <p:sp>
-        <p:nvSpPr>
-          <p:cNvPr id="63" name="テキスト ボックス 62">
-            <a:extLst>
-              <a:ext uri="{FF2B5EF4-FFF2-40B4-BE49-F238E27FC236}">
-                <a16:creationId xmlns:a16="http://schemas.microsoft.com/office/drawing/2014/main" id="{1DF7C4F2-7F09-E1D2-7A55-C2BDB630D8FD}"/>
-              </a:ext>
-            </a:extLst>
-          </p:cNvPr>
-          <p:cNvSpPr txBox="1"/>
-          <p:nvPr/>
-        </p:nvSpPr>
-        <p:spPr>
-          <a:xfrm>
-            <a:off x="5748699" y="4230690"/>
-            <a:ext cx="479618" cy="400110"/>
-          </a:xfrm>
-          <a:prstGeom prst="rect">
-            <a:avLst/>
-          </a:prstGeom>
-          <a:noFill/>
-        </p:spPr>
-        <p:txBody>
-          <a:bodyPr wrap="none" rtlCol="0">
-            <a:spAutoFit/>
-          </a:bodyPr>
-          <a:lstStyle/>
-          <a:p>
-            <a:r>
-              <a:rPr kumimoji="1" lang="en-US" altLang="ja-JP" sz="2000" dirty="0">
-                <a:latin typeface="MS PGothic" panose="020B0600070205080204" pitchFamily="34" charset="-128"/>
-                <a:ea typeface="MS PGothic" panose="020B0600070205080204" pitchFamily="34" charset="-128"/>
-              </a:rPr>
-              <a:t>No</a:t>
-            </a:r>
-            <a:endParaRPr kumimoji="1" lang="ja-JP" altLang="en-US" sz="2000">
-              <a:latin typeface="MS PGothic" panose="020B0600070205080204" pitchFamily="34" charset="-128"/>
-              <a:ea typeface="MS PGothic" panose="020B0600070205080204" pitchFamily="34" charset="-128"/>
-            </a:endParaRPr>
-          </a:p>
-        </p:txBody>
-      </p:sp>
-      <p:cxnSp>
-        <p:nvCxnSpPr>
-          <p:cNvPr id="64" name="カギ線コネクタ 63">
-            <a:extLst>
-              <a:ext uri="{FF2B5EF4-FFF2-40B4-BE49-F238E27FC236}">
-                <a16:creationId xmlns:a16="http://schemas.microsoft.com/office/drawing/2014/main" id="{F9836223-427A-C0B6-86BB-6F9B4555D926}"/>
-              </a:ext>
-            </a:extLst>
-          </p:cNvPr>
-          <p:cNvCxnSpPr>
-            <a:cxnSpLocks/>
-            <a:stCxn id="61" idx="3"/>
-          </p:cNvCxnSpPr>
-          <p:nvPr/>
-        </p:nvCxnSpPr>
-        <p:spPr>
-          <a:xfrm flipV="1">
-            <a:off x="6197520" y="317598"/>
-            <a:ext cx="575014" cy="4498996"/>
-          </a:xfrm>
-          <a:prstGeom prst="bentConnector2">
-            <a:avLst/>
-          </a:prstGeom>
-          <a:ln>
-            <a:tailEnd type="triangle"/>
-          </a:ln>
-        </p:spPr>
-        <p:style>
-          <a:lnRef idx="1">
-            <a:schemeClr val="accent1"/>
-          </a:lnRef>
-          <a:fillRef idx="0">
-            <a:schemeClr val="accent1"/>
-          </a:fillRef>
-          <a:effectRef idx="0">
-            <a:schemeClr val="accent1"/>
-          </a:effectRef>
-          <a:fontRef idx="minor">
-            <a:schemeClr val="tx1"/>
-          </a:fontRef>
-        </p:style>
-      </p:cxnSp>
-    </p:spTree>
-    <p:extLst>
-      <p:ext uri="{BB962C8B-B14F-4D97-AF65-F5344CB8AC3E}">
-        <p14:creationId xmlns:p14="http://schemas.microsoft.com/office/powerpoint/2010/main" val="1392088730"/>
-      </p:ext>
-    </p:extLst>
-  </p:cSld>
-  <p:clrMapOvr>
-    <a:masterClrMapping/>
-  </p:clrMapOvr>
-</p:sld>
-</file>
-
-<file path=ppt/slides/slide4.xml><?xml version="1.0" encoding="utf-8"?>
-<p:sld xmlns:a="http://schemas.openxmlformats.org/drawingml/2006/main" xmlns:r="http://schemas.openxmlformats.org/officeDocument/2006/relationships" xmlns:p="http://schemas.openxmlformats.org/presentationml/2006/main">
-  <p:cSld>
-    <p:spTree>
-      <p:nvGrpSpPr>
-        <p:cNvPr id="1" name=""/>
-        <p:cNvGrpSpPr/>
-        <p:nvPr/>
-      </p:nvGrpSpPr>
-      <p:grpSpPr>
-        <a:xfrm>
-          <a:off x="0" y="0"/>
-          <a:ext cx="0" cy="0"/>
-          <a:chOff x="0" y="0"/>
-          <a:chExt cx="0" cy="0"/>
-        </a:xfrm>
-      </p:grpSpPr>
-      <p:sp>
-        <p:nvSpPr>
-          <p:cNvPr id="2" name="フローチャート: 端子 1">
-            <a:extLst>
-              <a:ext uri="{FF2B5EF4-FFF2-40B4-BE49-F238E27FC236}">
-                <a16:creationId xmlns:a16="http://schemas.microsoft.com/office/drawing/2014/main" id="{7A97149B-3758-0A83-C609-78802B4FB023}"/>
+          <p:cNvPr id="6" name="フローチャート: 処理 5">
+            <a:extLst>
+              <a:ext uri="{FF2B5EF4-FFF2-40B4-BE49-F238E27FC236}">
+                <a16:creationId xmlns:a16="http://schemas.microsoft.com/office/drawing/2014/main" id="{999EC231-31F3-3FE5-59B0-B4448046B6B8}"/>
               </a:ext>
             </a:extLst>
           </p:cNvPr>
@@ -6478,10 +6474,10 @@
         </p:nvSpPr>
         <p:spPr>
           <a:xfrm>
-            <a:off x="5638798" y="4132540"/>
-            <a:ext cx="914400" cy="301752"/>
-          </a:xfrm>
-          <a:prstGeom prst="flowChartTerminator">
+            <a:off x="7942496" y="955772"/>
+            <a:ext cx="3720194" cy="304575"/>
+          </a:xfrm>
+          <a:prstGeom prst="flowChartProcess">
             <a:avLst/>
           </a:prstGeom>
         </p:spPr>
@@ -6511,9 +6507,84 @@
                 <a:latin typeface="MS PGothic" panose="020B0600070205080204" pitchFamily="34" charset="-128"/>
                 <a:ea typeface="MS PGothic" panose="020B0600070205080204" pitchFamily="34" charset="-128"/>
               </a:rPr>
-              <a:t>End</a:t>
+              <a:t>S</a:t>
+            </a:r>
+            <a:r>
+              <a:rPr kumimoji="1" lang="en-US" altLang="ja-JP" sz="2000" baseline="30000" dirty="0">
+                <a:latin typeface="MS PGothic" panose="020B0600070205080204" pitchFamily="34" charset="-128"/>
+                <a:ea typeface="MS PGothic" panose="020B0600070205080204" pitchFamily="34" charset="-128"/>
+              </a:rPr>
+              <a:t>i</a:t>
+            </a:r>
+            <a:r>
+              <a:rPr lang="ja-JP" altLang="en-US" sz="2000" i="0">
+                <a:solidFill>
+                  <a:schemeClr val="bg1"/>
+                </a:solidFill>
+                <a:effectLst/>
+                <a:latin typeface="MS PGothic" panose="020B0600070205080204" pitchFamily="34" charset="-128"/>
+                <a:ea typeface="MS PGothic" panose="020B0600070205080204" pitchFamily="34" charset="-128"/>
+              </a:rPr>
+              <a:t>∈</a:t>
+            </a:r>
+            <a:r>
+              <a:rPr lang="en-US" altLang="ja-JP" sz="2000" i="0" dirty="0">
+                <a:solidFill>
+                  <a:schemeClr val="bg1"/>
+                </a:solidFill>
+                <a:effectLst/>
+                <a:latin typeface="MS PGothic" panose="020B0600070205080204" pitchFamily="34" charset="-128"/>
+                <a:ea typeface="MS PGothic" panose="020B0600070205080204" pitchFamily="34" charset="-128"/>
+              </a:rPr>
+              <a:t>W,</a:t>
+            </a:r>
+            <a:r>
+              <a:rPr kumimoji="1" lang="en-US" altLang="ja-JP" sz="2000" dirty="0">
+                <a:latin typeface="MS PGothic" panose="020B0600070205080204" pitchFamily="34" charset="-128"/>
+                <a:ea typeface="MS PGothic" panose="020B0600070205080204" pitchFamily="34" charset="-128"/>
+              </a:rPr>
+              <a:t> </a:t>
+            </a:r>
+            <a:r>
+              <a:rPr kumimoji="1" lang="en-US" altLang="ja-JP" sz="2000" dirty="0" err="1">
+                <a:latin typeface="MS PGothic" panose="020B0600070205080204" pitchFamily="34" charset="-128"/>
+                <a:ea typeface="MS PGothic" panose="020B0600070205080204" pitchFamily="34" charset="-128"/>
+              </a:rPr>
+              <a:t>g</a:t>
+            </a:r>
+            <a:r>
+              <a:rPr kumimoji="1" lang="en-US" altLang="ja-JP" sz="2000" baseline="30000" dirty="0" err="1">
+                <a:latin typeface="MS PGothic" panose="020B0600070205080204" pitchFamily="34" charset="-128"/>
+                <a:ea typeface="MS PGothic" panose="020B0600070205080204" pitchFamily="34" charset="-128"/>
+              </a:rPr>
+              <a:t>i</a:t>
+            </a:r>
+            <a:r>
+              <a:rPr lang="ja-JP" altLang="en-US" sz="2000" i="0">
+                <a:solidFill>
+                  <a:schemeClr val="bg1"/>
+                </a:solidFill>
+                <a:effectLst/>
+                <a:latin typeface="MS PGothic" panose="020B0600070205080204" pitchFamily="34" charset="-128"/>
+                <a:ea typeface="MS PGothic" panose="020B0600070205080204" pitchFamily="34" charset="-128"/>
+              </a:rPr>
+              <a:t>∈</a:t>
+            </a:r>
+            <a:r>
+              <a:rPr lang="en-US" altLang="ja-JP" sz="2000" i="0" dirty="0">
+                <a:solidFill>
+                  <a:schemeClr val="bg1"/>
+                </a:solidFill>
+                <a:effectLst/>
+                <a:latin typeface="MS PGothic" panose="020B0600070205080204" pitchFamily="34" charset="-128"/>
+                <a:ea typeface="MS PGothic" panose="020B0600070205080204" pitchFamily="34" charset="-128"/>
+              </a:rPr>
+              <a:t>W given </a:t>
             </a:r>
             <a:endParaRPr kumimoji="1" lang="ja-JP" altLang="en-US" sz="2000">
+              <a:solidFill>
+                <a:schemeClr val="bg1"/>
+              </a:solidFill>
               <a:latin typeface="MS PGothic" panose="020B0600070205080204" pitchFamily="34" charset="-128"/>
               <a:ea typeface="MS PGothic" panose="020B0600070205080204" pitchFamily="34" charset="-128"/>
             </a:endParaRPr>
@@ -6522,10 +6593,10 @@
       </p:sp>
       <p:sp>
         <p:nvSpPr>
-          <p:cNvPr id="3" name="フローチャート: 処理 2">
-            <a:extLst>
-              <a:ext uri="{FF2B5EF4-FFF2-40B4-BE49-F238E27FC236}">
-                <a16:creationId xmlns:a16="http://schemas.microsoft.com/office/drawing/2014/main" id="{B41ADF3D-0A4C-B603-9640-96D03419D8C8}"/>
+          <p:cNvPr id="7" name="フローチャート: 処理 6">
+            <a:extLst>
+              <a:ext uri="{FF2B5EF4-FFF2-40B4-BE49-F238E27FC236}">
+                <a16:creationId xmlns:a16="http://schemas.microsoft.com/office/drawing/2014/main" id="{05B63DE9-4428-C62B-8FE7-6796C9E69571}"/>
               </a:ext>
             </a:extLst>
           </p:cNvPr>
@@ -6534,8 +6605,8 @@
         </p:nvSpPr>
         <p:spPr>
           <a:xfrm>
-            <a:off x="2983362" y="1819781"/>
-            <a:ext cx="6225269" cy="819472"/>
+            <a:off x="7942494" y="1439088"/>
+            <a:ext cx="3720194" cy="301753"/>
           </a:xfrm>
           <a:prstGeom prst="flowChartProcess">
             <a:avLst/>
@@ -6563,27 +6634,14 @@
           <a:p>
             <a:pPr algn="ctr"/>
             <a:r>
-              <a:rPr kumimoji="1" lang="en" altLang="ja-JP" sz="2000" dirty="0">
+              <a:rPr kumimoji="1" lang="en-US" altLang="ja-JP" sz="2000" dirty="0">
                 <a:solidFill>
                   <a:schemeClr val="bg1"/>
                 </a:solidFill>
                 <a:latin typeface="MS PGothic" panose="020B0600070205080204" pitchFamily="34" charset="-128"/>
                 <a:ea typeface="MS PGothic" panose="020B0600070205080204" pitchFamily="34" charset="-128"/>
               </a:rPr>
-              <a:t>Output flow time</a:t>
-            </a:r>
-          </a:p>
-          <a:p>
-            <a:pPr algn="ctr"/>
-            <a:r>
-              <a:rPr kumimoji="1" lang="en" altLang="ja-JP" sz="2000" dirty="0">
-                <a:solidFill>
-                  <a:schemeClr val="bg1"/>
-                </a:solidFill>
-                <a:latin typeface="MS PGothic" panose="020B0600070205080204" pitchFamily="34" charset="-128"/>
-                <a:ea typeface="MS PGothic" panose="020B0600070205080204" pitchFamily="34" charset="-128"/>
-              </a:rPr>
-              <a:t> (sum of arrival times of all agents at the finish line)</a:t>
+              <a:t>Assign tasks randomly</a:t>
             </a:r>
             <a:endParaRPr kumimoji="1" lang="ja-JP" altLang="en-US" sz="2000">
               <a:solidFill>
@@ -6597,10 +6655,10 @@
       </p:sp>
       <p:sp>
         <p:nvSpPr>
-          <p:cNvPr id="5" name="フローチャート: 結合子 4">
-            <a:extLst>
-              <a:ext uri="{FF2B5EF4-FFF2-40B4-BE49-F238E27FC236}">
-                <a16:creationId xmlns:a16="http://schemas.microsoft.com/office/drawing/2014/main" id="{CDDE5159-7404-D0C4-4067-771008DC9D2F}"/>
+          <p:cNvPr id="9" name="片側の 2 つの角を切り取った四角形 8">
+            <a:extLst>
+              <a:ext uri="{FF2B5EF4-FFF2-40B4-BE49-F238E27FC236}">
+                <a16:creationId xmlns:a16="http://schemas.microsoft.com/office/drawing/2014/main" id="{72E2C225-D4E2-4442-5ACF-04DF678992EB}"/>
               </a:ext>
             </a:extLst>
           </p:cNvPr>
@@ -6609,10 +6667,10 @@
         </p:nvSpPr>
         <p:spPr>
           <a:xfrm>
-            <a:off x="5867400" y="127584"/>
-            <a:ext cx="457200" cy="457200"/>
-          </a:xfrm>
-          <a:prstGeom prst="flowChartConnector">
+            <a:off x="7942493" y="1914363"/>
+            <a:ext cx="3720195" cy="751114"/>
+          </a:xfrm>
+          <a:prstGeom prst="snip2SameRect">
             <a:avLst/>
           </a:prstGeom>
         </p:spPr>
@@ -6638,18 +6696,35 @@
           <a:p>
             <a:pPr algn="ctr"/>
             <a:r>
-              <a:rPr kumimoji="1" lang="en-US" altLang="ja-JP" dirty="0"/>
+              <a:rPr kumimoji="1" lang="en-US" altLang="ja-JP" sz="2000" dirty="0">
+                <a:latin typeface="MS PGothic" panose="020B0600070205080204" pitchFamily="34" charset="-128"/>
+                <a:ea typeface="MS PGothic" panose="020B0600070205080204" pitchFamily="34" charset="-128"/>
+              </a:rPr>
               <a:t>1</a:t>
             </a:r>
           </a:p>
-        </p:txBody>
-      </p:sp>
-      <p:sp>
-        <p:nvSpPr>
-          <p:cNvPr id="6" name="フローチャート: 処理 5">
-            <a:extLst>
-              <a:ext uri="{FF2B5EF4-FFF2-40B4-BE49-F238E27FC236}">
-                <a16:creationId xmlns:a16="http://schemas.microsoft.com/office/drawing/2014/main" id="{C52CB319-ABF1-4ECD-27CB-8E370F274431}"/>
+          <a:p>
+            <a:pPr algn="ctr"/>
+            <a:r>
+              <a:rPr kumimoji="1" lang="en-US" altLang="ja-JP" sz="2000" dirty="0">
+                <a:latin typeface="MS PGothic" panose="020B0600070205080204" pitchFamily="34" charset="-128"/>
+                <a:ea typeface="MS PGothic" panose="020B0600070205080204" pitchFamily="34" charset="-128"/>
+              </a:rPr>
+              <a:t>Start</a:t>
+            </a:r>
+            <a:endParaRPr kumimoji="1" lang="ja-JP" altLang="en-US" sz="2000">
+              <a:latin typeface="MS PGothic" panose="020B0600070205080204" pitchFamily="34" charset="-128"/>
+              <a:ea typeface="MS PGothic" panose="020B0600070205080204" pitchFamily="34" charset="-128"/>
+            </a:endParaRPr>
+          </a:p>
+        </p:txBody>
+      </p:sp>
+      <p:sp>
+        <p:nvSpPr>
+          <p:cNvPr id="8" name="フローチャート: 処理 7">
+            <a:extLst>
+              <a:ext uri="{FF2B5EF4-FFF2-40B4-BE49-F238E27FC236}">
+                <a16:creationId xmlns:a16="http://schemas.microsoft.com/office/drawing/2014/main" id="{155343F0-218E-7FBD-20D9-166F8A8CC7E2}"/>
               </a:ext>
             </a:extLst>
           </p:cNvPr>
@@ -6658,8 +6733,8 @@
         </p:nvSpPr>
         <p:spPr>
           <a:xfrm>
-            <a:off x="2983363" y="3095408"/>
-            <a:ext cx="6225269" cy="580977"/>
+            <a:off x="7942492" y="2868135"/>
+            <a:ext cx="3720196" cy="301752"/>
           </a:xfrm>
           <a:prstGeom prst="flowChartProcess">
             <a:avLst/>
@@ -6687,14 +6762,34 @@
           <a:p>
             <a:pPr algn="ctr"/>
             <a:r>
-              <a:rPr kumimoji="1" lang="en" altLang="ja-JP" sz="2000" dirty="0">
+              <a:rPr kumimoji="1" lang="en-US" altLang="ja-JP" sz="2000" dirty="0">
                 <a:solidFill>
                   <a:schemeClr val="bg1"/>
                 </a:solidFill>
                 <a:latin typeface="MS PGothic" panose="020B0600070205080204" pitchFamily="34" charset="-128"/>
                 <a:ea typeface="MS PGothic" panose="020B0600070205080204" pitchFamily="34" charset="-128"/>
               </a:rPr>
-              <a:t>Output warehouse storage density</a:t>
+              <a:t>Optimal path search for agent </a:t>
+            </a:r>
+            <a:r>
+              <a:rPr kumimoji="1" lang="en-US" altLang="ja-JP" sz="2000" dirty="0" err="1">
+                <a:solidFill>
+                  <a:schemeClr val="bg1"/>
+                </a:solidFill>
+                <a:latin typeface="MS PGothic" panose="020B0600070205080204" pitchFamily="34" charset="-128"/>
+                <a:ea typeface="MS PGothic" panose="020B0600070205080204" pitchFamily="34" charset="-128"/>
+              </a:rPr>
+              <a:t>i</a:t>
+            </a:r>
+            <a:r>
+              <a:rPr kumimoji="1" lang="en-US" altLang="ja-JP" sz="2000" dirty="0">
+                <a:solidFill>
+                  <a:schemeClr val="bg1"/>
+                </a:solidFill>
+                <a:latin typeface="MS PGothic" panose="020B0600070205080204" pitchFamily="34" charset="-128"/>
+                <a:ea typeface="MS PGothic" panose="020B0600070205080204" pitchFamily="34" charset="-128"/>
+              </a:rPr>
+              <a:t> </a:t>
             </a:r>
             <a:endParaRPr kumimoji="1" lang="ja-JP" altLang="en-US" sz="2000">
               <a:solidFill>
@@ -6708,10 +6803,10 @@
       </p:sp>
       <p:sp>
         <p:nvSpPr>
-          <p:cNvPr id="7" name="フローチャート: 処理 6">
-            <a:extLst>
-              <a:ext uri="{FF2B5EF4-FFF2-40B4-BE49-F238E27FC236}">
-                <a16:creationId xmlns:a16="http://schemas.microsoft.com/office/drawing/2014/main" id="{D4486E80-932A-4DFB-328A-B719CEB53502}"/>
+          <p:cNvPr id="15" name="フローチャート: 判断 14">
+            <a:extLst>
+              <a:ext uri="{FF2B5EF4-FFF2-40B4-BE49-F238E27FC236}">
+                <a16:creationId xmlns:a16="http://schemas.microsoft.com/office/drawing/2014/main" id="{BEE90B9F-3420-01B9-38ED-8ACA18357163}"/>
               </a:ext>
             </a:extLst>
           </p:cNvPr>
@@ -6720,10 +6815,10 @@
         </p:nvSpPr>
         <p:spPr>
           <a:xfrm>
-            <a:off x="2983362" y="911794"/>
-            <a:ext cx="6225269" cy="580977"/>
-          </a:xfrm>
-          <a:prstGeom prst="flowChartProcess">
+            <a:off x="7848601" y="3466633"/>
+            <a:ext cx="3907971" cy="1428944"/>
+          </a:xfrm>
+          <a:prstGeom prst="flowChartDecision">
             <a:avLst/>
           </a:prstGeom>
         </p:spPr>
@@ -6749,41 +6844,245 @@
           <a:p>
             <a:pPr algn="ctr"/>
             <a:r>
-              <a:rPr lang="en-US" altLang="ja-JP" sz="2000" dirty="0">
-                <a:solidFill>
-                  <a:schemeClr val="bg1"/>
-                </a:solidFill>
+              <a:rPr kumimoji="1" lang="en" altLang="ja-JP" sz="2000" dirty="0">
                 <a:latin typeface="MS PGothic" panose="020B0600070205080204" pitchFamily="34" charset="-128"/>
                 <a:ea typeface="MS PGothic" panose="020B0600070205080204" pitchFamily="34" charset="-128"/>
               </a:rPr>
-              <a:t> Output t</a:t>
-            </a:r>
-            <a:r>
-              <a:rPr kumimoji="1" lang="en-US" altLang="ja-JP" sz="2000" dirty="0">
-                <a:solidFill>
-                  <a:schemeClr val="bg1"/>
-                </a:solidFill>
-                <a:latin typeface="MS PGothic" panose="020B0600070205080204" pitchFamily="34" charset="-128"/>
-                <a:ea typeface="MS PGothic" panose="020B0600070205080204" pitchFamily="34" charset="-128"/>
-              </a:rPr>
-              <a:t>he route of each agent</a:t>
+              <a:t>Are there conflicts in the explored routes?</a:t>
             </a:r>
             <a:endParaRPr kumimoji="1" lang="ja-JP" altLang="en-US" sz="2000">
-              <a:solidFill>
-                <a:schemeClr val="bg1"/>
-              </a:solidFill>
               <a:latin typeface="MS PGothic" panose="020B0600070205080204" pitchFamily="34" charset="-128"/>
               <a:ea typeface="MS PGothic" panose="020B0600070205080204" pitchFamily="34" charset="-128"/>
             </a:endParaRPr>
           </a:p>
         </p:txBody>
       </p:sp>
+      <p:sp>
+        <p:nvSpPr>
+          <p:cNvPr id="21" name="フローチャート: 判断 20">
+            <a:extLst>
+              <a:ext uri="{FF2B5EF4-FFF2-40B4-BE49-F238E27FC236}">
+                <a16:creationId xmlns:a16="http://schemas.microsoft.com/office/drawing/2014/main" id="{BC43C8B6-78EC-8158-3DE4-B8F6FF5CD316}"/>
+              </a:ext>
+            </a:extLst>
+          </p:cNvPr>
+          <p:cNvSpPr/>
+          <p:nvPr/>
+        </p:nvSpPr>
+        <p:spPr>
+          <a:xfrm>
+            <a:off x="2029744" y="2069368"/>
+            <a:ext cx="4171918" cy="1328022"/>
+          </a:xfrm>
+          <a:prstGeom prst="flowChartDecision">
+            <a:avLst/>
+          </a:prstGeom>
+        </p:spPr>
+        <p:style>
+          <a:lnRef idx="2">
+            <a:schemeClr val="accent1">
+              <a:shade val="50000"/>
+            </a:schemeClr>
+          </a:lnRef>
+          <a:fillRef idx="1">
+            <a:schemeClr val="accent1"/>
+          </a:fillRef>
+          <a:effectRef idx="0">
+            <a:schemeClr val="accent1"/>
+          </a:effectRef>
+          <a:fontRef idx="minor">
+            <a:schemeClr val="lt1"/>
+          </a:fontRef>
+        </p:style>
+        <p:txBody>
+          <a:bodyPr rtlCol="0" anchor="ctr"/>
+          <a:lstStyle/>
+          <a:p>
+            <a:pPr algn="ctr"/>
+            <a:r>
+              <a:rPr kumimoji="1" lang="en" altLang="ja-JP" sz="2000" dirty="0">
+                <a:latin typeface="MS PGothic" panose="020B0600070205080204" pitchFamily="34" charset="-128"/>
+                <a:ea typeface="MS PGothic" panose="020B0600070205080204" pitchFamily="34" charset="-128"/>
+              </a:rPr>
+              <a:t>Did A exit the</a:t>
+            </a:r>
+          </a:p>
+          <a:p>
+            <a:pPr algn="ctr"/>
+            <a:r>
+              <a:rPr kumimoji="1" lang="en" altLang="ja-JP" sz="2000" dirty="0">
+                <a:latin typeface="MS PGothic" panose="020B0600070205080204" pitchFamily="34" charset="-128"/>
+                <a:ea typeface="MS PGothic" panose="020B0600070205080204" pitchFamily="34" charset="-128"/>
+              </a:rPr>
+              <a:t>narrow passage?</a:t>
+            </a:r>
+            <a:endParaRPr kumimoji="1" lang="ja-JP" altLang="en-US" sz="2000">
+              <a:latin typeface="MS PGothic" panose="020B0600070205080204" pitchFamily="34" charset="-128"/>
+              <a:ea typeface="MS PGothic" panose="020B0600070205080204" pitchFamily="34" charset="-128"/>
+            </a:endParaRPr>
+          </a:p>
+        </p:txBody>
+      </p:sp>
+      <p:sp>
+        <p:nvSpPr>
+          <p:cNvPr id="19" name="フローチャート: 処理 18">
+            <a:extLst>
+              <a:ext uri="{FF2B5EF4-FFF2-40B4-BE49-F238E27FC236}">
+                <a16:creationId xmlns:a16="http://schemas.microsoft.com/office/drawing/2014/main" id="{32E3EA14-2F1E-5E9C-F6F7-B6C3D030F504}"/>
+              </a:ext>
+            </a:extLst>
+          </p:cNvPr>
+          <p:cNvSpPr/>
+          <p:nvPr/>
+        </p:nvSpPr>
+        <p:spPr>
+          <a:xfrm>
+            <a:off x="2025660" y="563013"/>
+            <a:ext cx="4171868" cy="330378"/>
+          </a:xfrm>
+          <a:prstGeom prst="flowChartProcess">
+            <a:avLst/>
+          </a:prstGeom>
+        </p:spPr>
+        <p:style>
+          <a:lnRef idx="2">
+            <a:schemeClr val="accent1">
+              <a:shade val="50000"/>
+            </a:schemeClr>
+          </a:lnRef>
+          <a:fillRef idx="1">
+            <a:schemeClr val="accent1"/>
+          </a:fillRef>
+          <a:effectRef idx="0">
+            <a:schemeClr val="accent1"/>
+          </a:effectRef>
+          <a:fontRef idx="minor">
+            <a:schemeClr val="lt1"/>
+          </a:fontRef>
+        </p:style>
+        <p:txBody>
+          <a:bodyPr rtlCol="0" anchor="ctr"/>
+          <a:lstStyle/>
+          <a:p>
+            <a:pPr algn="ctr"/>
+            <a:r>
+              <a:rPr kumimoji="1" lang="en-US" altLang="ja-JP" sz="2000" dirty="0">
+                <a:latin typeface="MS PGothic" panose="020B0600070205080204" pitchFamily="34" charset="-128"/>
+                <a:ea typeface="MS PGothic" panose="020B0600070205080204" pitchFamily="34" charset="-128"/>
+              </a:rPr>
+              <a:t>Each agent run</a:t>
+            </a:r>
+            <a:endParaRPr kumimoji="1" lang="ja-JP" altLang="en-US" sz="2000">
+              <a:latin typeface="MS PGothic" panose="020B0600070205080204" pitchFamily="34" charset="-128"/>
+              <a:ea typeface="MS PGothic" panose="020B0600070205080204" pitchFamily="34" charset="-128"/>
+            </a:endParaRPr>
+          </a:p>
+        </p:txBody>
+      </p:sp>
+      <p:sp>
+        <p:nvSpPr>
+          <p:cNvPr id="61" name="フローチャート: 判断 60">
+            <a:extLst>
+              <a:ext uri="{FF2B5EF4-FFF2-40B4-BE49-F238E27FC236}">
+                <a16:creationId xmlns:a16="http://schemas.microsoft.com/office/drawing/2014/main" id="{1A01BAB8-7E05-1A4D-03AA-9EAA0AFC33AD}"/>
+              </a:ext>
+            </a:extLst>
+          </p:cNvPr>
+          <p:cNvSpPr/>
+          <p:nvPr/>
+        </p:nvSpPr>
+        <p:spPr>
+          <a:xfrm>
+            <a:off x="2025610" y="4795213"/>
+            <a:ext cx="4171918" cy="1328022"/>
+          </a:xfrm>
+          <a:prstGeom prst="flowChartDecision">
+            <a:avLst/>
+          </a:prstGeom>
+        </p:spPr>
+        <p:style>
+          <a:lnRef idx="2">
+            <a:schemeClr val="accent1">
+              <a:shade val="50000"/>
+            </a:schemeClr>
+          </a:lnRef>
+          <a:fillRef idx="1">
+            <a:schemeClr val="accent1"/>
+          </a:fillRef>
+          <a:effectRef idx="0">
+            <a:schemeClr val="accent1"/>
+          </a:effectRef>
+          <a:fontRef idx="minor">
+            <a:schemeClr val="lt1"/>
+          </a:fontRef>
+        </p:style>
+        <p:txBody>
+          <a:bodyPr rtlCol="0" anchor="ctr"/>
+          <a:lstStyle/>
+          <a:p>
+            <a:pPr algn="ctr"/>
+            <a:r>
+              <a:rPr kumimoji="1" lang="en" altLang="ja-JP" sz="2000" dirty="0">
+                <a:latin typeface="MS PGothic" panose="020B0600070205080204" pitchFamily="34" charset="-128"/>
+                <a:ea typeface="MS PGothic" panose="020B0600070205080204" pitchFamily="34" charset="-128"/>
+              </a:rPr>
+              <a:t>Have all agents reached their goal?</a:t>
+            </a:r>
+            <a:endParaRPr kumimoji="1" lang="ja-JP" altLang="en-US" sz="2000">
+              <a:latin typeface="MS PGothic" panose="020B0600070205080204" pitchFamily="34" charset="-128"/>
+              <a:ea typeface="MS PGothic" panose="020B0600070205080204" pitchFamily="34" charset="-128"/>
+            </a:endParaRPr>
+          </a:p>
+        </p:txBody>
+      </p:sp>
+      <p:sp>
+        <p:nvSpPr>
+          <p:cNvPr id="96" name="テキスト ボックス 95">
+            <a:extLst>
+              <a:ext uri="{FF2B5EF4-FFF2-40B4-BE49-F238E27FC236}">
+                <a16:creationId xmlns:a16="http://schemas.microsoft.com/office/drawing/2014/main" id="{5F951BD8-449B-8839-F0FA-449C70F390DF}"/>
+              </a:ext>
+            </a:extLst>
+          </p:cNvPr>
+          <p:cNvSpPr txBox="1"/>
+          <p:nvPr/>
+        </p:nvSpPr>
+        <p:spPr>
+          <a:xfrm>
+            <a:off x="91751" y="166200"/>
+            <a:ext cx="1491114" cy="400110"/>
+          </a:xfrm>
+          <a:prstGeom prst="rect">
+            <a:avLst/>
+          </a:prstGeom>
+          <a:noFill/>
+        </p:spPr>
+        <p:txBody>
+          <a:bodyPr wrap="none" rtlCol="0">
+            <a:spAutoFit/>
+          </a:bodyPr>
+          <a:lstStyle/>
+          <a:p>
+            <a:r>
+              <a:rPr lang="en-US" altLang="ja-JP" sz="2000" dirty="0">
+                <a:latin typeface="MS PGothic" panose="020B0600070205080204" pitchFamily="34" charset="-128"/>
+                <a:ea typeface="MS PGothic" panose="020B0600070205080204" pitchFamily="34" charset="-128"/>
+              </a:rPr>
+              <a:t>Wait version</a:t>
+            </a:r>
+            <a:endParaRPr kumimoji="1" lang="ja-JP" altLang="en-US" sz="2000">
+              <a:latin typeface="MS PGothic" panose="020B0600070205080204" pitchFamily="34" charset="-128"/>
+              <a:ea typeface="MS PGothic" panose="020B0600070205080204" pitchFamily="34" charset="-128"/>
+            </a:endParaRPr>
+          </a:p>
+        </p:txBody>
+      </p:sp>
       <p:grpSp>
         <p:nvGrpSpPr>
-          <p:cNvPr id="4" name="グループ化 3">
-            <a:extLst>
-              <a:ext uri="{FF2B5EF4-FFF2-40B4-BE49-F238E27FC236}">
-                <a16:creationId xmlns:a16="http://schemas.microsoft.com/office/drawing/2014/main" id="{7B145AD0-DA5D-5DBD-825E-E0202FBC9484}"/>
+          <p:cNvPr id="97" name="グループ化 96">
+            <a:extLst>
+              <a:ext uri="{FF2B5EF4-FFF2-40B4-BE49-F238E27FC236}">
+                <a16:creationId xmlns:a16="http://schemas.microsoft.com/office/drawing/2014/main" id="{D58B45D0-FCFB-EA0F-403E-AEAE5A705C59}"/>
               </a:ext>
             </a:extLst>
           </p:cNvPr>
@@ -6792,18 +7091,18 @@
         </p:nvGrpSpPr>
         <p:grpSpPr>
           <a:xfrm>
-            <a:off x="2090518" y="5334702"/>
-            <a:ext cx="3720196" cy="808228"/>
+            <a:off x="2031557" y="960268"/>
+            <a:ext cx="4165970" cy="808228"/>
             <a:chOff x="1600199" y="2620772"/>
             <a:chExt cx="2438400" cy="808228"/>
           </a:xfrm>
         </p:grpSpPr>
         <p:sp>
           <p:nvSpPr>
-            <p:cNvPr id="8" name="片側の 2 つの角を切り取った四角形 7">
+            <p:cNvPr id="98" name="片側の 2 つの角を切り取った四角形 97">
               <a:extLst>
                 <a:ext uri="{FF2B5EF4-FFF2-40B4-BE49-F238E27FC236}">
-                  <a16:creationId xmlns:a16="http://schemas.microsoft.com/office/drawing/2014/main" id="{60410A81-6E5A-9783-040A-CFEA324F7C49}"/>
+                  <a16:creationId xmlns:a16="http://schemas.microsoft.com/office/drawing/2014/main" id="{8B9DA603-3F16-0561-1614-57E14E55BE78}"/>
                 </a:ext>
               </a:extLst>
             </p:cNvPr>
@@ -6849,10 +7148,10 @@
         </p:sp>
         <p:sp>
           <p:nvSpPr>
-            <p:cNvPr id="9" name="テキスト ボックス 8">
+            <p:cNvPr id="99" name="テキスト ボックス 98">
               <a:extLst>
                 <a:ext uri="{FF2B5EF4-FFF2-40B4-BE49-F238E27FC236}">
-                  <a16:creationId xmlns:a16="http://schemas.microsoft.com/office/drawing/2014/main" id="{74533965-D082-BB8F-F0DB-E26FDB52E578}"/>
+                  <a16:creationId xmlns:a16="http://schemas.microsoft.com/office/drawing/2014/main" id="{7AE79A9F-142D-1328-033D-164390C768D4}"/>
                 </a:ext>
               </a:extLst>
             </p:cNvPr>
@@ -6919,10 +7218,82 @@
       </p:grpSp>
       <p:sp>
         <p:nvSpPr>
-          <p:cNvPr id="10" name="フローチャート: 処理 9">
-            <a:extLst>
-              <a:ext uri="{FF2B5EF4-FFF2-40B4-BE49-F238E27FC236}">
-                <a16:creationId xmlns:a16="http://schemas.microsoft.com/office/drawing/2014/main" id="{E63698E2-388C-D3FD-FB20-401C155932CC}"/>
+          <p:cNvPr id="101" name="テキスト ボックス 100">
+            <a:extLst>
+              <a:ext uri="{FF2B5EF4-FFF2-40B4-BE49-F238E27FC236}">
+                <a16:creationId xmlns:a16="http://schemas.microsoft.com/office/drawing/2014/main" id="{31700FC6-E3C4-E333-9BEF-07A894FA173E}"/>
+              </a:ext>
+            </a:extLst>
+          </p:cNvPr>
+          <p:cNvSpPr txBox="1"/>
+          <p:nvPr/>
+        </p:nvSpPr>
+        <p:spPr>
+          <a:xfrm>
+            <a:off x="3329400" y="5979046"/>
+            <a:ext cx="582211" cy="400110"/>
+          </a:xfrm>
+          <a:prstGeom prst="rect">
+            <a:avLst/>
+          </a:prstGeom>
+          <a:noFill/>
+        </p:spPr>
+        <p:txBody>
+          <a:bodyPr wrap="none" rtlCol="0">
+            <a:spAutoFit/>
+          </a:bodyPr>
+          <a:lstStyle/>
+          <a:p>
+            <a:r>
+              <a:rPr kumimoji="1" lang="en-US" altLang="ja-JP" sz="2000" dirty="0">
+                <a:latin typeface="MS PGothic" panose="020B0600070205080204" pitchFamily="34" charset="-128"/>
+                <a:ea typeface="MS PGothic" panose="020B0600070205080204" pitchFamily="34" charset="-128"/>
+              </a:rPr>
+              <a:t>Yes</a:t>
+            </a:r>
+            <a:endParaRPr kumimoji="1" lang="ja-JP" altLang="en-US" sz="2000">
+              <a:latin typeface="MS PGothic" panose="020B0600070205080204" pitchFamily="34" charset="-128"/>
+              <a:ea typeface="MS PGothic" panose="020B0600070205080204" pitchFamily="34" charset="-128"/>
+            </a:endParaRPr>
+          </a:p>
+        </p:txBody>
+      </p:sp>
+    </p:spTree>
+    <p:extLst>
+      <p:ext uri="{BB962C8B-B14F-4D97-AF65-F5344CB8AC3E}">
+        <p14:creationId xmlns:p14="http://schemas.microsoft.com/office/powerpoint/2010/main" val="1392088730"/>
+      </p:ext>
+    </p:extLst>
+  </p:cSld>
+  <p:clrMapOvr>
+    <a:masterClrMapping/>
+  </p:clrMapOvr>
+</p:sld>
+</file>
+
+<file path=ppt/slides/slide4.xml><?xml version="1.0" encoding="utf-8"?>
+<p:sld xmlns:a="http://schemas.openxmlformats.org/drawingml/2006/main" xmlns:r="http://schemas.openxmlformats.org/officeDocument/2006/relationships" xmlns:p="http://schemas.openxmlformats.org/presentationml/2006/main">
+  <p:cSld>
+    <p:spTree>
+      <p:nvGrpSpPr>
+        <p:cNvPr id="1" name=""/>
+        <p:cNvGrpSpPr/>
+        <p:nvPr/>
+      </p:nvGrpSpPr>
+      <p:grpSpPr>
+        <a:xfrm>
+          <a:off x="0" y="0"/>
+          <a:ext cx="0" cy="0"/>
+          <a:chOff x="0" y="0"/>
+          <a:chExt cx="0" cy="0"/>
+        </a:xfrm>
+      </p:grpSpPr>
+      <p:sp>
+        <p:nvSpPr>
+          <p:cNvPr id="2" name="フローチャート: 端子 1">
+            <a:extLst>
+              <a:ext uri="{FF2B5EF4-FFF2-40B4-BE49-F238E27FC236}">
+                <a16:creationId xmlns:a16="http://schemas.microsoft.com/office/drawing/2014/main" id="{7A97149B-3758-0A83-C609-78802B4FB023}"/>
               </a:ext>
             </a:extLst>
           </p:cNvPr>
@@ -6931,10 +7302,10 @@
         </p:nvSpPr>
         <p:spPr>
           <a:xfrm>
-            <a:off x="1519598" y="5929252"/>
-            <a:ext cx="3720195" cy="330378"/>
-          </a:xfrm>
-          <a:prstGeom prst="flowChartProcess">
+            <a:off x="5638798" y="4132540"/>
+            <a:ext cx="914400" cy="301752"/>
+          </a:xfrm>
+          <a:prstGeom prst="flowChartTerminator">
             <a:avLst/>
           </a:prstGeom>
         </p:spPr>
@@ -6964,9 +7335,307 @@
                 <a:latin typeface="MS PGothic" panose="020B0600070205080204" pitchFamily="34" charset="-128"/>
                 <a:ea typeface="MS PGothic" panose="020B0600070205080204" pitchFamily="34" charset="-128"/>
               </a:rPr>
-              <a:t>Each agent run</a:t>
+              <a:t>End</a:t>
             </a:r>
             <a:endParaRPr kumimoji="1" lang="ja-JP" altLang="en-US" sz="2000">
+              <a:latin typeface="MS PGothic" panose="020B0600070205080204" pitchFamily="34" charset="-128"/>
+              <a:ea typeface="MS PGothic" panose="020B0600070205080204" pitchFamily="34" charset="-128"/>
+            </a:endParaRPr>
+          </a:p>
+        </p:txBody>
+      </p:sp>
+      <p:sp>
+        <p:nvSpPr>
+          <p:cNvPr id="5" name="フローチャート: 結合子 4">
+            <a:extLst>
+              <a:ext uri="{FF2B5EF4-FFF2-40B4-BE49-F238E27FC236}">
+                <a16:creationId xmlns:a16="http://schemas.microsoft.com/office/drawing/2014/main" id="{CDDE5159-7404-D0C4-4067-771008DC9D2F}"/>
+              </a:ext>
+            </a:extLst>
+          </p:cNvPr>
+          <p:cNvSpPr/>
+          <p:nvPr/>
+        </p:nvSpPr>
+        <p:spPr>
+          <a:xfrm>
+            <a:off x="5867400" y="127584"/>
+            <a:ext cx="457200" cy="457200"/>
+          </a:xfrm>
+          <a:prstGeom prst="flowChartConnector">
+            <a:avLst/>
+          </a:prstGeom>
+        </p:spPr>
+        <p:style>
+          <a:lnRef idx="2">
+            <a:schemeClr val="accent1">
+              <a:shade val="50000"/>
+            </a:schemeClr>
+          </a:lnRef>
+          <a:fillRef idx="1">
+            <a:schemeClr val="accent1"/>
+          </a:fillRef>
+          <a:effectRef idx="0">
+            <a:schemeClr val="accent1"/>
+          </a:effectRef>
+          <a:fontRef idx="minor">
+            <a:schemeClr val="lt1"/>
+          </a:fontRef>
+        </p:style>
+        <p:txBody>
+          <a:bodyPr rtlCol="0" anchor="ctr"/>
+          <a:lstStyle/>
+          <a:p>
+            <a:pPr algn="ctr"/>
+            <a:r>
+              <a:rPr kumimoji="1" lang="en-US" altLang="ja-JP" dirty="0"/>
+              <a:t>1</a:t>
+            </a:r>
+          </a:p>
+        </p:txBody>
+      </p:sp>
+      <p:cxnSp>
+        <p:nvCxnSpPr>
+          <p:cNvPr id="12" name="直線コネクタ 11">
+            <a:extLst>
+              <a:ext uri="{FF2B5EF4-FFF2-40B4-BE49-F238E27FC236}">
+                <a16:creationId xmlns:a16="http://schemas.microsoft.com/office/drawing/2014/main" id="{5C3ABE04-6ABB-17EF-C417-27A51A8547C5}"/>
+              </a:ext>
+            </a:extLst>
+          </p:cNvPr>
+          <p:cNvCxnSpPr>
+            <a:cxnSpLocks/>
+            <a:stCxn id="5" idx="4"/>
+            <a:endCxn id="2" idx="0"/>
+          </p:cNvCxnSpPr>
+          <p:nvPr/>
+        </p:nvCxnSpPr>
+        <p:spPr>
+          <a:xfrm flipH="1">
+            <a:off x="6095998" y="584784"/>
+            <a:ext cx="2" cy="3547756"/>
+          </a:xfrm>
+          <a:prstGeom prst="line">
+            <a:avLst/>
+          </a:prstGeom>
+        </p:spPr>
+        <p:style>
+          <a:lnRef idx="1">
+            <a:schemeClr val="accent1"/>
+          </a:lnRef>
+          <a:fillRef idx="0">
+            <a:schemeClr val="accent1"/>
+          </a:fillRef>
+          <a:effectRef idx="0">
+            <a:schemeClr val="accent1"/>
+          </a:effectRef>
+          <a:fontRef idx="minor">
+            <a:schemeClr val="tx1"/>
+          </a:fontRef>
+        </p:style>
+      </p:cxnSp>
+      <p:sp>
+        <p:nvSpPr>
+          <p:cNvPr id="7" name="フローチャート: 処理 6">
+            <a:extLst>
+              <a:ext uri="{FF2B5EF4-FFF2-40B4-BE49-F238E27FC236}">
+                <a16:creationId xmlns:a16="http://schemas.microsoft.com/office/drawing/2014/main" id="{D4486E80-932A-4DFB-328A-B719CEB53502}"/>
+              </a:ext>
+            </a:extLst>
+          </p:cNvPr>
+          <p:cNvSpPr/>
+          <p:nvPr/>
+        </p:nvSpPr>
+        <p:spPr>
+          <a:xfrm>
+            <a:off x="2983362" y="911794"/>
+            <a:ext cx="6225269" cy="580977"/>
+          </a:xfrm>
+          <a:prstGeom prst="flowChartProcess">
+            <a:avLst/>
+          </a:prstGeom>
+        </p:spPr>
+        <p:style>
+          <a:lnRef idx="2">
+            <a:schemeClr val="accent1">
+              <a:shade val="50000"/>
+            </a:schemeClr>
+          </a:lnRef>
+          <a:fillRef idx="1">
+            <a:schemeClr val="accent1"/>
+          </a:fillRef>
+          <a:effectRef idx="0">
+            <a:schemeClr val="accent1"/>
+          </a:effectRef>
+          <a:fontRef idx="minor">
+            <a:schemeClr val="lt1"/>
+          </a:fontRef>
+        </p:style>
+        <p:txBody>
+          <a:bodyPr rtlCol="0" anchor="ctr"/>
+          <a:lstStyle/>
+          <a:p>
+            <a:pPr algn="ctr"/>
+            <a:r>
+              <a:rPr lang="en-US" altLang="ja-JP" sz="2000" dirty="0">
+                <a:solidFill>
+                  <a:schemeClr val="bg1"/>
+                </a:solidFill>
+                <a:latin typeface="MS PGothic" panose="020B0600070205080204" pitchFamily="34" charset="-128"/>
+                <a:ea typeface="MS PGothic" panose="020B0600070205080204" pitchFamily="34" charset="-128"/>
+              </a:rPr>
+              <a:t> Output t</a:t>
+            </a:r>
+            <a:r>
+              <a:rPr kumimoji="1" lang="en-US" altLang="ja-JP" sz="2000" dirty="0">
+                <a:solidFill>
+                  <a:schemeClr val="bg1"/>
+                </a:solidFill>
+                <a:latin typeface="MS PGothic" panose="020B0600070205080204" pitchFamily="34" charset="-128"/>
+                <a:ea typeface="MS PGothic" panose="020B0600070205080204" pitchFamily="34" charset="-128"/>
+              </a:rPr>
+              <a:t>he route of each agent</a:t>
+            </a:r>
+            <a:endParaRPr kumimoji="1" lang="ja-JP" altLang="en-US" sz="2000">
+              <a:solidFill>
+                <a:schemeClr val="bg1"/>
+              </a:solidFill>
+              <a:latin typeface="MS PGothic" panose="020B0600070205080204" pitchFamily="34" charset="-128"/>
+              <a:ea typeface="MS PGothic" panose="020B0600070205080204" pitchFamily="34" charset="-128"/>
+            </a:endParaRPr>
+          </a:p>
+        </p:txBody>
+      </p:sp>
+      <p:sp>
+        <p:nvSpPr>
+          <p:cNvPr id="3" name="フローチャート: 処理 2">
+            <a:extLst>
+              <a:ext uri="{FF2B5EF4-FFF2-40B4-BE49-F238E27FC236}">
+                <a16:creationId xmlns:a16="http://schemas.microsoft.com/office/drawing/2014/main" id="{B41ADF3D-0A4C-B603-9640-96D03419D8C8}"/>
+              </a:ext>
+            </a:extLst>
+          </p:cNvPr>
+          <p:cNvSpPr/>
+          <p:nvPr/>
+        </p:nvSpPr>
+        <p:spPr>
+          <a:xfrm>
+            <a:off x="2983362" y="1819781"/>
+            <a:ext cx="6225269" cy="819472"/>
+          </a:xfrm>
+          <a:prstGeom prst="flowChartProcess">
+            <a:avLst/>
+          </a:prstGeom>
+        </p:spPr>
+        <p:style>
+          <a:lnRef idx="2">
+            <a:schemeClr val="accent1">
+              <a:shade val="50000"/>
+            </a:schemeClr>
+          </a:lnRef>
+          <a:fillRef idx="1">
+            <a:schemeClr val="accent1"/>
+          </a:fillRef>
+          <a:effectRef idx="0">
+            <a:schemeClr val="accent1"/>
+          </a:effectRef>
+          <a:fontRef idx="minor">
+            <a:schemeClr val="lt1"/>
+          </a:fontRef>
+        </p:style>
+        <p:txBody>
+          <a:bodyPr rtlCol="0" anchor="ctr"/>
+          <a:lstStyle/>
+          <a:p>
+            <a:pPr algn="ctr"/>
+            <a:r>
+              <a:rPr kumimoji="1" lang="en" altLang="ja-JP" sz="2000" dirty="0">
+                <a:solidFill>
+                  <a:schemeClr val="bg1"/>
+                </a:solidFill>
+                <a:latin typeface="MS PGothic" panose="020B0600070205080204" pitchFamily="34" charset="-128"/>
+                <a:ea typeface="MS PGothic" panose="020B0600070205080204" pitchFamily="34" charset="-128"/>
+              </a:rPr>
+              <a:t>Output flow time</a:t>
+            </a:r>
+          </a:p>
+          <a:p>
+            <a:pPr algn="ctr"/>
+            <a:r>
+              <a:rPr kumimoji="1" lang="en" altLang="ja-JP" sz="2000" dirty="0">
+                <a:solidFill>
+                  <a:schemeClr val="bg1"/>
+                </a:solidFill>
+                <a:latin typeface="MS PGothic" panose="020B0600070205080204" pitchFamily="34" charset="-128"/>
+                <a:ea typeface="MS PGothic" panose="020B0600070205080204" pitchFamily="34" charset="-128"/>
+              </a:rPr>
+              <a:t> (sum of arrival times of all agents at the finish line)</a:t>
+            </a:r>
+            <a:endParaRPr kumimoji="1" lang="ja-JP" altLang="en-US" sz="2000">
+              <a:solidFill>
+                <a:schemeClr val="bg1"/>
+              </a:solidFill>
+              <a:latin typeface="MS PGothic" panose="020B0600070205080204" pitchFamily="34" charset="-128"/>
+              <a:ea typeface="MS PGothic" panose="020B0600070205080204" pitchFamily="34" charset="-128"/>
+            </a:endParaRPr>
+          </a:p>
+        </p:txBody>
+      </p:sp>
+      <p:sp>
+        <p:nvSpPr>
+          <p:cNvPr id="6" name="フローチャート: 処理 5">
+            <a:extLst>
+              <a:ext uri="{FF2B5EF4-FFF2-40B4-BE49-F238E27FC236}">
+                <a16:creationId xmlns:a16="http://schemas.microsoft.com/office/drawing/2014/main" id="{C52CB319-ABF1-4ECD-27CB-8E370F274431}"/>
+              </a:ext>
+            </a:extLst>
+          </p:cNvPr>
+          <p:cNvSpPr/>
+          <p:nvPr/>
+        </p:nvSpPr>
+        <p:spPr>
+          <a:xfrm>
+            <a:off x="2983363" y="3095408"/>
+            <a:ext cx="6225269" cy="580977"/>
+          </a:xfrm>
+          <a:prstGeom prst="flowChartProcess">
+            <a:avLst/>
+          </a:prstGeom>
+        </p:spPr>
+        <p:style>
+          <a:lnRef idx="2">
+            <a:schemeClr val="accent1">
+              <a:shade val="50000"/>
+            </a:schemeClr>
+          </a:lnRef>
+          <a:fillRef idx="1">
+            <a:schemeClr val="accent1"/>
+          </a:fillRef>
+          <a:effectRef idx="0">
+            <a:schemeClr val="accent1"/>
+          </a:effectRef>
+          <a:fontRef idx="minor">
+            <a:schemeClr val="lt1"/>
+          </a:fontRef>
+        </p:style>
+        <p:txBody>
+          <a:bodyPr rtlCol="0" anchor="ctr"/>
+          <a:lstStyle/>
+          <a:p>
+            <a:pPr algn="ctr"/>
+            <a:r>
+              <a:rPr kumimoji="1" lang="en" altLang="ja-JP" sz="2000" dirty="0">
+                <a:solidFill>
+                  <a:schemeClr val="bg1"/>
+                </a:solidFill>
+                <a:latin typeface="MS PGothic" panose="020B0600070205080204" pitchFamily="34" charset="-128"/>
+                <a:ea typeface="MS PGothic" panose="020B0600070205080204" pitchFamily="34" charset="-128"/>
+              </a:rPr>
+              <a:t>Output warehouse storage density</a:t>
+            </a:r>
+            <a:endParaRPr kumimoji="1" lang="ja-JP" altLang="en-US" sz="2000">
+              <a:solidFill>
+                <a:schemeClr val="bg1"/>
+              </a:solidFill>
               <a:latin typeface="MS PGothic" panose="020B0600070205080204" pitchFamily="34" charset="-128"/>
               <a:ea typeface="MS PGothic" panose="020B0600070205080204" pitchFamily="34" charset="-128"/>
             </a:endParaRPr>

--- a/すれ違い回避_2台.pptx
+++ b/すれ違い回避_2台.pptx
@@ -107,6 +107,11 @@
       </a:defRPr>
     </a:lvl9pPr>
   </p:defaultTextStyle>
+  <p:extLst>
+    <p:ext uri="{EFAFB233-063F-42B5-8137-9DF3F51BA10A}">
+      <p15:sldGuideLst xmlns:p15="http://schemas.microsoft.com/office/powerpoint/2012/main"/>
+    </p:ext>
+  </p:extLst>
 </p:presentation>
 </file>
 
@@ -257,7 +262,7 @@
           <a:p>
             <a:fld id="{DC74A3C4-BD34-F048-8695-D79F3C218680}" type="datetimeFigureOut">
               <a:rPr kumimoji="1" lang="ja-JP" altLang="en-US" smtClean="0"/>
-              <a:t>2022/9/28</a:t>
+              <a:t>2022/9/29</a:t>
             </a:fld>
             <a:endParaRPr kumimoji="1" lang="ja-JP" altLang="en-US"/>
           </a:p>
@@ -487,7 +492,7 @@
           <a:p>
             <a:fld id="{DC74A3C4-BD34-F048-8695-D79F3C218680}" type="datetimeFigureOut">
               <a:rPr kumimoji="1" lang="ja-JP" altLang="en-US" smtClean="0"/>
-              <a:t>2022/9/28</a:t>
+              <a:t>2022/9/29</a:t>
             </a:fld>
             <a:endParaRPr kumimoji="1" lang="ja-JP" altLang="en-US"/>
           </a:p>
@@ -727,7 +732,7 @@
           <a:p>
             <a:fld id="{DC74A3C4-BD34-F048-8695-D79F3C218680}" type="datetimeFigureOut">
               <a:rPr kumimoji="1" lang="ja-JP" altLang="en-US" smtClean="0"/>
-              <a:t>2022/9/28</a:t>
+              <a:t>2022/9/29</a:t>
             </a:fld>
             <a:endParaRPr kumimoji="1" lang="ja-JP" altLang="en-US"/>
           </a:p>
@@ -957,7 +962,7 @@
           <a:p>
             <a:fld id="{DC74A3C4-BD34-F048-8695-D79F3C218680}" type="datetimeFigureOut">
               <a:rPr kumimoji="1" lang="ja-JP" altLang="en-US" smtClean="0"/>
-              <a:t>2022/9/28</a:t>
+              <a:t>2022/9/29</a:t>
             </a:fld>
             <a:endParaRPr kumimoji="1" lang="ja-JP" altLang="en-US"/>
           </a:p>
@@ -1232,7 +1237,7 @@
           <a:p>
             <a:fld id="{DC74A3C4-BD34-F048-8695-D79F3C218680}" type="datetimeFigureOut">
               <a:rPr kumimoji="1" lang="ja-JP" altLang="en-US" smtClean="0"/>
-              <a:t>2022/9/28</a:t>
+              <a:t>2022/9/29</a:t>
             </a:fld>
             <a:endParaRPr kumimoji="1" lang="ja-JP" altLang="en-US"/>
           </a:p>
@@ -1561,7 +1566,7 @@
           <a:p>
             <a:fld id="{DC74A3C4-BD34-F048-8695-D79F3C218680}" type="datetimeFigureOut">
               <a:rPr kumimoji="1" lang="ja-JP" altLang="en-US" smtClean="0"/>
-              <a:t>2022/9/28</a:t>
+              <a:t>2022/9/29</a:t>
             </a:fld>
             <a:endParaRPr kumimoji="1" lang="ja-JP" altLang="en-US"/>
           </a:p>
@@ -2037,7 +2042,7 @@
           <a:p>
             <a:fld id="{DC74A3C4-BD34-F048-8695-D79F3C218680}" type="datetimeFigureOut">
               <a:rPr kumimoji="1" lang="ja-JP" altLang="en-US" smtClean="0"/>
-              <a:t>2022/9/28</a:t>
+              <a:t>2022/9/29</a:t>
             </a:fld>
             <a:endParaRPr kumimoji="1" lang="ja-JP" altLang="en-US"/>
           </a:p>
@@ -2178,7 +2183,7 @@
           <a:p>
             <a:fld id="{DC74A3C4-BD34-F048-8695-D79F3C218680}" type="datetimeFigureOut">
               <a:rPr kumimoji="1" lang="ja-JP" altLang="en-US" smtClean="0"/>
-              <a:t>2022/9/28</a:t>
+              <a:t>2022/9/29</a:t>
             </a:fld>
             <a:endParaRPr kumimoji="1" lang="ja-JP" altLang="en-US"/>
           </a:p>
@@ -2291,7 +2296,7 @@
           <a:p>
             <a:fld id="{DC74A3C4-BD34-F048-8695-D79F3C218680}" type="datetimeFigureOut">
               <a:rPr kumimoji="1" lang="ja-JP" altLang="en-US" smtClean="0"/>
-              <a:t>2022/9/28</a:t>
+              <a:t>2022/9/29</a:t>
             </a:fld>
             <a:endParaRPr kumimoji="1" lang="ja-JP" altLang="en-US"/>
           </a:p>
@@ -2634,7 +2639,7 @@
           <a:p>
             <a:fld id="{DC74A3C4-BD34-F048-8695-D79F3C218680}" type="datetimeFigureOut">
               <a:rPr kumimoji="1" lang="ja-JP" altLang="en-US" smtClean="0"/>
-              <a:t>2022/9/28</a:t>
+              <a:t>2022/9/29</a:t>
             </a:fld>
             <a:endParaRPr kumimoji="1" lang="ja-JP" altLang="en-US"/>
           </a:p>
@@ -2922,7 +2927,7 @@
           <a:p>
             <a:fld id="{DC74A3C4-BD34-F048-8695-D79F3C218680}" type="datetimeFigureOut">
               <a:rPr kumimoji="1" lang="ja-JP" altLang="en-US" smtClean="0"/>
-              <a:t>2022/9/28</a:t>
+              <a:t>2022/9/29</a:t>
             </a:fld>
             <a:endParaRPr kumimoji="1" lang="ja-JP" altLang="en-US"/>
           </a:p>
@@ -3195,7 +3200,7 @@
           <a:p>
             <a:fld id="{DC74A3C4-BD34-F048-8695-D79F3C218680}" type="datetimeFigureOut">
               <a:rPr kumimoji="1" lang="ja-JP" altLang="en-US" smtClean="0"/>
-              <a:t>2022/9/28</a:t>
+              <a:t>2022/9/29</a:t>
             </a:fld>
             <a:endParaRPr kumimoji="1" lang="ja-JP" altLang="en-US"/>
           </a:p>
@@ -3957,7 +3962,7 @@
         </p:nvSpPr>
         <p:spPr>
           <a:xfrm>
-            <a:off x="3194899" y="3069292"/>
+            <a:off x="3193462" y="3449653"/>
             <a:ext cx="4171918" cy="1328022"/>
           </a:xfrm>
           <a:prstGeom prst="flowChartDecision">
@@ -4017,8 +4022,8 @@
         </p:nvCxnSpPr>
         <p:spPr>
           <a:xfrm rot="5400000" flipH="1" flipV="1">
-            <a:off x="4547657" y="2336091"/>
-            <a:ext cx="1466403" cy="12700"/>
+            <a:off x="4356757" y="2525553"/>
+            <a:ext cx="1846764" cy="1437"/>
           </a:xfrm>
           <a:prstGeom prst="bentConnector3">
             <a:avLst>
@@ -4104,8 +4109,8 @@
         </p:nvCxnSpPr>
         <p:spPr>
           <a:xfrm rot="10800000">
-            <a:off x="5280858" y="4397314"/>
-            <a:ext cx="4521730" cy="1739454"/>
+            <a:off x="5279422" y="4777676"/>
+            <a:ext cx="4523167" cy="1467097"/>
           </a:xfrm>
           <a:prstGeom prst="bentConnector2">
             <a:avLst/>
@@ -4147,7 +4152,7 @@
         </p:nvCxnSpPr>
         <p:spPr>
           <a:xfrm rot="10800000" flipV="1">
-            <a:off x="3194900" y="3006305"/>
+            <a:off x="3193463" y="3386666"/>
             <a:ext cx="2092309" cy="726997"/>
           </a:xfrm>
           <a:prstGeom prst="bentConnector3">
@@ -4189,7 +4194,7 @@
         </p:nvSpPr>
         <p:spPr>
           <a:xfrm>
-            <a:off x="5347361" y="4397314"/>
+            <a:off x="5312415" y="4698977"/>
             <a:ext cx="582211" cy="400110"/>
           </a:xfrm>
           <a:prstGeom prst="rect">
@@ -4231,7 +4236,7 @@
         </p:nvSpPr>
         <p:spPr>
           <a:xfrm>
-            <a:off x="3087063" y="3788798"/>
+            <a:off x="2879098" y="4032393"/>
             <a:ext cx="479618" cy="400110"/>
           </a:xfrm>
           <a:prstGeom prst="rect">
@@ -4302,6 +4307,26 @@
           <a:p>
             <a:pPr algn="ctr"/>
             <a:r>
+              <a:rPr lang="en" altLang="ja-JP" sz="2000" dirty="0">
+                <a:solidFill>
+                  <a:schemeClr val="bg1"/>
+                </a:solidFill>
+                <a:latin typeface="MS PGothic" panose="020B0600070205080204" pitchFamily="34" charset="-128"/>
+                <a:ea typeface="MS PGothic" panose="020B0600070205080204" pitchFamily="34" charset="-128"/>
+              </a:rPr>
+              <a:t>a</a:t>
+            </a:r>
+            <a:r>
+              <a:rPr lang="en" altLang="ja-JP" sz="2000" baseline="30000" dirty="0">
+                <a:solidFill>
+                  <a:schemeClr val="bg1"/>
+                </a:solidFill>
+                <a:latin typeface="MS PGothic" panose="020B0600070205080204" pitchFamily="34" charset="-128"/>
+                <a:ea typeface="MS PGothic" panose="020B0600070205080204" pitchFamily="34" charset="-128"/>
+              </a:rPr>
+              <a:t>i</a:t>
+            </a:r>
+            <a:r>
               <a:rPr kumimoji="1" lang="en" altLang="ja-JP" sz="2000" dirty="0">
                 <a:solidFill>
                   <a:schemeClr val="bg1"/>
@@ -4309,7 +4334,7 @@
                 <a:latin typeface="MS PGothic" panose="020B0600070205080204" pitchFamily="34" charset="-128"/>
                 <a:ea typeface="MS PGothic" panose="020B0600070205080204" pitchFamily="34" charset="-128"/>
               </a:rPr>
-              <a:t>B breaks the top block</a:t>
+              <a:t> breaks the top block</a:t>
             </a:r>
             <a:endParaRPr kumimoji="1" lang="ja-JP" altLang="en-US" sz="2000">
               <a:solidFill>
@@ -4364,6 +4389,46 @@
           <a:p>
             <a:pPr algn="ctr"/>
             <a:r>
+              <a:rPr lang="en-US" altLang="ja-JP" sz="2000" dirty="0">
+                <a:solidFill>
+                  <a:schemeClr val="bg1"/>
+                </a:solidFill>
+                <a:latin typeface="MS PGothic" panose="020B0600070205080204" pitchFamily="34" charset="-128"/>
+                <a:ea typeface="MS PGothic" panose="020B0600070205080204" pitchFamily="34" charset="-128"/>
+              </a:rPr>
+              <a:t>a</a:t>
+            </a:r>
+            <a:r>
+              <a:rPr lang="en-US" altLang="ja-JP" sz="2000" baseline="30000" dirty="0">
+                <a:solidFill>
+                  <a:schemeClr val="bg1"/>
+                </a:solidFill>
+                <a:latin typeface="MS PGothic" panose="020B0600070205080204" pitchFamily="34" charset="-128"/>
+                <a:ea typeface="MS PGothic" panose="020B0600070205080204" pitchFamily="34" charset="-128"/>
+              </a:rPr>
+              <a:t>1</a:t>
+            </a:r>
+            <a:r>
+              <a:rPr lang="en-US" altLang="ja-JP" sz="2000" dirty="0">
+                <a:solidFill>
+                  <a:schemeClr val="bg1"/>
+                </a:solidFill>
+                <a:latin typeface="MS PGothic" panose="020B0600070205080204" pitchFamily="34" charset="-128"/>
+                <a:ea typeface="MS PGothic" panose="020B0600070205080204" pitchFamily="34" charset="-128"/>
+              </a:rPr>
+              <a:t>,a</a:t>
+            </a:r>
+            <a:r>
+              <a:rPr lang="en-US" altLang="ja-JP" sz="2000" baseline="30000" dirty="0">
+                <a:solidFill>
+                  <a:schemeClr val="bg1"/>
+                </a:solidFill>
+                <a:latin typeface="MS PGothic" panose="020B0600070205080204" pitchFamily="34" charset="-128"/>
+                <a:ea typeface="MS PGothic" panose="020B0600070205080204" pitchFamily="34" charset="-128"/>
+              </a:rPr>
+              <a:t>i</a:t>
+            </a:r>
+            <a:r>
               <a:rPr kumimoji="1" lang="en-US" altLang="ja-JP" sz="2000" dirty="0">
                 <a:solidFill>
                   <a:schemeClr val="bg1"/>
@@ -4371,7 +4436,7 @@
                 <a:latin typeface="MS PGothic" panose="020B0600070205080204" pitchFamily="34" charset="-128"/>
                 <a:ea typeface="MS PGothic" panose="020B0600070205080204" pitchFamily="34" charset="-128"/>
               </a:rPr>
-              <a:t>A,B run</a:t>
+              <a:t> run</a:t>
             </a:r>
             <a:endParaRPr kumimoji="1" lang="ja-JP" altLang="en-US" sz="2000">
               <a:solidFill>
@@ -5073,6 +5138,297 @@
           </a:p>
         </p:txBody>
       </p:sp>
+      <p:sp>
+        <p:nvSpPr>
+          <p:cNvPr id="2" name="テキスト ボックス 1">
+            <a:extLst>
+              <a:ext uri="{FF2B5EF4-FFF2-40B4-BE49-F238E27FC236}">
+                <a16:creationId xmlns:a16="http://schemas.microsoft.com/office/drawing/2014/main" id="{2EE8375F-73C8-A330-1DEB-C05DE50CCE5F}"/>
+              </a:ext>
+            </a:extLst>
+          </p:cNvPr>
+          <p:cNvSpPr txBox="1"/>
+          <p:nvPr/>
+        </p:nvSpPr>
+        <p:spPr>
+          <a:xfrm>
+            <a:off x="3295725" y="1251802"/>
+            <a:ext cx="479618" cy="400110"/>
+          </a:xfrm>
+          <a:prstGeom prst="rect">
+            <a:avLst/>
+          </a:prstGeom>
+          <a:noFill/>
+        </p:spPr>
+        <p:txBody>
+          <a:bodyPr wrap="none" rtlCol="0">
+            <a:spAutoFit/>
+          </a:bodyPr>
+          <a:lstStyle/>
+          <a:p>
+            <a:r>
+              <a:rPr kumimoji="1" lang="en-US" altLang="ja-JP" sz="2000" dirty="0">
+                <a:latin typeface="MS PGothic" panose="020B0600070205080204" pitchFamily="34" charset="-128"/>
+                <a:ea typeface="MS PGothic" panose="020B0600070205080204" pitchFamily="34" charset="-128"/>
+              </a:rPr>
+              <a:t>No</a:t>
+            </a:r>
+            <a:endParaRPr kumimoji="1" lang="ja-JP" altLang="en-US" sz="2000">
+              <a:latin typeface="MS PGothic" panose="020B0600070205080204" pitchFamily="34" charset="-128"/>
+              <a:ea typeface="MS PGothic" panose="020B0600070205080204" pitchFamily="34" charset="-128"/>
+            </a:endParaRPr>
+          </a:p>
+        </p:txBody>
+      </p:sp>
+      <p:sp>
+        <p:nvSpPr>
+          <p:cNvPr id="36" name="フローチャート: 結合子 35">
+            <a:extLst>
+              <a:ext uri="{FF2B5EF4-FFF2-40B4-BE49-F238E27FC236}">
+                <a16:creationId xmlns:a16="http://schemas.microsoft.com/office/drawing/2014/main" id="{E1CB2012-2014-0279-E24F-784854FBDF3D}"/>
+              </a:ext>
+            </a:extLst>
+          </p:cNvPr>
+          <p:cNvSpPr/>
+          <p:nvPr/>
+        </p:nvSpPr>
+        <p:spPr>
+          <a:xfrm>
+            <a:off x="5268631" y="3084673"/>
+            <a:ext cx="288645" cy="228600"/>
+          </a:xfrm>
+          <a:prstGeom prst="flowChartConnector">
+            <a:avLst/>
+          </a:prstGeom>
+          <a:noFill/>
+          <a:ln>
+            <a:noFill/>
+          </a:ln>
+        </p:spPr>
+        <p:style>
+          <a:lnRef idx="2">
+            <a:schemeClr val="accent1">
+              <a:shade val="50000"/>
+            </a:schemeClr>
+          </a:lnRef>
+          <a:fillRef idx="1">
+            <a:schemeClr val="accent1"/>
+          </a:fillRef>
+          <a:effectRef idx="0">
+            <a:schemeClr val="accent1"/>
+          </a:effectRef>
+          <a:fontRef idx="minor">
+            <a:schemeClr val="lt1"/>
+          </a:fontRef>
+        </p:style>
+        <p:txBody>
+          <a:bodyPr rtlCol="0" anchor="ctr"/>
+          <a:lstStyle/>
+          <a:p>
+            <a:pPr algn="ctr"/>
+            <a:r>
+              <a:rPr kumimoji="1" lang="en-US" altLang="ja-JP" dirty="0"/>
+              <a:t>1</a:t>
+            </a:r>
+          </a:p>
+        </p:txBody>
+      </p:sp>
+      <p:cxnSp>
+        <p:nvCxnSpPr>
+          <p:cNvPr id="39" name="カギ線コネクタ 38">
+            <a:extLst>
+              <a:ext uri="{FF2B5EF4-FFF2-40B4-BE49-F238E27FC236}">
+                <a16:creationId xmlns:a16="http://schemas.microsoft.com/office/drawing/2014/main" id="{B7E75C54-9F02-EC13-0430-9C1AFFCA4124}"/>
+              </a:ext>
+            </a:extLst>
+          </p:cNvPr>
+          <p:cNvCxnSpPr>
+            <a:cxnSpLocks/>
+            <a:stCxn id="23" idx="1"/>
+            <a:endCxn id="36" idx="2"/>
+          </p:cNvCxnSpPr>
+          <p:nvPr/>
+        </p:nvCxnSpPr>
+        <p:spPr>
+          <a:xfrm rot="10800000" flipH="1" flipV="1">
+            <a:off x="3326871" y="1108059"/>
+            <a:ext cx="1941759" cy="2090914"/>
+          </a:xfrm>
+          <a:prstGeom prst="bentConnector3">
+            <a:avLst>
+              <a:gd name="adj1" fmla="val -91940"/>
+            </a:avLst>
+          </a:prstGeom>
+        </p:spPr>
+        <p:style>
+          <a:lnRef idx="1">
+            <a:schemeClr val="accent1"/>
+          </a:lnRef>
+          <a:fillRef idx="0">
+            <a:schemeClr val="accent1"/>
+          </a:fillRef>
+          <a:effectRef idx="0">
+            <a:schemeClr val="accent1"/>
+          </a:effectRef>
+          <a:fontRef idx="minor">
+            <a:schemeClr val="tx1"/>
+          </a:fontRef>
+        </p:style>
+      </p:cxnSp>
+      <p:sp>
+        <p:nvSpPr>
+          <p:cNvPr id="4" name="フローチャート: 処理 3">
+            <a:extLst>
+              <a:ext uri="{FF2B5EF4-FFF2-40B4-BE49-F238E27FC236}">
+                <a16:creationId xmlns:a16="http://schemas.microsoft.com/office/drawing/2014/main" id="{73DA77B9-B974-4E70-F6C1-7A23D5ED59B5}"/>
+              </a:ext>
+            </a:extLst>
+          </p:cNvPr>
+          <p:cNvSpPr/>
+          <p:nvPr/>
+        </p:nvSpPr>
+        <p:spPr>
+          <a:xfrm>
+            <a:off x="178959" y="1750827"/>
+            <a:ext cx="2723896" cy="301752"/>
+          </a:xfrm>
+          <a:prstGeom prst="flowChartProcess">
+            <a:avLst/>
+          </a:prstGeom>
+        </p:spPr>
+        <p:style>
+          <a:lnRef idx="2">
+            <a:schemeClr val="accent1">
+              <a:shade val="50000"/>
+            </a:schemeClr>
+          </a:lnRef>
+          <a:fillRef idx="1">
+            <a:schemeClr val="accent1"/>
+          </a:fillRef>
+          <a:effectRef idx="0">
+            <a:schemeClr val="accent1"/>
+          </a:effectRef>
+          <a:fontRef idx="minor">
+            <a:schemeClr val="lt1"/>
+          </a:fontRef>
+        </p:style>
+        <p:txBody>
+          <a:bodyPr rtlCol="0" anchor="ctr"/>
+          <a:lstStyle/>
+          <a:p>
+            <a:pPr algn="ctr"/>
+            <a:r>
+              <a:rPr kumimoji="1" lang="en" altLang="ja-JP" sz="2000" dirty="0">
+                <a:solidFill>
+                  <a:schemeClr val="bg1"/>
+                </a:solidFill>
+                <a:latin typeface="MS PGothic" panose="020B0600070205080204" pitchFamily="34" charset="-128"/>
+                <a:ea typeface="MS PGothic" panose="020B0600070205080204" pitchFamily="34" charset="-128"/>
+              </a:rPr>
+              <a:t>Fix the path of a</a:t>
+            </a:r>
+            <a:r>
+              <a:rPr kumimoji="1" lang="en" altLang="ja-JP" sz="2000" baseline="30000" dirty="0">
+                <a:solidFill>
+                  <a:schemeClr val="bg1"/>
+                </a:solidFill>
+                <a:latin typeface="MS PGothic" panose="020B0600070205080204" pitchFamily="34" charset="-128"/>
+                <a:ea typeface="MS PGothic" panose="020B0600070205080204" pitchFamily="34" charset="-128"/>
+              </a:rPr>
+              <a:t>i</a:t>
+            </a:r>
+            <a:endParaRPr kumimoji="1" lang="ja-JP" altLang="en-US" sz="2000" baseline="30000">
+              <a:solidFill>
+                <a:schemeClr val="bg1"/>
+              </a:solidFill>
+              <a:latin typeface="MS PGothic" panose="020B0600070205080204" pitchFamily="34" charset="-128"/>
+              <a:ea typeface="MS PGothic" panose="020B0600070205080204" pitchFamily="34" charset="-128"/>
+            </a:endParaRPr>
+          </a:p>
+        </p:txBody>
+      </p:sp>
+      <p:sp>
+        <p:nvSpPr>
+          <p:cNvPr id="27" name="フローチャート: 処理 26">
+            <a:extLst>
+              <a:ext uri="{FF2B5EF4-FFF2-40B4-BE49-F238E27FC236}">
+                <a16:creationId xmlns:a16="http://schemas.microsoft.com/office/drawing/2014/main" id="{8360800E-FC20-16BD-B9EB-16513B22D907}"/>
+              </a:ext>
+            </a:extLst>
+          </p:cNvPr>
+          <p:cNvSpPr/>
+          <p:nvPr/>
+        </p:nvSpPr>
+        <p:spPr>
+          <a:xfrm>
+            <a:off x="180680" y="2289920"/>
+            <a:ext cx="2723896" cy="301752"/>
+          </a:xfrm>
+          <a:prstGeom prst="flowChartProcess">
+            <a:avLst/>
+          </a:prstGeom>
+        </p:spPr>
+        <p:style>
+          <a:lnRef idx="2">
+            <a:schemeClr val="accent1">
+              <a:shade val="50000"/>
+            </a:schemeClr>
+          </a:lnRef>
+          <a:fillRef idx="1">
+            <a:schemeClr val="accent1"/>
+          </a:fillRef>
+          <a:effectRef idx="0">
+            <a:schemeClr val="accent1"/>
+          </a:effectRef>
+          <a:fontRef idx="minor">
+            <a:schemeClr val="lt1"/>
+          </a:fontRef>
+        </p:style>
+        <p:txBody>
+          <a:bodyPr rtlCol="0" anchor="ctr"/>
+          <a:lstStyle/>
+          <a:p>
+            <a:pPr algn="ctr"/>
+            <a:r>
+              <a:rPr lang="en" altLang="ja-JP" sz="2000" dirty="0">
+                <a:solidFill>
+                  <a:schemeClr val="bg1"/>
+                </a:solidFill>
+                <a:latin typeface="MS PGothic" panose="020B0600070205080204" pitchFamily="34" charset="-128"/>
+                <a:ea typeface="MS PGothic" panose="020B0600070205080204" pitchFamily="34" charset="-128"/>
+              </a:rPr>
+              <a:t>a</a:t>
+            </a:r>
+            <a:r>
+              <a:rPr lang="en" altLang="ja-JP" sz="2000" baseline="30000" dirty="0">
+                <a:solidFill>
+                  <a:schemeClr val="bg1"/>
+                </a:solidFill>
+                <a:latin typeface="MS PGothic" panose="020B0600070205080204" pitchFamily="34" charset="-128"/>
+                <a:ea typeface="MS PGothic" panose="020B0600070205080204" pitchFamily="34" charset="-128"/>
+              </a:rPr>
+              <a:t>1</a:t>
+            </a:r>
+            <a:r>
+              <a:rPr kumimoji="1" lang="en" altLang="ja-JP" sz="2000" dirty="0">
+                <a:solidFill>
+                  <a:schemeClr val="bg1"/>
+                </a:solidFill>
+                <a:latin typeface="MS PGothic" panose="020B0600070205080204" pitchFamily="34" charset="-128"/>
+                <a:ea typeface="MS PGothic" panose="020B0600070205080204" pitchFamily="34" charset="-128"/>
+              </a:rPr>
+              <a:t> researches the route</a:t>
+            </a:r>
+            <a:endParaRPr kumimoji="1" lang="ja-JP" altLang="en-US" sz="2000">
+              <a:solidFill>
+                <a:schemeClr val="bg1"/>
+              </a:solidFill>
+              <a:latin typeface="MS PGothic" panose="020B0600070205080204" pitchFamily="34" charset="-128"/>
+              <a:ea typeface="MS PGothic" panose="020B0600070205080204" pitchFamily="34" charset="-128"/>
+            </a:endParaRPr>
+          </a:p>
+        </p:txBody>
+      </p:sp>
     </p:spTree>
     <p:extLst>
       <p:ext uri="{BB962C8B-B14F-4D97-AF65-F5344CB8AC3E}">
@@ -5589,7 +5945,27 @@
                 <a:latin typeface="MS PGothic" panose="020B0600070205080204" pitchFamily="34" charset="-128"/>
                 <a:ea typeface="MS PGothic" panose="020B0600070205080204" pitchFamily="34" charset="-128"/>
               </a:rPr>
-              <a:t>Modified route for B explored</a:t>
+              <a:t>Modified route for a</a:t>
+            </a:r>
+            <a:r>
+              <a:rPr lang="en-US" altLang="ja-JP" sz="2000" baseline="30000" dirty="0">
+                <a:solidFill>
+                  <a:schemeClr val="bg1"/>
+                </a:solidFill>
+                <a:latin typeface="MS PGothic" panose="020B0600070205080204" pitchFamily="34" charset="-128"/>
+                <a:ea typeface="MS PGothic" panose="020B0600070205080204" pitchFamily="34" charset="-128"/>
+              </a:rPr>
+              <a:t>i</a:t>
+            </a:r>
+            <a:r>
+              <a:rPr lang="en-US" altLang="ja-JP" sz="2000" dirty="0">
+                <a:solidFill>
+                  <a:schemeClr val="bg1"/>
+                </a:solidFill>
+                <a:latin typeface="MS PGothic" panose="020B0600070205080204" pitchFamily="34" charset="-128"/>
+                <a:ea typeface="MS PGothic" panose="020B0600070205080204" pitchFamily="34" charset="-128"/>
+              </a:rPr>
+              <a:t> explored</a:t>
             </a:r>
             <a:endParaRPr kumimoji="1" lang="ja-JP" altLang="en-US" sz="2000">
               <a:solidFill>
@@ -5828,7 +6204,37 @@
                 <a:latin typeface="MS PGothic" panose="020B0600070205080204" pitchFamily="34" charset="-128"/>
                 <a:ea typeface="MS PGothic" panose="020B0600070205080204" pitchFamily="34" charset="-128"/>
               </a:rPr>
-              <a:t>A,</a:t>
+              <a:t>a</a:t>
+            </a:r>
+            <a:r>
+              <a:rPr lang="en-US" altLang="ja-JP" sz="2000" baseline="30000" dirty="0">
+                <a:solidFill>
+                  <a:schemeClr val="bg1"/>
+                </a:solidFill>
+                <a:latin typeface="MS PGothic" panose="020B0600070205080204" pitchFamily="34" charset="-128"/>
+                <a:ea typeface="MS PGothic" panose="020B0600070205080204" pitchFamily="34" charset="-128"/>
+              </a:rPr>
+              <a:t>1</a:t>
+            </a:r>
+            <a:r>
+              <a:rPr lang="en-US" altLang="ja-JP" sz="2000" dirty="0">
+                <a:solidFill>
+                  <a:schemeClr val="bg1"/>
+                </a:solidFill>
+                <a:latin typeface="MS PGothic" panose="020B0600070205080204" pitchFamily="34" charset="-128"/>
+                <a:ea typeface="MS PGothic" panose="020B0600070205080204" pitchFamily="34" charset="-128"/>
+              </a:rPr>
+              <a:t>,a</a:t>
+            </a:r>
+            <a:r>
+              <a:rPr lang="en-US" altLang="ja-JP" sz="2000" baseline="30000" dirty="0">
+                <a:solidFill>
+                  <a:schemeClr val="bg1"/>
+                </a:solidFill>
+                <a:latin typeface="MS PGothic" panose="020B0600070205080204" pitchFamily="34" charset="-128"/>
+                <a:ea typeface="MS PGothic" panose="020B0600070205080204" pitchFamily="34" charset="-128"/>
+              </a:rPr>
+              <a:t>i</a:t>
             </a:r>
             <a:r>
               <a:rPr kumimoji="1" lang="en-US" altLang="ja-JP" sz="2000" dirty="0">
@@ -5838,7 +6244,7 @@
                 <a:latin typeface="MS PGothic" panose="020B0600070205080204" pitchFamily="34" charset="-128"/>
                 <a:ea typeface="MS PGothic" panose="020B0600070205080204" pitchFamily="34" charset="-128"/>
               </a:rPr>
-              <a:t>B run</a:t>
+              <a:t> run</a:t>
             </a:r>
             <a:endParaRPr kumimoji="1" lang="ja-JP" altLang="en-US" sz="2000">
               <a:solidFill>
@@ -5897,7 +6303,34 @@
                 <a:latin typeface="MS PGothic" panose="020B0600070205080204" pitchFamily="34" charset="-128"/>
                 <a:ea typeface="MS PGothic" panose="020B0600070205080204" pitchFamily="34" charset="-128"/>
               </a:rPr>
-              <a:t>B Continues to wait</a:t>
+              <a:t> </a:t>
+            </a:r>
+            <a:r>
+              <a:rPr lang="en-US" altLang="ja-JP" sz="2000" dirty="0">
+                <a:solidFill>
+                  <a:schemeClr val="bg1"/>
+                </a:solidFill>
+                <a:latin typeface="MS PGothic" panose="020B0600070205080204" pitchFamily="34" charset="-128"/>
+                <a:ea typeface="MS PGothic" panose="020B0600070205080204" pitchFamily="34" charset="-128"/>
+              </a:rPr>
+              <a:t>a</a:t>
+            </a:r>
+            <a:r>
+              <a:rPr lang="en-US" altLang="ja-JP" sz="2000" baseline="30000" dirty="0">
+                <a:solidFill>
+                  <a:schemeClr val="bg1"/>
+                </a:solidFill>
+                <a:latin typeface="MS PGothic" panose="020B0600070205080204" pitchFamily="34" charset="-128"/>
+                <a:ea typeface="MS PGothic" panose="020B0600070205080204" pitchFamily="34" charset="-128"/>
+              </a:rPr>
+              <a:t>i </a:t>
+            </a:r>
+            <a:r>
+              <a:rPr kumimoji="1" lang="en" altLang="ja-JP" sz="2000" dirty="0">
+                <a:latin typeface="MS PGothic" panose="020B0600070205080204" pitchFamily="34" charset="-128"/>
+                <a:ea typeface="MS PGothic" panose="020B0600070205080204" pitchFamily="34" charset="-128"/>
+              </a:rPr>
+              <a:t>Continues to wait</a:t>
             </a:r>
             <a:endParaRPr kumimoji="1" lang="ja-JP" altLang="en-US" sz="2000">
               <a:latin typeface="MS PGothic" panose="020B0600070205080204" pitchFamily="34" charset="-128"/>
